--- a/presentation/介绍一下 Object 常见方法？/介绍一下 Object 常见方法？.pptx
+++ b/presentation/介绍一下 Object 常见方法？/介绍一下 Object 常见方法？.pptx
@@ -5,7 +5,7 @@
     <p:sldMasterId id="2147483648" r:id="rId1"/>
   </p:sldMasterIdLst>
   <p:notesMasterIdLst>
-    <p:notesMasterId r:id="rId7"/>
+    <p:notesMasterId r:id="rId14"/>
   </p:notesMasterIdLst>
   <p:sldIdLst>
     <p:sldId id="256" r:id="rId2"/>
@@ -13,6 +13,13 @@
     <p:sldId id="287" r:id="rId4"/>
     <p:sldId id="288" r:id="rId5"/>
     <p:sldId id="289" r:id="rId6"/>
+    <p:sldId id="291" r:id="rId7"/>
+    <p:sldId id="290" r:id="rId8"/>
+    <p:sldId id="292" r:id="rId9"/>
+    <p:sldId id="294" r:id="rId10"/>
+    <p:sldId id="293" r:id="rId11"/>
+    <p:sldId id="295" r:id="rId12"/>
+    <p:sldId id="296" r:id="rId13"/>
   </p:sldIdLst>
   <p:sldSz cx="9144000" cy="5143500" type="screen16x9"/>
   <p:notesSz cx="6858000" cy="9144000"/>
@@ -212,7 +219,7 @@
           <a:p>
             <a:fld id="{D2A48B96-639E-45A3-A0BA-2464DFDB1FAA}" type="datetimeFigureOut">
               <a:rPr lang="zh-CN" altLang="en-US" smtClean="0"/>
-              <a:t>2024-03-17</a:t>
+              <a:t>2024-03-18</a:t>
             </a:fld>
             <a:endParaRPr lang="zh-CN" altLang="en-US"/>
           </a:p>
@@ -554,6 +561,174 @@
     <p:extLst>
       <p:ext uri="{BB962C8B-B14F-4D97-AF65-F5344CB8AC3E}">
         <p14:creationId xmlns:p14="http://schemas.microsoft.com/office/powerpoint/2010/main" val="2259639221"/>
+      </p:ext>
+    </p:extLst>
+  </p:cSld>
+  <p:clrMapOvr>
+    <a:masterClrMapping/>
+  </p:clrMapOvr>
+</p:notes>
+</file>
+
+<file path=ppt/notesSlides/notesSlide10.xml><?xml version="1.0" encoding="utf-8"?>
+<p:notes xmlns:a="http://schemas.openxmlformats.org/drawingml/2006/main" xmlns:r="http://schemas.openxmlformats.org/officeDocument/2006/relationships" xmlns:p="http://schemas.openxmlformats.org/presentationml/2006/main">
+  <p:cSld>
+    <p:spTree>
+      <p:nvGrpSpPr>
+        <p:cNvPr id="1" name=""/>
+        <p:cNvGrpSpPr/>
+        <p:nvPr/>
+      </p:nvGrpSpPr>
+      <p:grpSpPr>
+        <a:xfrm>
+          <a:off x="0" y="0"/>
+          <a:ext cx="0" cy="0"/>
+          <a:chOff x="0" y="0"/>
+          <a:chExt cx="0" cy="0"/>
+        </a:xfrm>
+      </p:grpSpPr>
+      <p:sp>
+        <p:nvSpPr>
+          <p:cNvPr id="2" name="幻灯片图像占位符 1"/>
+          <p:cNvSpPr>
+            <a:spLocks noGrp="1" noRot="1" noChangeAspect="1"/>
+          </p:cNvSpPr>
+          <p:nvPr>
+            <p:ph type="sldImg"/>
+          </p:nvPr>
+        </p:nvSpPr>
+        <p:spPr/>
+      </p:sp>
+      <p:sp>
+        <p:nvSpPr>
+          <p:cNvPr id="3" name="备注占位符 2"/>
+          <p:cNvSpPr>
+            <a:spLocks noGrp="1"/>
+          </p:cNvSpPr>
+          <p:nvPr>
+            <p:ph type="body" idx="1"/>
+          </p:nvPr>
+        </p:nvSpPr>
+        <p:spPr/>
+        <p:txBody>
+          <a:bodyPr/>
+          <a:lstStyle/>
+          <a:p>
+            <a:endParaRPr lang="zh-CN" altLang="en-US" dirty="0"/>
+          </a:p>
+        </p:txBody>
+      </p:sp>
+      <p:sp>
+        <p:nvSpPr>
+          <p:cNvPr id="4" name="灯片编号占位符 3"/>
+          <p:cNvSpPr>
+            <a:spLocks noGrp="1"/>
+          </p:cNvSpPr>
+          <p:nvPr>
+            <p:ph type="sldNum" sz="quarter" idx="5"/>
+          </p:nvPr>
+        </p:nvSpPr>
+        <p:spPr/>
+        <p:txBody>
+          <a:bodyPr/>
+          <a:lstStyle/>
+          <a:p>
+            <a:fld id="{A6837353-30EB-4A48-80EB-173D804AEFBD}" type="slidenum">
+              <a:rPr lang="zh-CN" altLang="en-US" smtClean="0"/>
+              <a:t>11</a:t>
+            </a:fld>
+            <a:endParaRPr lang="zh-CN" altLang="en-US"/>
+          </a:p>
+        </p:txBody>
+      </p:sp>
+    </p:spTree>
+    <p:extLst>
+      <p:ext uri="{BB962C8B-B14F-4D97-AF65-F5344CB8AC3E}">
+        <p14:creationId xmlns:p14="http://schemas.microsoft.com/office/powerpoint/2010/main" val="2558935098"/>
+      </p:ext>
+    </p:extLst>
+  </p:cSld>
+  <p:clrMapOvr>
+    <a:masterClrMapping/>
+  </p:clrMapOvr>
+</p:notes>
+</file>
+
+<file path=ppt/notesSlides/notesSlide11.xml><?xml version="1.0" encoding="utf-8"?>
+<p:notes xmlns:a="http://schemas.openxmlformats.org/drawingml/2006/main" xmlns:r="http://schemas.openxmlformats.org/officeDocument/2006/relationships" xmlns:p="http://schemas.openxmlformats.org/presentationml/2006/main">
+  <p:cSld>
+    <p:spTree>
+      <p:nvGrpSpPr>
+        <p:cNvPr id="1" name=""/>
+        <p:cNvGrpSpPr/>
+        <p:nvPr/>
+      </p:nvGrpSpPr>
+      <p:grpSpPr>
+        <a:xfrm>
+          <a:off x="0" y="0"/>
+          <a:ext cx="0" cy="0"/>
+          <a:chOff x="0" y="0"/>
+          <a:chExt cx="0" cy="0"/>
+        </a:xfrm>
+      </p:grpSpPr>
+      <p:sp>
+        <p:nvSpPr>
+          <p:cNvPr id="2" name="幻灯片图像占位符 1"/>
+          <p:cNvSpPr>
+            <a:spLocks noGrp="1" noRot="1" noChangeAspect="1"/>
+          </p:cNvSpPr>
+          <p:nvPr>
+            <p:ph type="sldImg"/>
+          </p:nvPr>
+        </p:nvSpPr>
+        <p:spPr/>
+      </p:sp>
+      <p:sp>
+        <p:nvSpPr>
+          <p:cNvPr id="3" name="备注占位符 2"/>
+          <p:cNvSpPr>
+            <a:spLocks noGrp="1"/>
+          </p:cNvSpPr>
+          <p:nvPr>
+            <p:ph type="body" idx="1"/>
+          </p:nvPr>
+        </p:nvSpPr>
+        <p:spPr/>
+        <p:txBody>
+          <a:bodyPr/>
+          <a:lstStyle/>
+          <a:p>
+            <a:endParaRPr lang="zh-CN" altLang="en-US" dirty="0"/>
+          </a:p>
+        </p:txBody>
+      </p:sp>
+      <p:sp>
+        <p:nvSpPr>
+          <p:cNvPr id="4" name="灯片编号占位符 3"/>
+          <p:cNvSpPr>
+            <a:spLocks noGrp="1"/>
+          </p:cNvSpPr>
+          <p:nvPr>
+            <p:ph type="sldNum" sz="quarter" idx="5"/>
+          </p:nvPr>
+        </p:nvSpPr>
+        <p:spPr/>
+        <p:txBody>
+          <a:bodyPr/>
+          <a:lstStyle/>
+          <a:p>
+            <a:fld id="{A6837353-30EB-4A48-80EB-173D804AEFBD}" type="slidenum">
+              <a:rPr lang="zh-CN" altLang="en-US" smtClean="0"/>
+              <a:t>12</a:t>
+            </a:fld>
+            <a:endParaRPr lang="zh-CN" altLang="en-US"/>
+          </a:p>
+        </p:txBody>
+      </p:sp>
+    </p:spTree>
+    <p:extLst>
+      <p:ext uri="{BB962C8B-B14F-4D97-AF65-F5344CB8AC3E}">
+        <p14:creationId xmlns:p14="http://schemas.microsoft.com/office/powerpoint/2010/main" val="3179605273"/>
       </p:ext>
     </p:extLst>
   </p:cSld>
@@ -815,6 +990,426 @@
 </p:notes>
 </file>
 
+<file path=ppt/notesSlides/notesSlide5.xml><?xml version="1.0" encoding="utf-8"?>
+<p:notes xmlns:a="http://schemas.openxmlformats.org/drawingml/2006/main" xmlns:r="http://schemas.openxmlformats.org/officeDocument/2006/relationships" xmlns:p="http://schemas.openxmlformats.org/presentationml/2006/main">
+  <p:cSld>
+    <p:spTree>
+      <p:nvGrpSpPr>
+        <p:cNvPr id="1" name=""/>
+        <p:cNvGrpSpPr/>
+        <p:nvPr/>
+      </p:nvGrpSpPr>
+      <p:grpSpPr>
+        <a:xfrm>
+          <a:off x="0" y="0"/>
+          <a:ext cx="0" cy="0"/>
+          <a:chOff x="0" y="0"/>
+          <a:chExt cx="0" cy="0"/>
+        </a:xfrm>
+      </p:grpSpPr>
+      <p:sp>
+        <p:nvSpPr>
+          <p:cNvPr id="2" name="幻灯片图像占位符 1"/>
+          <p:cNvSpPr>
+            <a:spLocks noGrp="1" noRot="1" noChangeAspect="1"/>
+          </p:cNvSpPr>
+          <p:nvPr>
+            <p:ph type="sldImg"/>
+          </p:nvPr>
+        </p:nvSpPr>
+        <p:spPr/>
+      </p:sp>
+      <p:sp>
+        <p:nvSpPr>
+          <p:cNvPr id="3" name="备注占位符 2"/>
+          <p:cNvSpPr>
+            <a:spLocks noGrp="1"/>
+          </p:cNvSpPr>
+          <p:nvPr>
+            <p:ph type="body" idx="1"/>
+          </p:nvPr>
+        </p:nvSpPr>
+        <p:spPr/>
+        <p:txBody>
+          <a:bodyPr/>
+          <a:lstStyle/>
+          <a:p>
+            <a:endParaRPr lang="zh-CN" altLang="en-US" dirty="0"/>
+          </a:p>
+        </p:txBody>
+      </p:sp>
+      <p:sp>
+        <p:nvSpPr>
+          <p:cNvPr id="4" name="灯片编号占位符 3"/>
+          <p:cNvSpPr>
+            <a:spLocks noGrp="1"/>
+          </p:cNvSpPr>
+          <p:nvPr>
+            <p:ph type="sldNum" sz="quarter" idx="5"/>
+          </p:nvPr>
+        </p:nvSpPr>
+        <p:spPr/>
+        <p:txBody>
+          <a:bodyPr/>
+          <a:lstStyle/>
+          <a:p>
+            <a:fld id="{A6837353-30EB-4A48-80EB-173D804AEFBD}" type="slidenum">
+              <a:rPr lang="zh-CN" altLang="en-US" smtClean="0"/>
+              <a:t>6</a:t>
+            </a:fld>
+            <a:endParaRPr lang="zh-CN" altLang="en-US"/>
+          </a:p>
+        </p:txBody>
+      </p:sp>
+    </p:spTree>
+    <p:extLst>
+      <p:ext uri="{BB962C8B-B14F-4D97-AF65-F5344CB8AC3E}">
+        <p14:creationId xmlns:p14="http://schemas.microsoft.com/office/powerpoint/2010/main" val="3905137886"/>
+      </p:ext>
+    </p:extLst>
+  </p:cSld>
+  <p:clrMapOvr>
+    <a:masterClrMapping/>
+  </p:clrMapOvr>
+</p:notes>
+</file>
+
+<file path=ppt/notesSlides/notesSlide6.xml><?xml version="1.0" encoding="utf-8"?>
+<p:notes xmlns:a="http://schemas.openxmlformats.org/drawingml/2006/main" xmlns:r="http://schemas.openxmlformats.org/officeDocument/2006/relationships" xmlns:p="http://schemas.openxmlformats.org/presentationml/2006/main">
+  <p:cSld>
+    <p:spTree>
+      <p:nvGrpSpPr>
+        <p:cNvPr id="1" name=""/>
+        <p:cNvGrpSpPr/>
+        <p:nvPr/>
+      </p:nvGrpSpPr>
+      <p:grpSpPr>
+        <a:xfrm>
+          <a:off x="0" y="0"/>
+          <a:ext cx="0" cy="0"/>
+          <a:chOff x="0" y="0"/>
+          <a:chExt cx="0" cy="0"/>
+        </a:xfrm>
+      </p:grpSpPr>
+      <p:sp>
+        <p:nvSpPr>
+          <p:cNvPr id="2" name="幻灯片图像占位符 1"/>
+          <p:cNvSpPr>
+            <a:spLocks noGrp="1" noRot="1" noChangeAspect="1"/>
+          </p:cNvSpPr>
+          <p:nvPr>
+            <p:ph type="sldImg"/>
+          </p:nvPr>
+        </p:nvSpPr>
+        <p:spPr/>
+      </p:sp>
+      <p:sp>
+        <p:nvSpPr>
+          <p:cNvPr id="3" name="备注占位符 2"/>
+          <p:cNvSpPr>
+            <a:spLocks noGrp="1"/>
+          </p:cNvSpPr>
+          <p:nvPr>
+            <p:ph type="body" idx="1"/>
+          </p:nvPr>
+        </p:nvSpPr>
+        <p:spPr/>
+        <p:txBody>
+          <a:bodyPr/>
+          <a:lstStyle/>
+          <a:p>
+            <a:endParaRPr lang="zh-CN" altLang="en-US" dirty="0"/>
+          </a:p>
+        </p:txBody>
+      </p:sp>
+      <p:sp>
+        <p:nvSpPr>
+          <p:cNvPr id="4" name="灯片编号占位符 3"/>
+          <p:cNvSpPr>
+            <a:spLocks noGrp="1"/>
+          </p:cNvSpPr>
+          <p:nvPr>
+            <p:ph type="sldNum" sz="quarter" idx="5"/>
+          </p:nvPr>
+        </p:nvSpPr>
+        <p:spPr/>
+        <p:txBody>
+          <a:bodyPr/>
+          <a:lstStyle/>
+          <a:p>
+            <a:fld id="{A6837353-30EB-4A48-80EB-173D804AEFBD}" type="slidenum">
+              <a:rPr lang="zh-CN" altLang="en-US" smtClean="0"/>
+              <a:t>7</a:t>
+            </a:fld>
+            <a:endParaRPr lang="zh-CN" altLang="en-US"/>
+          </a:p>
+        </p:txBody>
+      </p:sp>
+    </p:spTree>
+    <p:extLst>
+      <p:ext uri="{BB962C8B-B14F-4D97-AF65-F5344CB8AC3E}">
+        <p14:creationId xmlns:p14="http://schemas.microsoft.com/office/powerpoint/2010/main" val="2084596931"/>
+      </p:ext>
+    </p:extLst>
+  </p:cSld>
+  <p:clrMapOvr>
+    <a:masterClrMapping/>
+  </p:clrMapOvr>
+</p:notes>
+</file>
+
+<file path=ppt/notesSlides/notesSlide7.xml><?xml version="1.0" encoding="utf-8"?>
+<p:notes xmlns:a="http://schemas.openxmlformats.org/drawingml/2006/main" xmlns:r="http://schemas.openxmlformats.org/officeDocument/2006/relationships" xmlns:p="http://schemas.openxmlformats.org/presentationml/2006/main">
+  <p:cSld>
+    <p:spTree>
+      <p:nvGrpSpPr>
+        <p:cNvPr id="1" name=""/>
+        <p:cNvGrpSpPr/>
+        <p:nvPr/>
+      </p:nvGrpSpPr>
+      <p:grpSpPr>
+        <a:xfrm>
+          <a:off x="0" y="0"/>
+          <a:ext cx="0" cy="0"/>
+          <a:chOff x="0" y="0"/>
+          <a:chExt cx="0" cy="0"/>
+        </a:xfrm>
+      </p:grpSpPr>
+      <p:sp>
+        <p:nvSpPr>
+          <p:cNvPr id="2" name="幻灯片图像占位符 1"/>
+          <p:cNvSpPr>
+            <a:spLocks noGrp="1" noRot="1" noChangeAspect="1"/>
+          </p:cNvSpPr>
+          <p:nvPr>
+            <p:ph type="sldImg"/>
+          </p:nvPr>
+        </p:nvSpPr>
+        <p:spPr/>
+      </p:sp>
+      <p:sp>
+        <p:nvSpPr>
+          <p:cNvPr id="3" name="备注占位符 2"/>
+          <p:cNvSpPr>
+            <a:spLocks noGrp="1"/>
+          </p:cNvSpPr>
+          <p:nvPr>
+            <p:ph type="body" idx="1"/>
+          </p:nvPr>
+        </p:nvSpPr>
+        <p:spPr/>
+        <p:txBody>
+          <a:bodyPr/>
+          <a:lstStyle/>
+          <a:p>
+            <a:endParaRPr lang="zh-CN" altLang="en-US" dirty="0"/>
+          </a:p>
+        </p:txBody>
+      </p:sp>
+      <p:sp>
+        <p:nvSpPr>
+          <p:cNvPr id="4" name="灯片编号占位符 3"/>
+          <p:cNvSpPr>
+            <a:spLocks noGrp="1"/>
+          </p:cNvSpPr>
+          <p:nvPr>
+            <p:ph type="sldNum" sz="quarter" idx="5"/>
+          </p:nvPr>
+        </p:nvSpPr>
+        <p:spPr/>
+        <p:txBody>
+          <a:bodyPr/>
+          <a:lstStyle/>
+          <a:p>
+            <a:fld id="{A6837353-30EB-4A48-80EB-173D804AEFBD}" type="slidenum">
+              <a:rPr lang="zh-CN" altLang="en-US" smtClean="0"/>
+              <a:t>8</a:t>
+            </a:fld>
+            <a:endParaRPr lang="zh-CN" altLang="en-US"/>
+          </a:p>
+        </p:txBody>
+      </p:sp>
+    </p:spTree>
+    <p:extLst>
+      <p:ext uri="{BB962C8B-B14F-4D97-AF65-F5344CB8AC3E}">
+        <p14:creationId xmlns:p14="http://schemas.microsoft.com/office/powerpoint/2010/main" val="2354934831"/>
+      </p:ext>
+    </p:extLst>
+  </p:cSld>
+  <p:clrMapOvr>
+    <a:masterClrMapping/>
+  </p:clrMapOvr>
+</p:notes>
+</file>
+
+<file path=ppt/notesSlides/notesSlide8.xml><?xml version="1.0" encoding="utf-8"?>
+<p:notes xmlns:a="http://schemas.openxmlformats.org/drawingml/2006/main" xmlns:r="http://schemas.openxmlformats.org/officeDocument/2006/relationships" xmlns:p="http://schemas.openxmlformats.org/presentationml/2006/main">
+  <p:cSld>
+    <p:spTree>
+      <p:nvGrpSpPr>
+        <p:cNvPr id="1" name=""/>
+        <p:cNvGrpSpPr/>
+        <p:nvPr/>
+      </p:nvGrpSpPr>
+      <p:grpSpPr>
+        <a:xfrm>
+          <a:off x="0" y="0"/>
+          <a:ext cx="0" cy="0"/>
+          <a:chOff x="0" y="0"/>
+          <a:chExt cx="0" cy="0"/>
+        </a:xfrm>
+      </p:grpSpPr>
+      <p:sp>
+        <p:nvSpPr>
+          <p:cNvPr id="2" name="幻灯片图像占位符 1"/>
+          <p:cNvSpPr>
+            <a:spLocks noGrp="1" noRot="1" noChangeAspect="1"/>
+          </p:cNvSpPr>
+          <p:nvPr>
+            <p:ph type="sldImg"/>
+          </p:nvPr>
+        </p:nvSpPr>
+        <p:spPr/>
+      </p:sp>
+      <p:sp>
+        <p:nvSpPr>
+          <p:cNvPr id="3" name="备注占位符 2"/>
+          <p:cNvSpPr>
+            <a:spLocks noGrp="1"/>
+          </p:cNvSpPr>
+          <p:nvPr>
+            <p:ph type="body" idx="1"/>
+          </p:nvPr>
+        </p:nvSpPr>
+        <p:spPr/>
+        <p:txBody>
+          <a:bodyPr/>
+          <a:lstStyle/>
+          <a:p>
+            <a:endParaRPr lang="zh-CN" altLang="en-US" dirty="0"/>
+          </a:p>
+        </p:txBody>
+      </p:sp>
+      <p:sp>
+        <p:nvSpPr>
+          <p:cNvPr id="4" name="灯片编号占位符 3"/>
+          <p:cNvSpPr>
+            <a:spLocks noGrp="1"/>
+          </p:cNvSpPr>
+          <p:nvPr>
+            <p:ph type="sldNum" sz="quarter" idx="5"/>
+          </p:nvPr>
+        </p:nvSpPr>
+        <p:spPr/>
+        <p:txBody>
+          <a:bodyPr/>
+          <a:lstStyle/>
+          <a:p>
+            <a:fld id="{A6837353-30EB-4A48-80EB-173D804AEFBD}" type="slidenum">
+              <a:rPr lang="zh-CN" altLang="en-US" smtClean="0"/>
+              <a:t>9</a:t>
+            </a:fld>
+            <a:endParaRPr lang="zh-CN" altLang="en-US"/>
+          </a:p>
+        </p:txBody>
+      </p:sp>
+    </p:spTree>
+    <p:extLst>
+      <p:ext uri="{BB962C8B-B14F-4D97-AF65-F5344CB8AC3E}">
+        <p14:creationId xmlns:p14="http://schemas.microsoft.com/office/powerpoint/2010/main" val="2256723906"/>
+      </p:ext>
+    </p:extLst>
+  </p:cSld>
+  <p:clrMapOvr>
+    <a:masterClrMapping/>
+  </p:clrMapOvr>
+</p:notes>
+</file>
+
+<file path=ppt/notesSlides/notesSlide9.xml><?xml version="1.0" encoding="utf-8"?>
+<p:notes xmlns:a="http://schemas.openxmlformats.org/drawingml/2006/main" xmlns:r="http://schemas.openxmlformats.org/officeDocument/2006/relationships" xmlns:p="http://schemas.openxmlformats.org/presentationml/2006/main">
+  <p:cSld>
+    <p:spTree>
+      <p:nvGrpSpPr>
+        <p:cNvPr id="1" name=""/>
+        <p:cNvGrpSpPr/>
+        <p:nvPr/>
+      </p:nvGrpSpPr>
+      <p:grpSpPr>
+        <a:xfrm>
+          <a:off x="0" y="0"/>
+          <a:ext cx="0" cy="0"/>
+          <a:chOff x="0" y="0"/>
+          <a:chExt cx="0" cy="0"/>
+        </a:xfrm>
+      </p:grpSpPr>
+      <p:sp>
+        <p:nvSpPr>
+          <p:cNvPr id="2" name="幻灯片图像占位符 1"/>
+          <p:cNvSpPr>
+            <a:spLocks noGrp="1" noRot="1" noChangeAspect="1"/>
+          </p:cNvSpPr>
+          <p:nvPr>
+            <p:ph type="sldImg"/>
+          </p:nvPr>
+        </p:nvSpPr>
+        <p:spPr/>
+      </p:sp>
+      <p:sp>
+        <p:nvSpPr>
+          <p:cNvPr id="3" name="备注占位符 2"/>
+          <p:cNvSpPr>
+            <a:spLocks noGrp="1"/>
+          </p:cNvSpPr>
+          <p:nvPr>
+            <p:ph type="body" idx="1"/>
+          </p:nvPr>
+        </p:nvSpPr>
+        <p:spPr/>
+        <p:txBody>
+          <a:bodyPr/>
+          <a:lstStyle/>
+          <a:p>
+            <a:endParaRPr lang="zh-CN" altLang="en-US" dirty="0"/>
+          </a:p>
+        </p:txBody>
+      </p:sp>
+      <p:sp>
+        <p:nvSpPr>
+          <p:cNvPr id="4" name="灯片编号占位符 3"/>
+          <p:cNvSpPr>
+            <a:spLocks noGrp="1"/>
+          </p:cNvSpPr>
+          <p:nvPr>
+            <p:ph type="sldNum" sz="quarter" idx="5"/>
+          </p:nvPr>
+        </p:nvSpPr>
+        <p:spPr/>
+        <p:txBody>
+          <a:bodyPr/>
+          <a:lstStyle/>
+          <a:p>
+            <a:fld id="{A6837353-30EB-4A48-80EB-173D804AEFBD}" type="slidenum">
+              <a:rPr lang="zh-CN" altLang="en-US" smtClean="0"/>
+              <a:t>10</a:t>
+            </a:fld>
+            <a:endParaRPr lang="zh-CN" altLang="en-US"/>
+          </a:p>
+        </p:txBody>
+      </p:sp>
+    </p:spTree>
+    <p:extLst>
+      <p:ext uri="{BB962C8B-B14F-4D97-AF65-F5344CB8AC3E}">
+        <p14:creationId xmlns:p14="http://schemas.microsoft.com/office/powerpoint/2010/main" val="4066524578"/>
+      </p:ext>
+    </p:extLst>
+  </p:cSld>
+  <p:clrMapOvr>
+    <a:masterClrMapping/>
+  </p:clrMapOvr>
+</p:notes>
+</file>
+
 <file path=ppt/slideLayouts/slideLayout1.xml><?xml version="1.0" encoding="utf-8"?>
 <p:sldLayout xmlns:a="http://schemas.openxmlformats.org/drawingml/2006/main" xmlns:r="http://schemas.openxmlformats.org/officeDocument/2006/relationships" xmlns:p="http://schemas.openxmlformats.org/presentationml/2006/main" preserve="1" userDrawn="1">
   <p:cSld name="标题幻灯片">
@@ -859,7 +1454,7 @@
           <a:p>
             <a:fld id="{8035C5D1-AD16-4B01-871F-DE047A6CFB67}" type="datetimeFigureOut">
               <a:rPr lang="zh-CN" altLang="en-US" smtClean="0"/>
-              <a:t>2024-03-17</a:t>
+              <a:t>2024-03-18</a:t>
             </a:fld>
             <a:endParaRPr lang="zh-CN" altLang="en-US"/>
           </a:p>
@@ -971,7 +1566,7 @@
           <a:p>
             <a:fld id="{8035C5D1-AD16-4B01-871F-DE047A6CFB67}" type="datetimeFigureOut">
               <a:rPr lang="zh-CN" altLang="en-US" smtClean="0"/>
-              <a:t>2024-03-17</a:t>
+              <a:t>2024-03-18</a:t>
             </a:fld>
             <a:endParaRPr lang="zh-CN" altLang="en-US"/>
           </a:p>
@@ -1088,7 +1683,7 @@
           <a:p>
             <a:fld id="{8035C5D1-AD16-4B01-871F-DE047A6CFB67}" type="datetimeFigureOut">
               <a:rPr lang="zh-CN" altLang="en-US" smtClean="0"/>
-              <a:t>2024-03-17</a:t>
+              <a:t>2024-03-18</a:t>
             </a:fld>
             <a:endParaRPr lang="zh-CN" altLang="en-US"/>
           </a:p>
@@ -1205,7 +1800,7 @@
           <a:p>
             <a:fld id="{8035C5D1-AD16-4B01-871F-DE047A6CFB67}" type="datetimeFigureOut">
               <a:rPr lang="zh-CN" altLang="en-US" smtClean="0"/>
-              <a:t>2024-03-17</a:t>
+              <a:t>2024-03-18</a:t>
             </a:fld>
             <a:endParaRPr lang="zh-CN" altLang="en-US"/>
           </a:p>
@@ -1322,7 +1917,7 @@
           <a:p>
             <a:fld id="{8035C5D1-AD16-4B01-871F-DE047A6CFB67}" type="datetimeFigureOut">
               <a:rPr lang="zh-CN" altLang="en-US" smtClean="0"/>
-              <a:t>2024-03-17</a:t>
+              <a:t>2024-03-18</a:t>
             </a:fld>
             <a:endParaRPr lang="zh-CN" altLang="en-US"/>
           </a:p>
@@ -1439,7 +2034,7 @@
           <a:p>
             <a:fld id="{8035C5D1-AD16-4B01-871F-DE047A6CFB67}" type="datetimeFigureOut">
               <a:rPr lang="zh-CN" altLang="en-US" smtClean="0"/>
-              <a:t>2024-03-17</a:t>
+              <a:t>2024-03-18</a:t>
             </a:fld>
             <a:endParaRPr lang="zh-CN" altLang="en-US"/>
           </a:p>
@@ -1556,7 +2151,7 @@
           <a:p>
             <a:fld id="{8035C5D1-AD16-4B01-871F-DE047A6CFB67}" type="datetimeFigureOut">
               <a:rPr lang="zh-CN" altLang="en-US" smtClean="0"/>
-              <a:t>2024-03-17</a:t>
+              <a:t>2024-03-18</a:t>
             </a:fld>
             <a:endParaRPr lang="zh-CN" altLang="en-US"/>
           </a:p>
@@ -2688,7 +3283,7 @@
           <a:p>
             <a:fld id="{8035C5D1-AD16-4B01-871F-DE047A6CFB67}" type="datetimeFigureOut">
               <a:rPr lang="zh-CN" altLang="en-US" smtClean="0"/>
-              <a:t>2024-03-17</a:t>
+              <a:t>2024-03-18</a:t>
             </a:fld>
             <a:endParaRPr lang="zh-CN" altLang="en-US"/>
           </a:p>
@@ -3244,6 +3839,3058 @@
 </p:sld>
 </file>
 
+<file path=ppt/slides/slide10.xml><?xml version="1.0" encoding="utf-8"?>
+<p:sld xmlns:a="http://schemas.openxmlformats.org/drawingml/2006/main" xmlns:r="http://schemas.openxmlformats.org/officeDocument/2006/relationships" xmlns:p="http://schemas.openxmlformats.org/presentationml/2006/main">
+  <p:cSld>
+    <p:spTree>
+      <p:nvGrpSpPr>
+        <p:cNvPr id="1" name=""/>
+        <p:cNvGrpSpPr/>
+        <p:nvPr/>
+      </p:nvGrpSpPr>
+      <p:grpSpPr>
+        <a:xfrm>
+          <a:off x="0" y="0"/>
+          <a:ext cx="0" cy="0"/>
+          <a:chOff x="0" y="0"/>
+          <a:chExt cx="0" cy="0"/>
+        </a:xfrm>
+      </p:grpSpPr>
+      <p:sp>
+        <p:nvSpPr>
+          <p:cNvPr id="47" name="Rectangle 39"/>
+          <p:cNvSpPr>
+            <a:spLocks noChangeArrowheads="1"/>
+          </p:cNvSpPr>
+          <p:nvPr/>
+        </p:nvSpPr>
+        <p:spPr bwMode="auto">
+          <a:xfrm>
+            <a:off x="416159" y="278281"/>
+            <a:ext cx="2778059" cy="307872"/>
+          </a:xfrm>
+          <a:prstGeom prst="rect">
+            <a:avLst/>
+          </a:prstGeom>
+          <a:noFill/>
+          <a:ln>
+            <a:noFill/>
+          </a:ln>
+          <a:extLst>
+            <a:ext uri="{909E8E84-426E-40DD-AFC4-6F175D3DCCD1}">
+              <a14:hiddenFill xmlns:a14="http://schemas.microsoft.com/office/drawing/2010/main">
+                <a:solidFill>
+                  <a:srgbClr val="FFFFFF"/>
+                </a:solidFill>
+              </a14:hiddenFill>
+            </a:ext>
+            <a:ext uri="{91240B29-F687-4F45-9708-019B960494DF}">
+              <a14:hiddenLine xmlns:a14="http://schemas.microsoft.com/office/drawing/2010/main" w="9525">
+                <a:solidFill>
+                  <a:srgbClr val="000000"/>
+                </a:solidFill>
+                <a:miter lim="800000"/>
+                <a:headEnd/>
+                <a:tailEnd/>
+              </a14:hiddenLine>
+            </a:ext>
+          </a:extLst>
+        </p:spPr>
+        <p:txBody>
+          <a:bodyPr wrap="square" lIns="0" tIns="0" rIns="0" bIns="0">
+            <a:spAutoFit/>
+          </a:bodyPr>
+          <a:lstStyle/>
+          <a:p>
+            <a:pPr>
+              <a:buFont typeface="Arial" pitchFamily="34" charset="0"/>
+              <a:buNone/>
+            </a:pPr>
+            <a:r>
+              <a:rPr lang="en-US" altLang="zh-CN" sz="2000" dirty="0">
+                <a:solidFill>
+                  <a:schemeClr val="accent1"/>
+                </a:solidFill>
+                <a:latin typeface="微软雅黑" pitchFamily="34" charset="-122"/>
+                <a:ea typeface="微软雅黑" pitchFamily="34" charset="-122"/>
+              </a:rPr>
+              <a:t>wait, notify / </a:t>
+            </a:r>
+            <a:r>
+              <a:rPr lang="en-US" altLang="zh-CN" sz="2000" dirty="0" err="1">
+                <a:solidFill>
+                  <a:schemeClr val="accent1"/>
+                </a:solidFill>
+                <a:latin typeface="微软雅黑" pitchFamily="34" charset="-122"/>
+                <a:ea typeface="微软雅黑" pitchFamily="34" charset="-122"/>
+              </a:rPr>
+              <a:t>notifyAll</a:t>
+            </a:r>
+            <a:endParaRPr lang="en-US" altLang="zh-CN" sz="2000" dirty="0">
+              <a:solidFill>
+                <a:schemeClr val="accent1"/>
+              </a:solidFill>
+              <a:latin typeface="微软雅黑" pitchFamily="34" charset="-122"/>
+              <a:ea typeface="微软雅黑" pitchFamily="34" charset="-122"/>
+            </a:endParaRPr>
+          </a:p>
+        </p:txBody>
+      </p:sp>
+      <p:grpSp>
+        <p:nvGrpSpPr>
+          <p:cNvPr id="48" name="组合 47"/>
+          <p:cNvGrpSpPr/>
+          <p:nvPr/>
+        </p:nvGrpSpPr>
+        <p:grpSpPr>
+          <a:xfrm>
+            <a:off x="416158" y="699542"/>
+            <a:ext cx="899592" cy="56017"/>
+            <a:chOff x="0" y="2842590"/>
+            <a:chExt cx="7054752" cy="89199"/>
+          </a:xfrm>
+        </p:grpSpPr>
+        <p:sp>
+          <p:nvSpPr>
+            <p:cNvPr id="49" name="矩形 48"/>
+            <p:cNvSpPr/>
+            <p:nvPr/>
+          </p:nvSpPr>
+          <p:spPr>
+            <a:xfrm>
+              <a:off x="0" y="2842590"/>
+              <a:ext cx="1763688" cy="89199"/>
+            </a:xfrm>
+            <a:prstGeom prst="rect">
+              <a:avLst/>
+            </a:prstGeom>
+            <a:solidFill>
+              <a:schemeClr val="accent1"/>
+            </a:solidFill>
+            <a:ln>
+              <a:noFill/>
+            </a:ln>
+          </p:spPr>
+          <p:style>
+            <a:lnRef idx="2">
+              <a:schemeClr val="accent1">
+                <a:shade val="50000"/>
+              </a:schemeClr>
+            </a:lnRef>
+            <a:fillRef idx="1">
+              <a:schemeClr val="accent1"/>
+            </a:fillRef>
+            <a:effectRef idx="0">
+              <a:schemeClr val="accent1"/>
+            </a:effectRef>
+            <a:fontRef idx="minor">
+              <a:schemeClr val="lt1"/>
+            </a:fontRef>
+          </p:style>
+          <p:txBody>
+            <a:bodyPr rtlCol="0" anchor="ctr"/>
+            <a:lstStyle/>
+            <a:p>
+              <a:pPr algn="ctr"/>
+              <a:endParaRPr lang="zh-CN" altLang="en-US"/>
+            </a:p>
+          </p:txBody>
+        </p:sp>
+        <p:sp>
+          <p:nvSpPr>
+            <p:cNvPr id="50" name="矩形 49"/>
+            <p:cNvSpPr/>
+            <p:nvPr/>
+          </p:nvSpPr>
+          <p:spPr>
+            <a:xfrm>
+              <a:off x="1763688" y="2842590"/>
+              <a:ext cx="1763688" cy="89199"/>
+            </a:xfrm>
+            <a:prstGeom prst="rect">
+              <a:avLst/>
+            </a:prstGeom>
+            <a:solidFill>
+              <a:schemeClr val="accent2"/>
+            </a:solidFill>
+            <a:ln>
+              <a:noFill/>
+            </a:ln>
+          </p:spPr>
+          <p:style>
+            <a:lnRef idx="2">
+              <a:schemeClr val="accent1">
+                <a:shade val="50000"/>
+              </a:schemeClr>
+            </a:lnRef>
+            <a:fillRef idx="1">
+              <a:schemeClr val="accent1"/>
+            </a:fillRef>
+            <a:effectRef idx="0">
+              <a:schemeClr val="accent1"/>
+            </a:effectRef>
+            <a:fontRef idx="minor">
+              <a:schemeClr val="lt1"/>
+            </a:fontRef>
+          </p:style>
+          <p:txBody>
+            <a:bodyPr rtlCol="0" anchor="ctr"/>
+            <a:lstStyle/>
+            <a:p>
+              <a:pPr algn="ctr"/>
+              <a:endParaRPr lang="zh-CN" altLang="en-US"/>
+            </a:p>
+          </p:txBody>
+        </p:sp>
+        <p:sp>
+          <p:nvSpPr>
+            <p:cNvPr id="51" name="矩形 50"/>
+            <p:cNvSpPr/>
+            <p:nvPr/>
+          </p:nvSpPr>
+          <p:spPr>
+            <a:xfrm>
+              <a:off x="3527376" y="2842590"/>
+              <a:ext cx="1763688" cy="89199"/>
+            </a:xfrm>
+            <a:prstGeom prst="rect">
+              <a:avLst/>
+            </a:prstGeom>
+            <a:solidFill>
+              <a:schemeClr val="accent3"/>
+            </a:solidFill>
+            <a:ln>
+              <a:noFill/>
+            </a:ln>
+          </p:spPr>
+          <p:style>
+            <a:lnRef idx="2">
+              <a:schemeClr val="accent1">
+                <a:shade val="50000"/>
+              </a:schemeClr>
+            </a:lnRef>
+            <a:fillRef idx="1">
+              <a:schemeClr val="accent1"/>
+            </a:fillRef>
+            <a:effectRef idx="0">
+              <a:schemeClr val="accent1"/>
+            </a:effectRef>
+            <a:fontRef idx="minor">
+              <a:schemeClr val="lt1"/>
+            </a:fontRef>
+          </p:style>
+          <p:txBody>
+            <a:bodyPr rtlCol="0" anchor="ctr"/>
+            <a:lstStyle/>
+            <a:p>
+              <a:pPr algn="ctr"/>
+              <a:endParaRPr lang="zh-CN" altLang="en-US"/>
+            </a:p>
+          </p:txBody>
+        </p:sp>
+        <p:sp>
+          <p:nvSpPr>
+            <p:cNvPr id="52" name="矩形 51"/>
+            <p:cNvSpPr/>
+            <p:nvPr/>
+          </p:nvSpPr>
+          <p:spPr>
+            <a:xfrm>
+              <a:off x="5291064" y="2842590"/>
+              <a:ext cx="1763688" cy="89199"/>
+            </a:xfrm>
+            <a:prstGeom prst="rect">
+              <a:avLst/>
+            </a:prstGeom>
+            <a:solidFill>
+              <a:schemeClr val="accent4"/>
+            </a:solidFill>
+            <a:ln>
+              <a:noFill/>
+            </a:ln>
+          </p:spPr>
+          <p:style>
+            <a:lnRef idx="2">
+              <a:schemeClr val="accent1">
+                <a:shade val="50000"/>
+              </a:schemeClr>
+            </a:lnRef>
+            <a:fillRef idx="1">
+              <a:schemeClr val="accent1"/>
+            </a:fillRef>
+            <a:effectRef idx="0">
+              <a:schemeClr val="accent1"/>
+            </a:effectRef>
+            <a:fontRef idx="minor">
+              <a:schemeClr val="lt1"/>
+            </a:fontRef>
+          </p:style>
+          <p:txBody>
+            <a:bodyPr rtlCol="0" anchor="ctr"/>
+            <a:lstStyle/>
+            <a:p>
+              <a:pPr algn="ctr"/>
+              <a:endParaRPr lang="zh-CN" altLang="en-US"/>
+            </a:p>
+          </p:txBody>
+        </p:sp>
+      </p:grpSp>
+      <p:sp>
+        <p:nvSpPr>
+          <p:cNvPr id="14" name="TextBox 21">
+            <a:extLst>
+              <a:ext uri="{FF2B5EF4-FFF2-40B4-BE49-F238E27FC236}">
+                <a16:creationId xmlns:a16="http://schemas.microsoft.com/office/drawing/2014/main" id="{69BC8B4F-4A33-4A1F-96F8-BBC903B090B9}"/>
+              </a:ext>
+            </a:extLst>
+          </p:cNvPr>
+          <p:cNvSpPr txBox="1"/>
+          <p:nvPr/>
+        </p:nvSpPr>
+        <p:spPr>
+          <a:xfrm>
+            <a:off x="865954" y="968898"/>
+            <a:ext cx="5835876" cy="377411"/>
+          </a:xfrm>
+          <a:prstGeom prst="rect">
+            <a:avLst/>
+          </a:prstGeom>
+          <a:noFill/>
+        </p:spPr>
+        <p:txBody>
+          <a:bodyPr wrap="square" rtlCol="0">
+            <a:spAutoFit/>
+          </a:bodyPr>
+          <a:lstStyle/>
+          <a:p>
+            <a:pPr>
+              <a:lnSpc>
+                <a:spcPct val="150000"/>
+              </a:lnSpc>
+            </a:pPr>
+            <a:r>
+              <a:rPr lang="en-US" altLang="zh-CN" sz="1400" dirty="0">
+                <a:ln w="6350">
+                  <a:noFill/>
+                </a:ln>
+                <a:solidFill>
+                  <a:schemeClr val="bg1">
+                    <a:lumMod val="50000"/>
+                  </a:schemeClr>
+                </a:solidFill>
+                <a:latin typeface="微软雅黑" pitchFamily="34" charset="-122"/>
+                <a:ea typeface="微软雅黑" pitchFamily="34" charset="-122"/>
+              </a:rPr>
+              <a:t>【</a:t>
+            </a:r>
+            <a:r>
+              <a:rPr lang="zh-CN" altLang="en-US" sz="1400" dirty="0">
+                <a:ln w="6350">
+                  <a:noFill/>
+                </a:ln>
+                <a:solidFill>
+                  <a:schemeClr val="bg1">
+                    <a:lumMod val="50000"/>
+                  </a:schemeClr>
+                </a:solidFill>
+                <a:latin typeface="微软雅黑" pitchFamily="34" charset="-122"/>
+                <a:ea typeface="微软雅黑" pitchFamily="34" charset="-122"/>
+              </a:rPr>
+              <a:t>扩展问题</a:t>
+            </a:r>
+            <a:r>
+              <a:rPr lang="en-US" altLang="zh-CN" sz="1400" dirty="0">
+                <a:ln w="6350">
+                  <a:noFill/>
+                </a:ln>
+                <a:solidFill>
+                  <a:schemeClr val="bg1">
+                    <a:lumMod val="50000"/>
+                  </a:schemeClr>
+                </a:solidFill>
+                <a:latin typeface="微软雅黑" pitchFamily="34" charset="-122"/>
+                <a:ea typeface="微软雅黑" pitchFamily="34" charset="-122"/>
+              </a:rPr>
+              <a:t>】wait</a:t>
+            </a:r>
+            <a:r>
+              <a:rPr lang="zh-CN" altLang="en-US" sz="1400" dirty="0">
+                <a:ln w="6350">
+                  <a:noFill/>
+                </a:ln>
+                <a:solidFill>
+                  <a:schemeClr val="bg1">
+                    <a:lumMod val="50000"/>
+                  </a:schemeClr>
+                </a:solidFill>
+                <a:latin typeface="微软雅黑" pitchFamily="34" charset="-122"/>
+                <a:ea typeface="微软雅黑" pitchFamily="34" charset="-122"/>
+              </a:rPr>
+              <a:t>和</a:t>
+            </a:r>
+            <a:r>
+              <a:rPr lang="en-US" altLang="zh-CN" sz="1400" dirty="0">
+                <a:ln w="6350">
+                  <a:noFill/>
+                </a:ln>
+                <a:solidFill>
+                  <a:schemeClr val="bg1">
+                    <a:lumMod val="50000"/>
+                  </a:schemeClr>
+                </a:solidFill>
+                <a:latin typeface="微软雅黑" pitchFamily="34" charset="-122"/>
+                <a:ea typeface="微软雅黑" pitchFamily="34" charset="-122"/>
+              </a:rPr>
+              <a:t>notify / </a:t>
+            </a:r>
+            <a:r>
+              <a:rPr lang="en-US" altLang="zh-CN" sz="1400" dirty="0" err="1">
+                <a:ln w="6350">
+                  <a:noFill/>
+                </a:ln>
+                <a:solidFill>
+                  <a:schemeClr val="bg1">
+                    <a:lumMod val="50000"/>
+                  </a:schemeClr>
+                </a:solidFill>
+                <a:latin typeface="微软雅黑" pitchFamily="34" charset="-122"/>
+                <a:ea typeface="微软雅黑" pitchFamily="34" charset="-122"/>
+              </a:rPr>
+              <a:t>notifyAll</a:t>
+            </a:r>
+            <a:r>
+              <a:rPr lang="zh-CN" altLang="en-US" sz="1400" dirty="0">
+                <a:ln w="6350">
+                  <a:noFill/>
+                </a:ln>
+                <a:solidFill>
+                  <a:schemeClr val="bg1">
+                    <a:lumMod val="50000"/>
+                  </a:schemeClr>
+                </a:solidFill>
+                <a:latin typeface="微软雅黑" pitchFamily="34" charset="-122"/>
+                <a:ea typeface="微软雅黑" pitchFamily="34" charset="-122"/>
+              </a:rPr>
+              <a:t>如何解决线程同步问题？</a:t>
+            </a:r>
+            <a:endParaRPr lang="en-US" altLang="zh-CN" sz="1400" dirty="0">
+              <a:ln w="6350">
+                <a:noFill/>
+              </a:ln>
+              <a:solidFill>
+                <a:schemeClr val="bg1">
+                  <a:lumMod val="50000"/>
+                </a:schemeClr>
+              </a:solidFill>
+              <a:latin typeface="微软雅黑" pitchFamily="34" charset="-122"/>
+              <a:ea typeface="微软雅黑" pitchFamily="34" charset="-122"/>
+            </a:endParaRPr>
+          </a:p>
+        </p:txBody>
+      </p:sp>
+      <p:sp>
+        <p:nvSpPr>
+          <p:cNvPr id="11" name="TextBox 21">
+            <a:extLst>
+              <a:ext uri="{FF2B5EF4-FFF2-40B4-BE49-F238E27FC236}">
+                <a16:creationId xmlns:a16="http://schemas.microsoft.com/office/drawing/2014/main" id="{22A3B151-B072-4FA9-92D0-E1C2CE19F351}"/>
+              </a:ext>
+            </a:extLst>
+          </p:cNvPr>
+          <p:cNvSpPr txBox="1"/>
+          <p:nvPr/>
+        </p:nvSpPr>
+        <p:spPr>
+          <a:xfrm>
+            <a:off x="1315750" y="2194339"/>
+            <a:ext cx="5835876" cy="377411"/>
+          </a:xfrm>
+          <a:prstGeom prst="rect">
+            <a:avLst/>
+          </a:prstGeom>
+          <a:noFill/>
+        </p:spPr>
+        <p:txBody>
+          <a:bodyPr wrap="square" rtlCol="0">
+            <a:spAutoFit/>
+          </a:bodyPr>
+          <a:lstStyle/>
+          <a:p>
+            <a:pPr>
+              <a:lnSpc>
+                <a:spcPct val="150000"/>
+              </a:lnSpc>
+            </a:pPr>
+            <a:r>
+              <a:rPr lang="en-US" altLang="zh-CN" sz="1400" dirty="0">
+                <a:ln w="6350">
+                  <a:noFill/>
+                </a:ln>
+                <a:solidFill>
+                  <a:schemeClr val="bg1">
+                    <a:lumMod val="50000"/>
+                  </a:schemeClr>
+                </a:solidFill>
+                <a:latin typeface="微软雅黑" pitchFamily="34" charset="-122"/>
+                <a:ea typeface="微软雅黑" pitchFamily="34" charset="-122"/>
+              </a:rPr>
+              <a:t>1</a:t>
+            </a:r>
+            <a:r>
+              <a:rPr lang="zh-CN" altLang="en-US" sz="1400" dirty="0">
+                <a:ln w="6350">
+                  <a:noFill/>
+                </a:ln>
+                <a:solidFill>
+                  <a:schemeClr val="bg1">
+                    <a:lumMod val="50000"/>
+                  </a:schemeClr>
+                </a:solidFill>
+                <a:latin typeface="微软雅黑" pitchFamily="34" charset="-122"/>
+                <a:ea typeface="微软雅黑" pitchFamily="34" charset="-122"/>
+              </a:rPr>
+              <a:t>、原生实现，什么手段不用  </a:t>
+            </a:r>
+            <a:r>
+              <a:rPr lang="en-US" altLang="zh-CN" sz="1400" dirty="0">
+                <a:ln w="6350">
+                  <a:noFill/>
+                </a:ln>
+                <a:solidFill>
+                  <a:srgbClr val="FF0000"/>
+                </a:solidFill>
+                <a:latin typeface="微软雅黑" pitchFamily="34" charset="-122"/>
+                <a:ea typeface="微软雅黑" pitchFamily="34" charset="-122"/>
+              </a:rPr>
+              <a:t>Producer_Consumer01.java</a:t>
+            </a:r>
+          </a:p>
+        </p:txBody>
+      </p:sp>
+      <p:sp>
+        <p:nvSpPr>
+          <p:cNvPr id="12" name="TextBox 21">
+            <a:extLst>
+              <a:ext uri="{FF2B5EF4-FFF2-40B4-BE49-F238E27FC236}">
+                <a16:creationId xmlns:a16="http://schemas.microsoft.com/office/drawing/2014/main" id="{35280B99-6726-4EEC-867D-7BD196BB5EF7}"/>
+              </a:ext>
+            </a:extLst>
+          </p:cNvPr>
+          <p:cNvSpPr txBox="1"/>
+          <p:nvPr/>
+        </p:nvSpPr>
+        <p:spPr>
+          <a:xfrm>
+            <a:off x="1315750" y="2808056"/>
+            <a:ext cx="6956485" cy="377411"/>
+          </a:xfrm>
+          <a:prstGeom prst="rect">
+            <a:avLst/>
+          </a:prstGeom>
+          <a:noFill/>
+        </p:spPr>
+        <p:txBody>
+          <a:bodyPr wrap="square" rtlCol="0">
+            <a:spAutoFit/>
+          </a:bodyPr>
+          <a:lstStyle/>
+          <a:p>
+            <a:pPr>
+              <a:lnSpc>
+                <a:spcPct val="150000"/>
+              </a:lnSpc>
+            </a:pPr>
+            <a:r>
+              <a:rPr lang="en-US" altLang="zh-CN" sz="1400" dirty="0">
+                <a:ln w="6350">
+                  <a:noFill/>
+                </a:ln>
+                <a:solidFill>
+                  <a:schemeClr val="bg1">
+                    <a:lumMod val="50000"/>
+                  </a:schemeClr>
+                </a:solidFill>
+                <a:latin typeface="微软雅黑" pitchFamily="34" charset="-122"/>
+                <a:ea typeface="微软雅黑" pitchFamily="34" charset="-122"/>
+              </a:rPr>
+              <a:t>2</a:t>
+            </a:r>
+            <a:r>
+              <a:rPr lang="zh-CN" altLang="en-US" sz="1400" dirty="0">
+                <a:ln w="6350">
+                  <a:noFill/>
+                </a:ln>
+                <a:solidFill>
+                  <a:schemeClr val="bg1">
+                    <a:lumMod val="50000"/>
+                  </a:schemeClr>
+                </a:solidFill>
+                <a:latin typeface="微软雅黑" pitchFamily="34" charset="-122"/>
+                <a:ea typeface="微软雅黑" pitchFamily="34" charset="-122"/>
+              </a:rPr>
+              <a:t>、使用</a:t>
+            </a:r>
+            <a:r>
+              <a:rPr lang="en-US" altLang="zh-CN" sz="1400" dirty="0">
+                <a:ln w="6350">
+                  <a:noFill/>
+                </a:ln>
+                <a:solidFill>
+                  <a:schemeClr val="bg1">
+                    <a:lumMod val="50000"/>
+                  </a:schemeClr>
+                </a:solidFill>
+                <a:latin typeface="微软雅黑" pitchFamily="34" charset="-122"/>
+                <a:ea typeface="微软雅黑" pitchFamily="34" charset="-122"/>
+              </a:rPr>
+              <a:t>wait</a:t>
+            </a:r>
+            <a:r>
+              <a:rPr lang="zh-CN" altLang="en-US" sz="1400" dirty="0">
+                <a:ln w="6350">
+                  <a:noFill/>
+                </a:ln>
+                <a:solidFill>
+                  <a:schemeClr val="bg1">
+                    <a:lumMod val="50000"/>
+                  </a:schemeClr>
+                </a:solidFill>
+                <a:latin typeface="微软雅黑" pitchFamily="34" charset="-122"/>
+                <a:ea typeface="微软雅黑" pitchFamily="34" charset="-122"/>
+              </a:rPr>
+              <a:t>，</a:t>
+            </a:r>
+            <a:r>
+              <a:rPr lang="en-US" altLang="zh-CN" sz="1400" dirty="0">
+                <a:ln w="6350">
+                  <a:noFill/>
+                </a:ln>
+                <a:solidFill>
+                  <a:schemeClr val="bg1">
+                    <a:lumMod val="50000"/>
+                  </a:schemeClr>
+                </a:solidFill>
+                <a:latin typeface="微软雅黑" pitchFamily="34" charset="-122"/>
+                <a:ea typeface="微软雅黑" pitchFamily="34" charset="-122"/>
+              </a:rPr>
+              <a:t>notify / </a:t>
+            </a:r>
+            <a:r>
+              <a:rPr lang="en-US" altLang="zh-CN" sz="1400" dirty="0" err="1">
+                <a:ln w="6350">
+                  <a:noFill/>
+                </a:ln>
+                <a:solidFill>
+                  <a:schemeClr val="bg1">
+                    <a:lumMod val="50000"/>
+                  </a:schemeClr>
+                </a:solidFill>
+                <a:latin typeface="微软雅黑" pitchFamily="34" charset="-122"/>
+                <a:ea typeface="微软雅黑" pitchFamily="34" charset="-122"/>
+              </a:rPr>
+              <a:t>notifyAll</a:t>
+            </a:r>
+            <a:r>
+              <a:rPr lang="zh-CN" altLang="en-US" sz="1400" dirty="0">
+                <a:ln w="6350">
+                  <a:noFill/>
+                </a:ln>
+                <a:solidFill>
+                  <a:schemeClr val="bg1">
+                    <a:lumMod val="50000"/>
+                  </a:schemeClr>
+                </a:solidFill>
+                <a:latin typeface="微软雅黑" pitchFamily="34" charset="-122"/>
+                <a:ea typeface="微软雅黑" pitchFamily="34" charset="-122"/>
+              </a:rPr>
+              <a:t>解决线程忙等问题   </a:t>
+            </a:r>
+            <a:r>
+              <a:rPr lang="en-US" altLang="zh-CN" sz="1400" dirty="0">
+                <a:ln w="6350">
+                  <a:noFill/>
+                </a:ln>
+                <a:solidFill>
+                  <a:srgbClr val="FF0000"/>
+                </a:solidFill>
+                <a:latin typeface="微软雅黑" pitchFamily="34" charset="-122"/>
+                <a:ea typeface="微软雅黑" pitchFamily="34" charset="-122"/>
+              </a:rPr>
+              <a:t>Producer_Consumer02.java</a:t>
+            </a:r>
+          </a:p>
+        </p:txBody>
+      </p:sp>
+      <p:sp>
+        <p:nvSpPr>
+          <p:cNvPr id="13" name="TextBox 21">
+            <a:extLst>
+              <a:ext uri="{FF2B5EF4-FFF2-40B4-BE49-F238E27FC236}">
+                <a16:creationId xmlns:a16="http://schemas.microsoft.com/office/drawing/2014/main" id="{E815A239-D227-4B53-B58C-D1578A2D5CA2}"/>
+              </a:ext>
+            </a:extLst>
+          </p:cNvPr>
+          <p:cNvSpPr txBox="1"/>
+          <p:nvPr/>
+        </p:nvSpPr>
+        <p:spPr>
+          <a:xfrm>
+            <a:off x="1305385" y="3579862"/>
+            <a:ext cx="6867015" cy="377411"/>
+          </a:xfrm>
+          <a:prstGeom prst="rect">
+            <a:avLst/>
+          </a:prstGeom>
+          <a:noFill/>
+        </p:spPr>
+        <p:txBody>
+          <a:bodyPr wrap="square" rtlCol="0">
+            <a:spAutoFit/>
+          </a:bodyPr>
+          <a:lstStyle/>
+          <a:p>
+            <a:pPr>
+              <a:lnSpc>
+                <a:spcPct val="150000"/>
+              </a:lnSpc>
+            </a:pPr>
+            <a:r>
+              <a:rPr lang="en-US" altLang="zh-CN" sz="1400" dirty="0">
+                <a:ln w="6350">
+                  <a:noFill/>
+                </a:ln>
+                <a:solidFill>
+                  <a:schemeClr val="bg1">
+                    <a:lumMod val="50000"/>
+                  </a:schemeClr>
+                </a:solidFill>
+                <a:latin typeface="微软雅黑" pitchFamily="34" charset="-122"/>
+                <a:ea typeface="微软雅黑" pitchFamily="34" charset="-122"/>
+              </a:rPr>
+              <a:t>3</a:t>
+            </a:r>
+            <a:r>
+              <a:rPr lang="zh-CN" altLang="en-US" sz="1400" dirty="0">
+                <a:ln w="6350">
+                  <a:noFill/>
+                </a:ln>
+                <a:solidFill>
+                  <a:schemeClr val="bg1">
+                    <a:lumMod val="50000"/>
+                  </a:schemeClr>
+                </a:solidFill>
+                <a:latin typeface="微软雅黑" pitchFamily="34" charset="-122"/>
+                <a:ea typeface="微软雅黑" pitchFamily="34" charset="-122"/>
+              </a:rPr>
+              <a:t>、使用</a:t>
+            </a:r>
+            <a:r>
+              <a:rPr lang="en-US" altLang="zh-CN" sz="1400" dirty="0">
+                <a:ln w="6350">
+                  <a:noFill/>
+                </a:ln>
+                <a:solidFill>
+                  <a:schemeClr val="bg1">
+                    <a:lumMod val="50000"/>
+                  </a:schemeClr>
+                </a:solidFill>
+                <a:latin typeface="微软雅黑" pitchFamily="34" charset="-122"/>
+                <a:ea typeface="微软雅黑" pitchFamily="34" charset="-122"/>
+              </a:rPr>
+              <a:t>synchronized</a:t>
+            </a:r>
+            <a:r>
+              <a:rPr lang="zh-CN" altLang="en-US" sz="1400" dirty="0">
+                <a:ln w="6350">
+                  <a:noFill/>
+                </a:ln>
+                <a:solidFill>
+                  <a:schemeClr val="bg1">
+                    <a:lumMod val="50000"/>
+                  </a:schemeClr>
+                </a:solidFill>
+                <a:latin typeface="微软雅黑" pitchFamily="34" charset="-122"/>
+                <a:ea typeface="微软雅黑" pitchFamily="34" charset="-122"/>
+              </a:rPr>
+              <a:t>，</a:t>
+            </a:r>
+            <a:r>
+              <a:rPr lang="en-US" altLang="zh-CN" sz="1400" dirty="0">
+                <a:ln w="6350">
+                  <a:noFill/>
+                </a:ln>
+                <a:solidFill>
+                  <a:schemeClr val="bg1">
+                    <a:lumMod val="50000"/>
+                  </a:schemeClr>
+                </a:solidFill>
+                <a:latin typeface="微软雅黑" pitchFamily="34" charset="-122"/>
+                <a:ea typeface="微软雅黑" pitchFamily="34" charset="-122"/>
+              </a:rPr>
+              <a:t>wait</a:t>
+            </a:r>
+            <a:r>
+              <a:rPr lang="zh-CN" altLang="en-US" sz="1400" dirty="0">
+                <a:ln w="6350">
+                  <a:noFill/>
+                </a:ln>
+                <a:solidFill>
+                  <a:schemeClr val="bg1">
+                    <a:lumMod val="50000"/>
+                  </a:schemeClr>
+                </a:solidFill>
+                <a:latin typeface="微软雅黑" pitchFamily="34" charset="-122"/>
+                <a:ea typeface="微软雅黑" pitchFamily="34" charset="-122"/>
+              </a:rPr>
+              <a:t>，</a:t>
+            </a:r>
+            <a:r>
+              <a:rPr lang="en-US" altLang="zh-CN" sz="1400" dirty="0">
+                <a:ln w="6350">
+                  <a:noFill/>
+                </a:ln>
+                <a:solidFill>
+                  <a:schemeClr val="bg1">
+                    <a:lumMod val="50000"/>
+                  </a:schemeClr>
+                </a:solidFill>
+                <a:latin typeface="微软雅黑" pitchFamily="34" charset="-122"/>
+                <a:ea typeface="微软雅黑" pitchFamily="34" charset="-122"/>
+              </a:rPr>
+              <a:t>notify / </a:t>
+            </a:r>
+            <a:r>
+              <a:rPr lang="en-US" altLang="zh-CN" sz="1400" dirty="0" err="1">
+                <a:ln w="6350">
+                  <a:noFill/>
+                </a:ln>
+                <a:solidFill>
+                  <a:schemeClr val="bg1">
+                    <a:lumMod val="50000"/>
+                  </a:schemeClr>
+                </a:solidFill>
+                <a:latin typeface="微软雅黑" pitchFamily="34" charset="-122"/>
+                <a:ea typeface="微软雅黑" pitchFamily="34" charset="-122"/>
+              </a:rPr>
+              <a:t>notifyAll</a:t>
+            </a:r>
+            <a:r>
+              <a:rPr lang="zh-CN" altLang="en-US" sz="1400" dirty="0">
+                <a:ln w="6350">
+                  <a:noFill/>
+                </a:ln>
+                <a:solidFill>
+                  <a:schemeClr val="bg1">
+                    <a:lumMod val="50000"/>
+                  </a:schemeClr>
+                </a:solidFill>
+                <a:latin typeface="微软雅黑" pitchFamily="34" charset="-122"/>
+                <a:ea typeface="微软雅黑" pitchFamily="34" charset="-122"/>
+              </a:rPr>
+              <a:t>   </a:t>
+            </a:r>
+            <a:r>
+              <a:rPr lang="en-US" altLang="zh-CN" sz="1400" dirty="0">
+                <a:ln w="6350">
+                  <a:noFill/>
+                </a:ln>
+                <a:solidFill>
+                  <a:srgbClr val="FF0000"/>
+                </a:solidFill>
+                <a:latin typeface="微软雅黑" pitchFamily="34" charset="-122"/>
+                <a:ea typeface="微软雅黑" pitchFamily="34" charset="-122"/>
+              </a:rPr>
+              <a:t>Producer_Consumer03.java</a:t>
+            </a:r>
+          </a:p>
+        </p:txBody>
+      </p:sp>
+      <p:sp>
+        <p:nvSpPr>
+          <p:cNvPr id="18" name="TextBox 21">
+            <a:extLst>
+              <a:ext uri="{FF2B5EF4-FFF2-40B4-BE49-F238E27FC236}">
+                <a16:creationId xmlns:a16="http://schemas.microsoft.com/office/drawing/2014/main" id="{03AF66D2-B410-4D85-8594-89872E29A776}"/>
+              </a:ext>
+            </a:extLst>
+          </p:cNvPr>
+          <p:cNvSpPr txBox="1"/>
+          <p:nvPr/>
+        </p:nvSpPr>
+        <p:spPr>
+          <a:xfrm>
+            <a:off x="851882" y="1494317"/>
+            <a:ext cx="5835876" cy="377411"/>
+          </a:xfrm>
+          <a:prstGeom prst="rect">
+            <a:avLst/>
+          </a:prstGeom>
+          <a:noFill/>
+        </p:spPr>
+        <p:txBody>
+          <a:bodyPr wrap="square" rtlCol="0">
+            <a:spAutoFit/>
+          </a:bodyPr>
+          <a:lstStyle/>
+          <a:p>
+            <a:pPr>
+              <a:lnSpc>
+                <a:spcPct val="150000"/>
+              </a:lnSpc>
+            </a:pPr>
+            <a:r>
+              <a:rPr lang="zh-CN" altLang="en-US" sz="1400" dirty="0">
+                <a:ln w="6350">
+                  <a:noFill/>
+                </a:ln>
+                <a:solidFill>
+                  <a:schemeClr val="bg1">
+                    <a:lumMod val="50000"/>
+                  </a:schemeClr>
+                </a:solidFill>
+                <a:latin typeface="微软雅黑" pitchFamily="34" charset="-122"/>
+                <a:ea typeface="微软雅黑" pitchFamily="34" charset="-122"/>
+              </a:rPr>
+              <a:t>以实现一个生产者</a:t>
+            </a:r>
+            <a:r>
+              <a:rPr lang="en-US" altLang="zh-CN" sz="1400" dirty="0">
+                <a:ln w="6350">
+                  <a:noFill/>
+                </a:ln>
+                <a:solidFill>
+                  <a:schemeClr val="bg1">
+                    <a:lumMod val="50000"/>
+                  </a:schemeClr>
+                </a:solidFill>
+                <a:latin typeface="微软雅黑" pitchFamily="34" charset="-122"/>
+                <a:ea typeface="微软雅黑" pitchFamily="34" charset="-122"/>
+              </a:rPr>
+              <a:t>-</a:t>
+            </a:r>
+            <a:r>
+              <a:rPr lang="zh-CN" altLang="en-US" sz="1400" dirty="0">
+                <a:ln w="6350">
+                  <a:noFill/>
+                </a:ln>
+                <a:solidFill>
+                  <a:schemeClr val="bg1">
+                    <a:lumMod val="50000"/>
+                  </a:schemeClr>
+                </a:solidFill>
+                <a:latin typeface="微软雅黑" pitchFamily="34" charset="-122"/>
+                <a:ea typeface="微软雅黑" pitchFamily="34" charset="-122"/>
+              </a:rPr>
+              <a:t>消费者模型为例：</a:t>
+            </a:r>
+            <a:endParaRPr lang="en-US" altLang="zh-CN" sz="1400" dirty="0">
+              <a:ln w="6350">
+                <a:noFill/>
+              </a:ln>
+              <a:solidFill>
+                <a:srgbClr val="FF0000"/>
+              </a:solidFill>
+              <a:latin typeface="微软雅黑" pitchFamily="34" charset="-122"/>
+              <a:ea typeface="微软雅黑" pitchFamily="34" charset="-122"/>
+            </a:endParaRPr>
+          </a:p>
+        </p:txBody>
+      </p:sp>
+    </p:spTree>
+    <p:extLst>
+      <p:ext uri="{BB962C8B-B14F-4D97-AF65-F5344CB8AC3E}">
+        <p14:creationId xmlns:p14="http://schemas.microsoft.com/office/powerpoint/2010/main" val="2046465573"/>
+      </p:ext>
+    </p:extLst>
+  </p:cSld>
+  <p:clrMapOvr>
+    <a:masterClrMapping/>
+  </p:clrMapOvr>
+</p:sld>
+</file>
+
+<file path=ppt/slides/slide11.xml><?xml version="1.0" encoding="utf-8"?>
+<p:sld xmlns:a="http://schemas.openxmlformats.org/drawingml/2006/main" xmlns:r="http://schemas.openxmlformats.org/officeDocument/2006/relationships" xmlns:p="http://schemas.openxmlformats.org/presentationml/2006/main">
+  <p:cSld>
+    <p:spTree>
+      <p:nvGrpSpPr>
+        <p:cNvPr id="1" name=""/>
+        <p:cNvGrpSpPr/>
+        <p:nvPr/>
+      </p:nvGrpSpPr>
+      <p:grpSpPr>
+        <a:xfrm>
+          <a:off x="0" y="0"/>
+          <a:ext cx="0" cy="0"/>
+          <a:chOff x="0" y="0"/>
+          <a:chExt cx="0" cy="0"/>
+        </a:xfrm>
+      </p:grpSpPr>
+      <p:sp>
+        <p:nvSpPr>
+          <p:cNvPr id="47" name="Rectangle 39"/>
+          <p:cNvSpPr>
+            <a:spLocks noChangeArrowheads="1"/>
+          </p:cNvSpPr>
+          <p:nvPr/>
+        </p:nvSpPr>
+        <p:spPr bwMode="auto">
+          <a:xfrm>
+            <a:off x="416159" y="278281"/>
+            <a:ext cx="2778059" cy="307872"/>
+          </a:xfrm>
+          <a:prstGeom prst="rect">
+            <a:avLst/>
+          </a:prstGeom>
+          <a:noFill/>
+          <a:ln>
+            <a:noFill/>
+          </a:ln>
+          <a:extLst>
+            <a:ext uri="{909E8E84-426E-40DD-AFC4-6F175D3DCCD1}">
+              <a14:hiddenFill xmlns:a14="http://schemas.microsoft.com/office/drawing/2010/main">
+                <a:solidFill>
+                  <a:srgbClr val="FFFFFF"/>
+                </a:solidFill>
+              </a14:hiddenFill>
+            </a:ext>
+            <a:ext uri="{91240B29-F687-4F45-9708-019B960494DF}">
+              <a14:hiddenLine xmlns:a14="http://schemas.microsoft.com/office/drawing/2010/main" w="9525">
+                <a:solidFill>
+                  <a:srgbClr val="000000"/>
+                </a:solidFill>
+                <a:miter lim="800000"/>
+                <a:headEnd/>
+                <a:tailEnd/>
+              </a14:hiddenLine>
+            </a:ext>
+          </a:extLst>
+        </p:spPr>
+        <p:txBody>
+          <a:bodyPr wrap="square" lIns="0" tIns="0" rIns="0" bIns="0">
+            <a:spAutoFit/>
+          </a:bodyPr>
+          <a:lstStyle/>
+          <a:p>
+            <a:pPr>
+              <a:buFont typeface="Arial" pitchFamily="34" charset="0"/>
+              <a:buNone/>
+            </a:pPr>
+            <a:r>
+              <a:rPr lang="en-US" altLang="zh-CN" sz="2000" dirty="0">
+                <a:solidFill>
+                  <a:schemeClr val="accent1"/>
+                </a:solidFill>
+                <a:latin typeface="微软雅黑" pitchFamily="34" charset="-122"/>
+                <a:ea typeface="微软雅黑" pitchFamily="34" charset="-122"/>
+              </a:rPr>
+              <a:t>wait, notify / </a:t>
+            </a:r>
+            <a:r>
+              <a:rPr lang="en-US" altLang="zh-CN" sz="2000" dirty="0" err="1">
+                <a:solidFill>
+                  <a:schemeClr val="accent1"/>
+                </a:solidFill>
+                <a:latin typeface="微软雅黑" pitchFamily="34" charset="-122"/>
+                <a:ea typeface="微软雅黑" pitchFamily="34" charset="-122"/>
+              </a:rPr>
+              <a:t>notifyAll</a:t>
+            </a:r>
+            <a:endParaRPr lang="en-US" altLang="zh-CN" sz="2000" dirty="0">
+              <a:solidFill>
+                <a:schemeClr val="accent1"/>
+              </a:solidFill>
+              <a:latin typeface="微软雅黑" pitchFamily="34" charset="-122"/>
+              <a:ea typeface="微软雅黑" pitchFamily="34" charset="-122"/>
+            </a:endParaRPr>
+          </a:p>
+        </p:txBody>
+      </p:sp>
+      <p:grpSp>
+        <p:nvGrpSpPr>
+          <p:cNvPr id="48" name="组合 47"/>
+          <p:cNvGrpSpPr/>
+          <p:nvPr/>
+        </p:nvGrpSpPr>
+        <p:grpSpPr>
+          <a:xfrm>
+            <a:off x="416158" y="699542"/>
+            <a:ext cx="899592" cy="56017"/>
+            <a:chOff x="0" y="2842590"/>
+            <a:chExt cx="7054752" cy="89199"/>
+          </a:xfrm>
+        </p:grpSpPr>
+        <p:sp>
+          <p:nvSpPr>
+            <p:cNvPr id="49" name="矩形 48"/>
+            <p:cNvSpPr/>
+            <p:nvPr/>
+          </p:nvSpPr>
+          <p:spPr>
+            <a:xfrm>
+              <a:off x="0" y="2842590"/>
+              <a:ext cx="1763688" cy="89199"/>
+            </a:xfrm>
+            <a:prstGeom prst="rect">
+              <a:avLst/>
+            </a:prstGeom>
+            <a:solidFill>
+              <a:schemeClr val="accent1"/>
+            </a:solidFill>
+            <a:ln>
+              <a:noFill/>
+            </a:ln>
+          </p:spPr>
+          <p:style>
+            <a:lnRef idx="2">
+              <a:schemeClr val="accent1">
+                <a:shade val="50000"/>
+              </a:schemeClr>
+            </a:lnRef>
+            <a:fillRef idx="1">
+              <a:schemeClr val="accent1"/>
+            </a:fillRef>
+            <a:effectRef idx="0">
+              <a:schemeClr val="accent1"/>
+            </a:effectRef>
+            <a:fontRef idx="minor">
+              <a:schemeClr val="lt1"/>
+            </a:fontRef>
+          </p:style>
+          <p:txBody>
+            <a:bodyPr rtlCol="0" anchor="ctr"/>
+            <a:lstStyle/>
+            <a:p>
+              <a:pPr algn="ctr"/>
+              <a:endParaRPr lang="zh-CN" altLang="en-US"/>
+            </a:p>
+          </p:txBody>
+        </p:sp>
+        <p:sp>
+          <p:nvSpPr>
+            <p:cNvPr id="50" name="矩形 49"/>
+            <p:cNvSpPr/>
+            <p:nvPr/>
+          </p:nvSpPr>
+          <p:spPr>
+            <a:xfrm>
+              <a:off x="1763688" y="2842590"/>
+              <a:ext cx="1763688" cy="89199"/>
+            </a:xfrm>
+            <a:prstGeom prst="rect">
+              <a:avLst/>
+            </a:prstGeom>
+            <a:solidFill>
+              <a:schemeClr val="accent2"/>
+            </a:solidFill>
+            <a:ln>
+              <a:noFill/>
+            </a:ln>
+          </p:spPr>
+          <p:style>
+            <a:lnRef idx="2">
+              <a:schemeClr val="accent1">
+                <a:shade val="50000"/>
+              </a:schemeClr>
+            </a:lnRef>
+            <a:fillRef idx="1">
+              <a:schemeClr val="accent1"/>
+            </a:fillRef>
+            <a:effectRef idx="0">
+              <a:schemeClr val="accent1"/>
+            </a:effectRef>
+            <a:fontRef idx="minor">
+              <a:schemeClr val="lt1"/>
+            </a:fontRef>
+          </p:style>
+          <p:txBody>
+            <a:bodyPr rtlCol="0" anchor="ctr"/>
+            <a:lstStyle/>
+            <a:p>
+              <a:pPr algn="ctr"/>
+              <a:endParaRPr lang="zh-CN" altLang="en-US"/>
+            </a:p>
+          </p:txBody>
+        </p:sp>
+        <p:sp>
+          <p:nvSpPr>
+            <p:cNvPr id="51" name="矩形 50"/>
+            <p:cNvSpPr/>
+            <p:nvPr/>
+          </p:nvSpPr>
+          <p:spPr>
+            <a:xfrm>
+              <a:off x="3527376" y="2842590"/>
+              <a:ext cx="1763688" cy="89199"/>
+            </a:xfrm>
+            <a:prstGeom prst="rect">
+              <a:avLst/>
+            </a:prstGeom>
+            <a:solidFill>
+              <a:schemeClr val="accent3"/>
+            </a:solidFill>
+            <a:ln>
+              <a:noFill/>
+            </a:ln>
+          </p:spPr>
+          <p:style>
+            <a:lnRef idx="2">
+              <a:schemeClr val="accent1">
+                <a:shade val="50000"/>
+              </a:schemeClr>
+            </a:lnRef>
+            <a:fillRef idx="1">
+              <a:schemeClr val="accent1"/>
+            </a:fillRef>
+            <a:effectRef idx="0">
+              <a:schemeClr val="accent1"/>
+            </a:effectRef>
+            <a:fontRef idx="minor">
+              <a:schemeClr val="lt1"/>
+            </a:fontRef>
+          </p:style>
+          <p:txBody>
+            <a:bodyPr rtlCol="0" anchor="ctr"/>
+            <a:lstStyle/>
+            <a:p>
+              <a:pPr algn="ctr"/>
+              <a:endParaRPr lang="zh-CN" altLang="en-US"/>
+            </a:p>
+          </p:txBody>
+        </p:sp>
+        <p:sp>
+          <p:nvSpPr>
+            <p:cNvPr id="52" name="矩形 51"/>
+            <p:cNvSpPr/>
+            <p:nvPr/>
+          </p:nvSpPr>
+          <p:spPr>
+            <a:xfrm>
+              <a:off x="5291064" y="2842590"/>
+              <a:ext cx="1763688" cy="89199"/>
+            </a:xfrm>
+            <a:prstGeom prst="rect">
+              <a:avLst/>
+            </a:prstGeom>
+            <a:solidFill>
+              <a:schemeClr val="accent4"/>
+            </a:solidFill>
+            <a:ln>
+              <a:noFill/>
+            </a:ln>
+          </p:spPr>
+          <p:style>
+            <a:lnRef idx="2">
+              <a:schemeClr val="accent1">
+                <a:shade val="50000"/>
+              </a:schemeClr>
+            </a:lnRef>
+            <a:fillRef idx="1">
+              <a:schemeClr val="accent1"/>
+            </a:fillRef>
+            <a:effectRef idx="0">
+              <a:schemeClr val="accent1"/>
+            </a:effectRef>
+            <a:fontRef idx="minor">
+              <a:schemeClr val="lt1"/>
+            </a:fontRef>
+          </p:style>
+          <p:txBody>
+            <a:bodyPr rtlCol="0" anchor="ctr"/>
+            <a:lstStyle/>
+            <a:p>
+              <a:pPr algn="ctr"/>
+              <a:endParaRPr lang="zh-CN" altLang="en-US"/>
+            </a:p>
+          </p:txBody>
+        </p:sp>
+      </p:grpSp>
+      <p:sp>
+        <p:nvSpPr>
+          <p:cNvPr id="15" name="TextBox 21">
+            <a:extLst>
+              <a:ext uri="{FF2B5EF4-FFF2-40B4-BE49-F238E27FC236}">
+                <a16:creationId xmlns:a16="http://schemas.microsoft.com/office/drawing/2014/main" id="{8D07803B-86F8-438F-9B61-61782D4A3553}"/>
+              </a:ext>
+            </a:extLst>
+          </p:cNvPr>
+          <p:cNvSpPr txBox="1"/>
+          <p:nvPr/>
+        </p:nvSpPr>
+        <p:spPr>
+          <a:xfrm>
+            <a:off x="1203301" y="1203598"/>
+            <a:ext cx="5835876" cy="3043525"/>
+          </a:xfrm>
+          <a:prstGeom prst="rect">
+            <a:avLst/>
+          </a:prstGeom>
+          <a:noFill/>
+        </p:spPr>
+        <p:txBody>
+          <a:bodyPr wrap="square" rtlCol="0">
+            <a:spAutoFit/>
+          </a:bodyPr>
+          <a:lstStyle/>
+          <a:p>
+            <a:pPr>
+              <a:lnSpc>
+                <a:spcPct val="200000"/>
+              </a:lnSpc>
+            </a:pPr>
+            <a:r>
+              <a:rPr lang="en-US" altLang="zh-CN" sz="1400" dirty="0">
+                <a:ln w="6350">
+                  <a:noFill/>
+                </a:ln>
+                <a:solidFill>
+                  <a:schemeClr val="bg1">
+                    <a:lumMod val="50000"/>
+                  </a:schemeClr>
+                </a:solidFill>
+                <a:latin typeface="微软雅黑" pitchFamily="34" charset="-122"/>
+                <a:ea typeface="微软雅黑" pitchFamily="34" charset="-122"/>
+              </a:rPr>
+              <a:t>wait</a:t>
+            </a:r>
+            <a:r>
+              <a:rPr lang="zh-CN" altLang="en-US" sz="1400" dirty="0">
+                <a:ln w="6350">
+                  <a:noFill/>
+                </a:ln>
+                <a:solidFill>
+                  <a:schemeClr val="bg1">
+                    <a:lumMod val="50000"/>
+                  </a:schemeClr>
+                </a:solidFill>
+                <a:latin typeface="微软雅黑" pitchFamily="34" charset="-122"/>
+                <a:ea typeface="微软雅黑" pitchFamily="34" charset="-122"/>
+              </a:rPr>
+              <a:t>，</a:t>
+            </a:r>
+            <a:r>
+              <a:rPr lang="en-US" altLang="zh-CN" sz="1400" dirty="0">
+                <a:ln w="6350">
+                  <a:noFill/>
+                </a:ln>
+                <a:solidFill>
+                  <a:schemeClr val="bg1">
+                    <a:lumMod val="50000"/>
+                  </a:schemeClr>
+                </a:solidFill>
+                <a:latin typeface="微软雅黑" pitchFamily="34" charset="-122"/>
+                <a:ea typeface="微软雅黑" pitchFamily="34" charset="-122"/>
+              </a:rPr>
+              <a:t>notify / </a:t>
+            </a:r>
+            <a:r>
+              <a:rPr lang="en-US" altLang="zh-CN" sz="1400" dirty="0" err="1">
+                <a:ln w="6350">
+                  <a:noFill/>
+                </a:ln>
+                <a:solidFill>
+                  <a:schemeClr val="bg1">
+                    <a:lumMod val="50000"/>
+                  </a:schemeClr>
+                </a:solidFill>
+                <a:latin typeface="微软雅黑" pitchFamily="34" charset="-122"/>
+                <a:ea typeface="微软雅黑" pitchFamily="34" charset="-122"/>
+              </a:rPr>
+              <a:t>notifyAll</a:t>
+            </a:r>
+            <a:r>
+              <a:rPr lang="zh-CN" altLang="en-US" sz="1400" dirty="0">
+                <a:ln w="6350">
+                  <a:noFill/>
+                </a:ln>
+                <a:solidFill>
+                  <a:schemeClr val="bg1">
+                    <a:lumMod val="50000"/>
+                  </a:schemeClr>
+                </a:solidFill>
+                <a:latin typeface="微软雅黑" pitchFamily="34" charset="-122"/>
+                <a:ea typeface="微软雅黑" pitchFamily="34" charset="-122"/>
+              </a:rPr>
+              <a:t>解决生产者</a:t>
+            </a:r>
+            <a:r>
+              <a:rPr lang="en-US" altLang="zh-CN" sz="1400" dirty="0">
+                <a:ln w="6350">
+                  <a:noFill/>
+                </a:ln>
+                <a:solidFill>
+                  <a:schemeClr val="bg1">
+                    <a:lumMod val="50000"/>
+                  </a:schemeClr>
+                </a:solidFill>
+                <a:latin typeface="微软雅黑" pitchFamily="34" charset="-122"/>
+                <a:ea typeface="微软雅黑" pitchFamily="34" charset="-122"/>
+              </a:rPr>
+              <a:t>-</a:t>
+            </a:r>
+            <a:r>
+              <a:rPr lang="zh-CN" altLang="en-US" sz="1400" dirty="0">
+                <a:ln w="6350">
+                  <a:noFill/>
+                </a:ln>
+                <a:solidFill>
+                  <a:schemeClr val="bg1">
+                    <a:lumMod val="50000"/>
+                  </a:schemeClr>
+                </a:solidFill>
+                <a:latin typeface="微软雅黑" pitchFamily="34" charset="-122"/>
+                <a:ea typeface="微软雅黑" pitchFamily="34" charset="-122"/>
+              </a:rPr>
+              <a:t>消费者线程同步问题总结：</a:t>
+            </a:r>
+            <a:endParaRPr lang="en-US" altLang="zh-CN" sz="1400" dirty="0">
+              <a:ln w="6350">
+                <a:noFill/>
+              </a:ln>
+              <a:solidFill>
+                <a:schemeClr val="bg1">
+                  <a:lumMod val="50000"/>
+                </a:schemeClr>
+              </a:solidFill>
+              <a:latin typeface="微软雅黑" pitchFamily="34" charset="-122"/>
+              <a:ea typeface="微软雅黑" pitchFamily="34" charset="-122"/>
+            </a:endParaRPr>
+          </a:p>
+          <a:p>
+            <a:pPr marL="342900" indent="-342900">
+              <a:lnSpc>
+                <a:spcPct val="200000"/>
+              </a:lnSpc>
+              <a:buFont typeface="+mj-lt"/>
+              <a:buAutoNum type="arabicPeriod"/>
+            </a:pPr>
+            <a:r>
+              <a:rPr lang="zh-CN" altLang="en-US" sz="1400" dirty="0">
+                <a:ln w="6350">
+                  <a:noFill/>
+                </a:ln>
+                <a:solidFill>
+                  <a:schemeClr val="bg1">
+                    <a:lumMod val="50000"/>
+                  </a:schemeClr>
+                </a:solidFill>
+                <a:latin typeface="微软雅黑" pitchFamily="34" charset="-122"/>
+                <a:ea typeface="微软雅黑" pitchFamily="34" charset="-122"/>
+              </a:rPr>
+              <a:t>原生实现生产者</a:t>
+            </a:r>
+            <a:r>
+              <a:rPr lang="en-US" altLang="zh-CN" sz="1400" dirty="0">
+                <a:ln w="6350">
+                  <a:noFill/>
+                </a:ln>
+                <a:solidFill>
+                  <a:schemeClr val="bg1">
+                    <a:lumMod val="50000"/>
+                  </a:schemeClr>
+                </a:solidFill>
+                <a:latin typeface="微软雅黑" pitchFamily="34" charset="-122"/>
+                <a:ea typeface="微软雅黑" pitchFamily="34" charset="-122"/>
+              </a:rPr>
+              <a:t>-</a:t>
+            </a:r>
+            <a:r>
+              <a:rPr lang="zh-CN" altLang="en-US" sz="1400" dirty="0">
+                <a:ln w="6350">
+                  <a:noFill/>
+                </a:ln>
+                <a:solidFill>
+                  <a:schemeClr val="bg1">
+                    <a:lumMod val="50000"/>
+                  </a:schemeClr>
+                </a:solidFill>
+                <a:latin typeface="微软雅黑" pitchFamily="34" charset="-122"/>
+                <a:ea typeface="微软雅黑" pitchFamily="34" charset="-122"/>
+              </a:rPr>
+              <a:t>消费者模型，会导致线程忙等问题</a:t>
+            </a:r>
+            <a:endParaRPr lang="en-US" altLang="zh-CN" sz="1400" dirty="0">
+              <a:ln w="6350">
+                <a:noFill/>
+              </a:ln>
+              <a:solidFill>
+                <a:schemeClr val="bg1">
+                  <a:lumMod val="50000"/>
+                </a:schemeClr>
+              </a:solidFill>
+              <a:latin typeface="微软雅黑" pitchFamily="34" charset="-122"/>
+              <a:ea typeface="微软雅黑" pitchFamily="34" charset="-122"/>
+            </a:endParaRPr>
+          </a:p>
+          <a:p>
+            <a:pPr marL="342900" indent="-342900">
+              <a:lnSpc>
+                <a:spcPct val="200000"/>
+              </a:lnSpc>
+              <a:buFont typeface="+mj-lt"/>
+              <a:buAutoNum type="arabicPeriod"/>
+            </a:pPr>
+            <a:r>
+              <a:rPr lang="zh-CN" altLang="en-US" sz="1400" dirty="0">
+                <a:ln w="6350">
+                  <a:noFill/>
+                </a:ln>
+                <a:solidFill>
+                  <a:schemeClr val="bg1">
+                    <a:lumMod val="50000"/>
+                  </a:schemeClr>
+                </a:solidFill>
+                <a:latin typeface="微软雅黑" pitchFamily="34" charset="-122"/>
+                <a:ea typeface="微软雅黑" pitchFamily="34" charset="-122"/>
+              </a:rPr>
+              <a:t>使用</a:t>
+            </a:r>
+            <a:r>
+              <a:rPr lang="en-US" altLang="zh-CN" sz="1400" dirty="0">
+                <a:ln w="6350">
+                  <a:noFill/>
+                </a:ln>
+                <a:solidFill>
+                  <a:schemeClr val="bg1">
+                    <a:lumMod val="50000"/>
+                  </a:schemeClr>
+                </a:solidFill>
+                <a:latin typeface="微软雅黑" pitchFamily="34" charset="-122"/>
+                <a:ea typeface="微软雅黑" pitchFamily="34" charset="-122"/>
+              </a:rPr>
+              <a:t>wait</a:t>
+            </a:r>
+            <a:r>
+              <a:rPr lang="zh-CN" altLang="en-US" sz="1400" dirty="0">
+                <a:ln w="6350">
+                  <a:noFill/>
+                </a:ln>
+                <a:solidFill>
+                  <a:schemeClr val="bg1">
+                    <a:lumMod val="50000"/>
+                  </a:schemeClr>
+                </a:solidFill>
+                <a:latin typeface="微软雅黑" pitchFamily="34" charset="-122"/>
+                <a:ea typeface="微软雅黑" pitchFamily="34" charset="-122"/>
+              </a:rPr>
+              <a:t>，</a:t>
+            </a:r>
+            <a:r>
+              <a:rPr lang="en-US" altLang="zh-CN" sz="1400" dirty="0">
+                <a:ln w="6350">
+                  <a:noFill/>
+                </a:ln>
+                <a:solidFill>
+                  <a:schemeClr val="bg1">
+                    <a:lumMod val="50000"/>
+                  </a:schemeClr>
+                </a:solidFill>
+                <a:latin typeface="微软雅黑" pitchFamily="34" charset="-122"/>
+                <a:ea typeface="微软雅黑" pitchFamily="34" charset="-122"/>
+              </a:rPr>
+              <a:t>notify / </a:t>
+            </a:r>
+            <a:r>
+              <a:rPr lang="en-US" altLang="zh-CN" sz="1400" dirty="0" err="1">
+                <a:ln w="6350">
+                  <a:noFill/>
+                </a:ln>
+                <a:solidFill>
+                  <a:schemeClr val="bg1">
+                    <a:lumMod val="50000"/>
+                  </a:schemeClr>
+                </a:solidFill>
+                <a:latin typeface="微软雅黑" pitchFamily="34" charset="-122"/>
+                <a:ea typeface="微软雅黑" pitchFamily="34" charset="-122"/>
+              </a:rPr>
+              <a:t>notifyAll</a:t>
+            </a:r>
+            <a:r>
+              <a:rPr lang="zh-CN" altLang="en-US" sz="1400" dirty="0">
+                <a:ln w="6350">
+                  <a:noFill/>
+                </a:ln>
+                <a:solidFill>
+                  <a:schemeClr val="bg1">
+                    <a:lumMod val="50000"/>
+                  </a:schemeClr>
+                </a:solidFill>
+                <a:latin typeface="微软雅黑" pitchFamily="34" charset="-122"/>
+                <a:ea typeface="微软雅黑" pitchFamily="34" charset="-122"/>
+              </a:rPr>
+              <a:t>让处于忙等状态的线程主动退出，但是会报</a:t>
+            </a:r>
+            <a:r>
+              <a:rPr lang="en-US" altLang="zh-CN" sz="1400" dirty="0" err="1">
+                <a:ln w="6350">
+                  <a:noFill/>
+                </a:ln>
+                <a:solidFill>
+                  <a:schemeClr val="bg1">
+                    <a:lumMod val="50000"/>
+                  </a:schemeClr>
+                </a:solidFill>
+                <a:latin typeface="微软雅黑" pitchFamily="34" charset="-122"/>
+                <a:ea typeface="微软雅黑" pitchFamily="34" charset="-122"/>
+              </a:rPr>
+              <a:t>IllegalMonitorStateException</a:t>
+            </a:r>
+            <a:r>
+              <a:rPr lang="zh-CN" altLang="en-US" sz="1400" dirty="0">
+                <a:ln w="6350">
+                  <a:noFill/>
+                </a:ln>
+                <a:solidFill>
+                  <a:schemeClr val="bg1">
+                    <a:lumMod val="50000"/>
+                  </a:schemeClr>
+                </a:solidFill>
+                <a:latin typeface="微软雅黑" pitchFamily="34" charset="-122"/>
+                <a:ea typeface="微软雅黑" pitchFamily="34" charset="-122"/>
+              </a:rPr>
+              <a:t>异常</a:t>
+            </a:r>
+            <a:endParaRPr lang="en-US" altLang="zh-CN" sz="1400" dirty="0">
+              <a:ln w="6350">
+                <a:noFill/>
+              </a:ln>
+              <a:solidFill>
+                <a:schemeClr val="bg1">
+                  <a:lumMod val="50000"/>
+                </a:schemeClr>
+              </a:solidFill>
+              <a:latin typeface="微软雅黑" pitchFamily="34" charset="-122"/>
+              <a:ea typeface="微软雅黑" pitchFamily="34" charset="-122"/>
+            </a:endParaRPr>
+          </a:p>
+          <a:p>
+            <a:pPr marL="342900" indent="-342900">
+              <a:lnSpc>
+                <a:spcPct val="200000"/>
+              </a:lnSpc>
+              <a:buFont typeface="+mj-lt"/>
+              <a:buAutoNum type="arabicPeriod"/>
+            </a:pPr>
+            <a:r>
+              <a:rPr lang="en-US" altLang="zh-CN" sz="1400" dirty="0" err="1">
+                <a:ln w="6350">
+                  <a:noFill/>
+                </a:ln>
+                <a:solidFill>
+                  <a:schemeClr val="bg1">
+                    <a:lumMod val="50000"/>
+                  </a:schemeClr>
+                </a:solidFill>
+                <a:latin typeface="微软雅黑" pitchFamily="34" charset="-122"/>
+                <a:ea typeface="微软雅黑" pitchFamily="34" charset="-122"/>
+              </a:rPr>
+              <a:t>IllegalMonitorStateException</a:t>
+            </a:r>
+            <a:r>
+              <a:rPr lang="zh-CN" altLang="en-US" sz="1400" dirty="0">
+                <a:ln w="6350">
+                  <a:noFill/>
+                </a:ln>
+                <a:solidFill>
+                  <a:schemeClr val="bg1">
+                    <a:lumMod val="50000"/>
+                  </a:schemeClr>
+                </a:solidFill>
+                <a:latin typeface="微软雅黑" pitchFamily="34" charset="-122"/>
+                <a:ea typeface="微软雅黑" pitchFamily="34" charset="-122"/>
+              </a:rPr>
+              <a:t>异常是因为调用</a:t>
+            </a:r>
+            <a:r>
+              <a:rPr lang="en-US" altLang="zh-CN" sz="1400" dirty="0">
+                <a:ln w="6350">
+                  <a:noFill/>
+                </a:ln>
+                <a:solidFill>
+                  <a:schemeClr val="bg1">
+                    <a:lumMod val="50000"/>
+                  </a:schemeClr>
+                </a:solidFill>
+                <a:latin typeface="微软雅黑" pitchFamily="34" charset="-122"/>
+                <a:ea typeface="微软雅黑" pitchFamily="34" charset="-122"/>
+              </a:rPr>
+              <a:t>wait</a:t>
+            </a:r>
+            <a:r>
+              <a:rPr lang="zh-CN" altLang="en-US" sz="1400" dirty="0">
+                <a:ln w="6350">
+                  <a:noFill/>
+                </a:ln>
+                <a:solidFill>
+                  <a:schemeClr val="bg1">
+                    <a:lumMod val="50000"/>
+                  </a:schemeClr>
+                </a:solidFill>
+                <a:latin typeface="微软雅黑" pitchFamily="34" charset="-122"/>
+                <a:ea typeface="微软雅黑" pitchFamily="34" charset="-122"/>
+              </a:rPr>
+              <a:t>，</a:t>
+            </a:r>
+            <a:r>
+              <a:rPr lang="en-US" altLang="zh-CN" sz="1400" dirty="0">
+                <a:ln w="6350">
+                  <a:noFill/>
+                </a:ln>
+                <a:solidFill>
+                  <a:schemeClr val="bg1">
+                    <a:lumMod val="50000"/>
+                  </a:schemeClr>
+                </a:solidFill>
+                <a:latin typeface="微软雅黑" pitchFamily="34" charset="-122"/>
+                <a:ea typeface="微软雅黑" pitchFamily="34" charset="-122"/>
+              </a:rPr>
+              <a:t>notify / </a:t>
+            </a:r>
+            <a:r>
+              <a:rPr lang="en-US" altLang="zh-CN" sz="1400" dirty="0" err="1">
+                <a:ln w="6350">
+                  <a:noFill/>
+                </a:ln>
+                <a:solidFill>
+                  <a:schemeClr val="bg1">
+                    <a:lumMod val="50000"/>
+                  </a:schemeClr>
+                </a:solidFill>
+                <a:latin typeface="微软雅黑" pitchFamily="34" charset="-122"/>
+                <a:ea typeface="微软雅黑" pitchFamily="34" charset="-122"/>
+              </a:rPr>
+              <a:t>notifyAll</a:t>
+            </a:r>
+            <a:r>
+              <a:rPr lang="zh-CN" altLang="en-US" sz="1400" dirty="0">
+                <a:ln w="6350">
+                  <a:noFill/>
+                </a:ln>
+                <a:solidFill>
+                  <a:schemeClr val="bg1">
+                    <a:lumMod val="50000"/>
+                  </a:schemeClr>
+                </a:solidFill>
+                <a:latin typeface="微软雅黑" pitchFamily="34" charset="-122"/>
+                <a:ea typeface="微软雅黑" pitchFamily="34" charset="-122"/>
+              </a:rPr>
+              <a:t>方法的对象没有进行同步，所以必须使用</a:t>
+            </a:r>
+            <a:r>
+              <a:rPr lang="en-US" altLang="zh-CN" sz="1400" dirty="0">
+                <a:ln w="6350">
+                  <a:noFill/>
+                </a:ln>
+                <a:solidFill>
+                  <a:schemeClr val="bg1">
+                    <a:lumMod val="50000"/>
+                  </a:schemeClr>
+                </a:solidFill>
+                <a:latin typeface="微软雅黑" pitchFamily="34" charset="-122"/>
+                <a:ea typeface="微软雅黑" pitchFamily="34" charset="-122"/>
+              </a:rPr>
+              <a:t>synchronized</a:t>
+            </a:r>
+            <a:r>
+              <a:rPr lang="zh-CN" altLang="en-US" sz="1400" dirty="0">
+                <a:ln w="6350">
+                  <a:noFill/>
+                </a:ln>
+                <a:solidFill>
+                  <a:schemeClr val="bg1">
+                    <a:lumMod val="50000"/>
+                  </a:schemeClr>
+                </a:solidFill>
+                <a:latin typeface="微软雅黑" pitchFamily="34" charset="-122"/>
+                <a:ea typeface="微软雅黑" pitchFamily="34" charset="-122"/>
+              </a:rPr>
+              <a:t>关键字进行同步，不然无法调用</a:t>
+            </a:r>
+            <a:r>
+              <a:rPr lang="en-US" altLang="zh-CN" sz="1400" dirty="0" err="1">
+                <a:ln w="6350">
+                  <a:noFill/>
+                </a:ln>
+                <a:solidFill>
+                  <a:schemeClr val="bg1">
+                    <a:lumMod val="50000"/>
+                  </a:schemeClr>
+                </a:solidFill>
+                <a:latin typeface="微软雅黑" pitchFamily="34" charset="-122"/>
+                <a:ea typeface="微软雅黑" pitchFamily="34" charset="-122"/>
+              </a:rPr>
+              <a:t>IllegalMonitorStateException</a:t>
+            </a:r>
+            <a:endParaRPr lang="en-US" altLang="zh-CN" sz="1400" dirty="0">
+              <a:ln w="6350">
+                <a:noFill/>
+              </a:ln>
+              <a:solidFill>
+                <a:srgbClr val="FF0000"/>
+              </a:solidFill>
+              <a:latin typeface="微软雅黑" pitchFamily="34" charset="-122"/>
+              <a:ea typeface="微软雅黑" pitchFamily="34" charset="-122"/>
+            </a:endParaRPr>
+          </a:p>
+        </p:txBody>
+      </p:sp>
+    </p:spTree>
+    <p:extLst>
+      <p:ext uri="{BB962C8B-B14F-4D97-AF65-F5344CB8AC3E}">
+        <p14:creationId xmlns:p14="http://schemas.microsoft.com/office/powerpoint/2010/main" val="3697940911"/>
+      </p:ext>
+    </p:extLst>
+  </p:cSld>
+  <p:clrMapOvr>
+    <a:masterClrMapping/>
+  </p:clrMapOvr>
+</p:sld>
+</file>
+
+<file path=ppt/slides/slide12.xml><?xml version="1.0" encoding="utf-8"?>
+<p:sld xmlns:a="http://schemas.openxmlformats.org/drawingml/2006/main" xmlns:r="http://schemas.openxmlformats.org/officeDocument/2006/relationships" xmlns:p="http://schemas.openxmlformats.org/presentationml/2006/main">
+  <p:cSld>
+    <p:spTree>
+      <p:nvGrpSpPr>
+        <p:cNvPr id="1" name=""/>
+        <p:cNvGrpSpPr/>
+        <p:nvPr/>
+      </p:nvGrpSpPr>
+      <p:grpSpPr>
+        <a:xfrm>
+          <a:off x="0" y="0"/>
+          <a:ext cx="0" cy="0"/>
+          <a:chOff x="0" y="0"/>
+          <a:chExt cx="0" cy="0"/>
+        </a:xfrm>
+      </p:grpSpPr>
+      <p:sp>
+        <p:nvSpPr>
+          <p:cNvPr id="47" name="Rectangle 39"/>
+          <p:cNvSpPr>
+            <a:spLocks noChangeArrowheads="1"/>
+          </p:cNvSpPr>
+          <p:nvPr/>
+        </p:nvSpPr>
+        <p:spPr bwMode="auto">
+          <a:xfrm>
+            <a:off x="416159" y="278281"/>
+            <a:ext cx="2778059" cy="307872"/>
+          </a:xfrm>
+          <a:prstGeom prst="rect">
+            <a:avLst/>
+          </a:prstGeom>
+          <a:noFill/>
+          <a:ln>
+            <a:noFill/>
+          </a:ln>
+          <a:extLst>
+            <a:ext uri="{909E8E84-426E-40DD-AFC4-6F175D3DCCD1}">
+              <a14:hiddenFill xmlns:a14="http://schemas.microsoft.com/office/drawing/2010/main">
+                <a:solidFill>
+                  <a:srgbClr val="FFFFFF"/>
+                </a:solidFill>
+              </a14:hiddenFill>
+            </a:ext>
+            <a:ext uri="{91240B29-F687-4F45-9708-019B960494DF}">
+              <a14:hiddenLine xmlns:a14="http://schemas.microsoft.com/office/drawing/2010/main" w="9525">
+                <a:solidFill>
+                  <a:srgbClr val="000000"/>
+                </a:solidFill>
+                <a:miter lim="800000"/>
+                <a:headEnd/>
+                <a:tailEnd/>
+              </a14:hiddenLine>
+            </a:ext>
+          </a:extLst>
+        </p:spPr>
+        <p:txBody>
+          <a:bodyPr wrap="square" lIns="0" tIns="0" rIns="0" bIns="0">
+            <a:spAutoFit/>
+          </a:bodyPr>
+          <a:lstStyle/>
+          <a:p>
+            <a:pPr>
+              <a:buFont typeface="Arial" pitchFamily="34" charset="0"/>
+              <a:buNone/>
+            </a:pPr>
+            <a:r>
+              <a:rPr lang="zh-CN" altLang="en-US" sz="2000" dirty="0">
+                <a:solidFill>
+                  <a:schemeClr val="accent1"/>
+                </a:solidFill>
+                <a:latin typeface="微软雅黑" pitchFamily="34" charset="-122"/>
+                <a:ea typeface="微软雅黑" pitchFamily="34" charset="-122"/>
+              </a:rPr>
+              <a:t>总结</a:t>
+            </a:r>
+            <a:endParaRPr lang="en-US" altLang="zh-CN" sz="2000" dirty="0">
+              <a:solidFill>
+                <a:schemeClr val="accent1"/>
+              </a:solidFill>
+              <a:latin typeface="微软雅黑" pitchFamily="34" charset="-122"/>
+              <a:ea typeface="微软雅黑" pitchFamily="34" charset="-122"/>
+            </a:endParaRPr>
+          </a:p>
+        </p:txBody>
+      </p:sp>
+      <p:grpSp>
+        <p:nvGrpSpPr>
+          <p:cNvPr id="48" name="组合 47"/>
+          <p:cNvGrpSpPr/>
+          <p:nvPr/>
+        </p:nvGrpSpPr>
+        <p:grpSpPr>
+          <a:xfrm>
+            <a:off x="416158" y="699542"/>
+            <a:ext cx="899592" cy="56017"/>
+            <a:chOff x="0" y="2842590"/>
+            <a:chExt cx="7054752" cy="89199"/>
+          </a:xfrm>
+        </p:grpSpPr>
+        <p:sp>
+          <p:nvSpPr>
+            <p:cNvPr id="49" name="矩形 48"/>
+            <p:cNvSpPr/>
+            <p:nvPr/>
+          </p:nvSpPr>
+          <p:spPr>
+            <a:xfrm>
+              <a:off x="0" y="2842590"/>
+              <a:ext cx="1763688" cy="89199"/>
+            </a:xfrm>
+            <a:prstGeom prst="rect">
+              <a:avLst/>
+            </a:prstGeom>
+            <a:solidFill>
+              <a:schemeClr val="accent1"/>
+            </a:solidFill>
+            <a:ln>
+              <a:noFill/>
+            </a:ln>
+          </p:spPr>
+          <p:style>
+            <a:lnRef idx="2">
+              <a:schemeClr val="accent1">
+                <a:shade val="50000"/>
+              </a:schemeClr>
+            </a:lnRef>
+            <a:fillRef idx="1">
+              <a:schemeClr val="accent1"/>
+            </a:fillRef>
+            <a:effectRef idx="0">
+              <a:schemeClr val="accent1"/>
+            </a:effectRef>
+            <a:fontRef idx="minor">
+              <a:schemeClr val="lt1"/>
+            </a:fontRef>
+          </p:style>
+          <p:txBody>
+            <a:bodyPr rtlCol="0" anchor="ctr"/>
+            <a:lstStyle/>
+            <a:p>
+              <a:pPr algn="ctr"/>
+              <a:endParaRPr lang="zh-CN" altLang="en-US"/>
+            </a:p>
+          </p:txBody>
+        </p:sp>
+        <p:sp>
+          <p:nvSpPr>
+            <p:cNvPr id="50" name="矩形 49"/>
+            <p:cNvSpPr/>
+            <p:nvPr/>
+          </p:nvSpPr>
+          <p:spPr>
+            <a:xfrm>
+              <a:off x="1763688" y="2842590"/>
+              <a:ext cx="1763688" cy="89199"/>
+            </a:xfrm>
+            <a:prstGeom prst="rect">
+              <a:avLst/>
+            </a:prstGeom>
+            <a:solidFill>
+              <a:schemeClr val="accent2"/>
+            </a:solidFill>
+            <a:ln>
+              <a:noFill/>
+            </a:ln>
+          </p:spPr>
+          <p:style>
+            <a:lnRef idx="2">
+              <a:schemeClr val="accent1">
+                <a:shade val="50000"/>
+              </a:schemeClr>
+            </a:lnRef>
+            <a:fillRef idx="1">
+              <a:schemeClr val="accent1"/>
+            </a:fillRef>
+            <a:effectRef idx="0">
+              <a:schemeClr val="accent1"/>
+            </a:effectRef>
+            <a:fontRef idx="minor">
+              <a:schemeClr val="lt1"/>
+            </a:fontRef>
+          </p:style>
+          <p:txBody>
+            <a:bodyPr rtlCol="0" anchor="ctr"/>
+            <a:lstStyle/>
+            <a:p>
+              <a:pPr algn="ctr"/>
+              <a:endParaRPr lang="zh-CN" altLang="en-US"/>
+            </a:p>
+          </p:txBody>
+        </p:sp>
+        <p:sp>
+          <p:nvSpPr>
+            <p:cNvPr id="51" name="矩形 50"/>
+            <p:cNvSpPr/>
+            <p:nvPr/>
+          </p:nvSpPr>
+          <p:spPr>
+            <a:xfrm>
+              <a:off x="3527376" y="2842590"/>
+              <a:ext cx="1763688" cy="89199"/>
+            </a:xfrm>
+            <a:prstGeom prst="rect">
+              <a:avLst/>
+            </a:prstGeom>
+            <a:solidFill>
+              <a:schemeClr val="accent3"/>
+            </a:solidFill>
+            <a:ln>
+              <a:noFill/>
+            </a:ln>
+          </p:spPr>
+          <p:style>
+            <a:lnRef idx="2">
+              <a:schemeClr val="accent1">
+                <a:shade val="50000"/>
+              </a:schemeClr>
+            </a:lnRef>
+            <a:fillRef idx="1">
+              <a:schemeClr val="accent1"/>
+            </a:fillRef>
+            <a:effectRef idx="0">
+              <a:schemeClr val="accent1"/>
+            </a:effectRef>
+            <a:fontRef idx="minor">
+              <a:schemeClr val="lt1"/>
+            </a:fontRef>
+          </p:style>
+          <p:txBody>
+            <a:bodyPr rtlCol="0" anchor="ctr"/>
+            <a:lstStyle/>
+            <a:p>
+              <a:pPr algn="ctr"/>
+              <a:endParaRPr lang="zh-CN" altLang="en-US"/>
+            </a:p>
+          </p:txBody>
+        </p:sp>
+        <p:sp>
+          <p:nvSpPr>
+            <p:cNvPr id="52" name="矩形 51"/>
+            <p:cNvSpPr/>
+            <p:nvPr/>
+          </p:nvSpPr>
+          <p:spPr>
+            <a:xfrm>
+              <a:off x="5291064" y="2842590"/>
+              <a:ext cx="1763688" cy="89199"/>
+            </a:xfrm>
+            <a:prstGeom prst="rect">
+              <a:avLst/>
+            </a:prstGeom>
+            <a:solidFill>
+              <a:schemeClr val="accent4"/>
+            </a:solidFill>
+            <a:ln>
+              <a:noFill/>
+            </a:ln>
+          </p:spPr>
+          <p:style>
+            <a:lnRef idx="2">
+              <a:schemeClr val="accent1">
+                <a:shade val="50000"/>
+              </a:schemeClr>
+            </a:lnRef>
+            <a:fillRef idx="1">
+              <a:schemeClr val="accent1"/>
+            </a:fillRef>
+            <a:effectRef idx="0">
+              <a:schemeClr val="accent1"/>
+            </a:effectRef>
+            <a:fontRef idx="minor">
+              <a:schemeClr val="lt1"/>
+            </a:fontRef>
+          </p:style>
+          <p:txBody>
+            <a:bodyPr rtlCol="0" anchor="ctr"/>
+            <a:lstStyle/>
+            <a:p>
+              <a:pPr algn="ctr"/>
+              <a:endParaRPr lang="zh-CN" altLang="en-US"/>
+            </a:p>
+          </p:txBody>
+        </p:sp>
+      </p:grpSp>
+      <p:sp>
+        <p:nvSpPr>
+          <p:cNvPr id="9" name="TextBox 21">
+            <a:extLst>
+              <a:ext uri="{FF2B5EF4-FFF2-40B4-BE49-F238E27FC236}">
+                <a16:creationId xmlns:a16="http://schemas.microsoft.com/office/drawing/2014/main" id="{7CCAF09B-CC3B-41F8-AF2C-506E91A2E02F}"/>
+              </a:ext>
+            </a:extLst>
+          </p:cNvPr>
+          <p:cNvSpPr txBox="1"/>
+          <p:nvPr/>
+        </p:nvSpPr>
+        <p:spPr>
+          <a:xfrm>
+            <a:off x="935596" y="843558"/>
+            <a:ext cx="7272808" cy="707886"/>
+          </a:xfrm>
+          <a:prstGeom prst="rect">
+            <a:avLst/>
+          </a:prstGeom>
+          <a:noFill/>
+        </p:spPr>
+        <p:txBody>
+          <a:bodyPr wrap="square" rtlCol="0">
+            <a:spAutoFit/>
+          </a:bodyPr>
+          <a:lstStyle/>
+          <a:p>
+            <a:pPr algn="dist"/>
+            <a:r>
+              <a:rPr lang="zh-CN" altLang="en-US" sz="4000" dirty="0">
+                <a:ln w="6350">
+                  <a:noFill/>
+                </a:ln>
+                <a:solidFill>
+                  <a:schemeClr val="bg1">
+                    <a:lumMod val="50000"/>
+                  </a:schemeClr>
+                </a:solidFill>
+                <a:latin typeface="微软雅黑" pitchFamily="34" charset="-122"/>
+                <a:ea typeface="微软雅黑" pitchFamily="34" charset="-122"/>
+              </a:rPr>
+              <a:t>介绍一下</a:t>
+            </a:r>
+            <a:r>
+              <a:rPr lang="en-US" altLang="zh-CN" sz="4000" dirty="0">
+                <a:ln w="6350">
+                  <a:noFill/>
+                </a:ln>
+                <a:solidFill>
+                  <a:schemeClr val="bg1">
+                    <a:lumMod val="50000"/>
+                  </a:schemeClr>
+                </a:solidFill>
+                <a:latin typeface="微软雅黑" pitchFamily="34" charset="-122"/>
+                <a:ea typeface="微软雅黑" pitchFamily="34" charset="-122"/>
+              </a:rPr>
+              <a:t>Object</a:t>
+            </a:r>
+            <a:r>
+              <a:rPr lang="zh-CN" altLang="en-US" sz="4000" dirty="0">
+                <a:ln w="6350">
+                  <a:noFill/>
+                </a:ln>
+                <a:solidFill>
+                  <a:schemeClr val="bg1">
+                    <a:lumMod val="50000"/>
+                  </a:schemeClr>
+                </a:solidFill>
+                <a:latin typeface="微软雅黑" pitchFamily="34" charset="-122"/>
+                <a:ea typeface="微软雅黑" pitchFamily="34" charset="-122"/>
+              </a:rPr>
+              <a:t>类常见方法？</a:t>
+            </a:r>
+          </a:p>
+        </p:txBody>
+      </p:sp>
+      <p:sp>
+        <p:nvSpPr>
+          <p:cNvPr id="12" name="文本框 11">
+            <a:extLst>
+              <a:ext uri="{FF2B5EF4-FFF2-40B4-BE49-F238E27FC236}">
+                <a16:creationId xmlns:a16="http://schemas.microsoft.com/office/drawing/2014/main" id="{A342B5FE-2C6F-4510-83F8-EC11A768ED31}"/>
+              </a:ext>
+            </a:extLst>
+          </p:cNvPr>
+          <p:cNvSpPr txBox="1"/>
+          <p:nvPr/>
+        </p:nvSpPr>
+        <p:spPr>
+          <a:xfrm>
+            <a:off x="993361" y="1585489"/>
+            <a:ext cx="6905966" cy="3323987"/>
+          </a:xfrm>
+          <a:prstGeom prst="rect">
+            <a:avLst/>
+          </a:prstGeom>
+          <a:noFill/>
+        </p:spPr>
+        <p:txBody>
+          <a:bodyPr wrap="square">
+            <a:spAutoFit/>
+          </a:bodyPr>
+          <a:lstStyle/>
+          <a:p>
+            <a:r>
+              <a:rPr lang="en-US" altLang="zh-CN" sz="1400" dirty="0">
+                <a:ln w="6350">
+                  <a:noFill/>
+                </a:ln>
+                <a:solidFill>
+                  <a:schemeClr val="bg1">
+                    <a:lumMod val="50000"/>
+                  </a:schemeClr>
+                </a:solidFill>
+                <a:latin typeface="微软雅黑" pitchFamily="34" charset="-122"/>
+                <a:ea typeface="微软雅黑" pitchFamily="34" charset="-122"/>
+              </a:rPr>
+              <a:t>Object</a:t>
+            </a:r>
+            <a:r>
+              <a:rPr lang="zh-CN" altLang="en-US" sz="1400" dirty="0">
+                <a:ln w="6350">
+                  <a:noFill/>
+                </a:ln>
+                <a:solidFill>
+                  <a:schemeClr val="bg1">
+                    <a:lumMod val="50000"/>
+                  </a:schemeClr>
+                </a:solidFill>
+                <a:latin typeface="微软雅黑" pitchFamily="34" charset="-122"/>
+                <a:ea typeface="微软雅黑" pitchFamily="34" charset="-122"/>
+              </a:rPr>
+              <a:t>类是</a:t>
+            </a:r>
+            <a:r>
+              <a:rPr lang="en-US" altLang="zh-CN" sz="1400" dirty="0">
+                <a:ln w="6350">
+                  <a:noFill/>
+                </a:ln>
+                <a:solidFill>
+                  <a:schemeClr val="bg1">
+                    <a:lumMod val="50000"/>
+                  </a:schemeClr>
+                </a:solidFill>
+                <a:latin typeface="微软雅黑" pitchFamily="34" charset="-122"/>
+                <a:ea typeface="微软雅黑" pitchFamily="34" charset="-122"/>
+              </a:rPr>
+              <a:t>Java</a:t>
+            </a:r>
+            <a:r>
+              <a:rPr lang="zh-CN" altLang="en-US" sz="1400" dirty="0">
+                <a:ln w="6350">
+                  <a:noFill/>
+                </a:ln>
+                <a:solidFill>
+                  <a:schemeClr val="bg1">
+                    <a:lumMod val="50000"/>
+                  </a:schemeClr>
+                </a:solidFill>
+                <a:latin typeface="微软雅黑" pitchFamily="34" charset="-122"/>
+                <a:ea typeface="微软雅黑" pitchFamily="34" charset="-122"/>
+              </a:rPr>
+              <a:t>中所有类的父类，其中有一些常用的方法：</a:t>
+            </a:r>
+            <a:endParaRPr lang="en-US" altLang="zh-CN" sz="1400" dirty="0">
+              <a:ln w="6350">
+                <a:noFill/>
+              </a:ln>
+              <a:solidFill>
+                <a:schemeClr val="bg1">
+                  <a:lumMod val="50000"/>
+                </a:schemeClr>
+              </a:solidFill>
+              <a:latin typeface="微软雅黑" pitchFamily="34" charset="-122"/>
+              <a:ea typeface="微软雅黑" pitchFamily="34" charset="-122"/>
+            </a:endParaRPr>
+          </a:p>
+          <a:p>
+            <a:r>
+              <a:rPr lang="en-US" altLang="zh-CN" sz="1400" dirty="0" err="1">
+                <a:ln w="6350">
+                  <a:noFill/>
+                </a:ln>
+                <a:solidFill>
+                  <a:schemeClr val="bg1">
+                    <a:lumMod val="50000"/>
+                  </a:schemeClr>
+                </a:solidFill>
+                <a:latin typeface="微软雅黑" pitchFamily="34" charset="-122"/>
+                <a:ea typeface="微软雅黑" pitchFamily="34" charset="-122"/>
+              </a:rPr>
+              <a:t>toString</a:t>
+            </a:r>
+            <a:r>
+              <a:rPr lang="zh-CN" altLang="en-US" sz="1400" dirty="0">
+                <a:ln w="6350">
+                  <a:noFill/>
+                </a:ln>
+                <a:solidFill>
+                  <a:schemeClr val="bg1">
+                    <a:lumMod val="50000"/>
+                  </a:schemeClr>
+                </a:solidFill>
+                <a:latin typeface="微软雅黑" pitchFamily="34" charset="-122"/>
+                <a:ea typeface="微软雅黑" pitchFamily="34" charset="-122"/>
+              </a:rPr>
+              <a:t>方法，该方法返回一个字符串，默认的实现方式 类名</a:t>
+            </a:r>
+            <a:r>
+              <a:rPr lang="en-US" altLang="zh-CN" sz="1400" dirty="0">
+                <a:ln w="6350">
+                  <a:noFill/>
+                </a:ln>
+                <a:solidFill>
+                  <a:schemeClr val="bg1">
+                    <a:lumMod val="50000"/>
+                  </a:schemeClr>
+                </a:solidFill>
+                <a:latin typeface="微软雅黑" pitchFamily="34" charset="-122"/>
+                <a:ea typeface="微软雅黑" pitchFamily="34" charset="-122"/>
+              </a:rPr>
+              <a:t>@</a:t>
+            </a:r>
+            <a:r>
+              <a:rPr lang="zh-CN" altLang="en-US" sz="1400" dirty="0">
+                <a:ln w="6350">
+                  <a:noFill/>
+                </a:ln>
+                <a:solidFill>
+                  <a:schemeClr val="bg1">
+                    <a:lumMod val="50000"/>
+                  </a:schemeClr>
+                </a:solidFill>
+                <a:latin typeface="微软雅黑" pitchFamily="34" charset="-122"/>
+                <a:ea typeface="微软雅黑" pitchFamily="34" charset="-122"/>
+              </a:rPr>
+              <a:t>哈希值的十六进制表示，我们写的自定义类通常会重新该方法以打印对象相关信息</a:t>
+            </a:r>
+            <a:endParaRPr lang="en-US" altLang="zh-CN" sz="1400" dirty="0">
+              <a:ln w="6350">
+                <a:noFill/>
+              </a:ln>
+              <a:solidFill>
+                <a:schemeClr val="bg1">
+                  <a:lumMod val="50000"/>
+                </a:schemeClr>
+              </a:solidFill>
+              <a:latin typeface="微软雅黑" pitchFamily="34" charset="-122"/>
+              <a:ea typeface="微软雅黑" pitchFamily="34" charset="-122"/>
+            </a:endParaRPr>
+          </a:p>
+          <a:p>
+            <a:r>
+              <a:rPr lang="en-US" altLang="zh-CN" sz="1400" dirty="0" err="1">
+                <a:ln w="6350">
+                  <a:noFill/>
+                </a:ln>
+                <a:solidFill>
+                  <a:schemeClr val="bg1">
+                    <a:lumMod val="50000"/>
+                  </a:schemeClr>
+                </a:solidFill>
+                <a:latin typeface="微软雅黑" pitchFamily="34" charset="-122"/>
+                <a:ea typeface="微软雅黑" pitchFamily="34" charset="-122"/>
+              </a:rPr>
+              <a:t>hashCode</a:t>
+            </a:r>
+            <a:r>
+              <a:rPr lang="zh-CN" altLang="en-US" sz="1400" dirty="0">
+                <a:ln w="6350">
+                  <a:noFill/>
+                </a:ln>
+                <a:solidFill>
+                  <a:schemeClr val="bg1">
+                    <a:lumMod val="50000"/>
+                  </a:schemeClr>
+                </a:solidFill>
+                <a:latin typeface="微软雅黑" pitchFamily="34" charset="-122"/>
+                <a:ea typeface="微软雅黑" pitchFamily="34" charset="-122"/>
+              </a:rPr>
+              <a:t>和</a:t>
+            </a:r>
+            <a:r>
+              <a:rPr lang="en-US" altLang="zh-CN" sz="1400" dirty="0">
+                <a:ln w="6350">
+                  <a:noFill/>
+                </a:ln>
+                <a:solidFill>
+                  <a:schemeClr val="bg1">
+                    <a:lumMod val="50000"/>
+                  </a:schemeClr>
+                </a:solidFill>
+                <a:latin typeface="微软雅黑" pitchFamily="34" charset="-122"/>
+                <a:ea typeface="微软雅黑" pitchFamily="34" charset="-122"/>
+              </a:rPr>
+              <a:t>equals</a:t>
+            </a:r>
+            <a:r>
+              <a:rPr lang="zh-CN" altLang="en-US" sz="1400" dirty="0">
+                <a:ln w="6350">
+                  <a:noFill/>
+                </a:ln>
+                <a:solidFill>
+                  <a:schemeClr val="bg1">
+                    <a:lumMod val="50000"/>
+                  </a:schemeClr>
+                </a:solidFill>
+                <a:latin typeface="微软雅黑" pitchFamily="34" charset="-122"/>
+                <a:ea typeface="微软雅黑" pitchFamily="34" charset="-122"/>
+              </a:rPr>
+              <a:t>，</a:t>
+            </a:r>
+            <a:r>
+              <a:rPr lang="en-US" altLang="zh-CN" sz="1400" dirty="0" err="1">
+                <a:ln w="6350">
+                  <a:noFill/>
+                </a:ln>
+                <a:solidFill>
+                  <a:schemeClr val="bg1">
+                    <a:lumMod val="50000"/>
+                  </a:schemeClr>
+                </a:solidFill>
+                <a:latin typeface="微软雅黑" pitchFamily="34" charset="-122"/>
+                <a:ea typeface="微软雅黑" pitchFamily="34" charset="-122"/>
+              </a:rPr>
+              <a:t>hashCode</a:t>
+            </a:r>
+            <a:r>
+              <a:rPr lang="zh-CN" altLang="en-US" sz="1400" dirty="0">
+                <a:ln w="6350">
+                  <a:noFill/>
+                </a:ln>
+                <a:solidFill>
+                  <a:schemeClr val="bg1">
+                    <a:lumMod val="50000"/>
+                  </a:schemeClr>
+                </a:solidFill>
+                <a:latin typeface="微软雅黑" pitchFamily="34" charset="-122"/>
+                <a:ea typeface="微软雅黑" pitchFamily="34" charset="-122"/>
+              </a:rPr>
+              <a:t>返回一个</a:t>
+            </a:r>
+            <a:r>
+              <a:rPr lang="en-US" altLang="zh-CN" sz="1400" dirty="0">
+                <a:ln w="6350">
+                  <a:noFill/>
+                </a:ln>
+                <a:solidFill>
+                  <a:schemeClr val="bg1">
+                    <a:lumMod val="50000"/>
+                  </a:schemeClr>
+                </a:solidFill>
+                <a:latin typeface="微软雅黑" pitchFamily="34" charset="-122"/>
+                <a:ea typeface="微软雅黑" pitchFamily="34" charset="-122"/>
+              </a:rPr>
+              <a:t>int</a:t>
+            </a:r>
+            <a:r>
+              <a:rPr lang="zh-CN" altLang="en-US" sz="1400" dirty="0">
+                <a:ln w="6350">
+                  <a:noFill/>
+                </a:ln>
+                <a:solidFill>
+                  <a:schemeClr val="bg1">
+                    <a:lumMod val="50000"/>
+                  </a:schemeClr>
+                </a:solidFill>
+                <a:latin typeface="微软雅黑" pitchFamily="34" charset="-122"/>
+                <a:ea typeface="微软雅黑" pitchFamily="34" charset="-122"/>
+              </a:rPr>
+              <a:t>值，表示该对象的哈希值，这个值与对象的内存地址有关。</a:t>
+            </a:r>
+            <a:r>
+              <a:rPr lang="en-US" altLang="zh-CN" sz="1400" dirty="0">
+                <a:ln w="6350">
+                  <a:noFill/>
+                </a:ln>
+                <a:solidFill>
+                  <a:schemeClr val="bg1">
+                    <a:lumMod val="50000"/>
+                  </a:schemeClr>
+                </a:solidFill>
+                <a:latin typeface="微软雅黑" pitchFamily="34" charset="-122"/>
+                <a:ea typeface="微软雅黑" pitchFamily="34" charset="-122"/>
+              </a:rPr>
+              <a:t>equals</a:t>
+            </a:r>
+            <a:r>
+              <a:rPr lang="zh-CN" altLang="en-US" sz="1400" dirty="0">
+                <a:ln w="6350">
+                  <a:noFill/>
+                </a:ln>
+                <a:solidFill>
+                  <a:schemeClr val="bg1">
+                    <a:lumMod val="50000"/>
+                  </a:schemeClr>
+                </a:solidFill>
+                <a:latin typeface="微软雅黑" pitchFamily="34" charset="-122"/>
+                <a:ea typeface="微软雅黑" pitchFamily="34" charset="-122"/>
+              </a:rPr>
+              <a:t>方法返回布尔值，用于比较两个对象是否相等，默认的实现方式是</a:t>
+            </a:r>
+            <a:r>
+              <a:rPr lang="en-US" altLang="zh-CN" sz="1400" dirty="0">
+                <a:ln w="6350">
+                  <a:noFill/>
+                </a:ln>
+                <a:solidFill>
+                  <a:schemeClr val="bg1">
+                    <a:lumMod val="50000"/>
+                  </a:schemeClr>
+                </a:solidFill>
+                <a:latin typeface="微软雅黑" pitchFamily="34" charset="-122"/>
+                <a:ea typeface="微软雅黑" pitchFamily="34" charset="-122"/>
+              </a:rPr>
+              <a:t>==</a:t>
+            </a:r>
+            <a:r>
+              <a:rPr lang="zh-CN" altLang="en-US" sz="1400" dirty="0">
+                <a:ln w="6350">
+                  <a:noFill/>
+                </a:ln>
+                <a:solidFill>
+                  <a:schemeClr val="bg1">
+                    <a:lumMod val="50000"/>
+                  </a:schemeClr>
+                </a:solidFill>
+                <a:latin typeface="微软雅黑" pitchFamily="34" charset="-122"/>
+                <a:ea typeface="微软雅黑" pitchFamily="34" charset="-122"/>
+              </a:rPr>
+              <a:t>运算符。用</a:t>
+            </a:r>
+            <a:r>
+              <a:rPr lang="en-US" altLang="zh-CN" sz="1400" dirty="0">
+                <a:ln w="6350">
+                  <a:noFill/>
+                </a:ln>
+                <a:solidFill>
+                  <a:schemeClr val="bg1">
+                    <a:lumMod val="50000"/>
+                  </a:schemeClr>
+                </a:solidFill>
+                <a:latin typeface="微软雅黑" pitchFamily="34" charset="-122"/>
+                <a:ea typeface="微软雅黑" pitchFamily="34" charset="-122"/>
+              </a:rPr>
+              <a:t>HashSet</a:t>
+            </a:r>
+            <a:r>
+              <a:rPr lang="zh-CN" altLang="en-US" sz="1400" dirty="0">
+                <a:ln w="6350">
+                  <a:noFill/>
+                </a:ln>
+                <a:solidFill>
+                  <a:schemeClr val="bg1">
+                    <a:lumMod val="50000"/>
+                  </a:schemeClr>
+                </a:solidFill>
+                <a:latin typeface="微软雅黑" pitchFamily="34" charset="-122"/>
+                <a:ea typeface="微软雅黑" pitchFamily="34" charset="-122"/>
+              </a:rPr>
+              <a:t>、</a:t>
+            </a:r>
+            <a:r>
+              <a:rPr lang="en-US" altLang="zh-CN" sz="1400" dirty="0">
+                <a:ln w="6350">
+                  <a:noFill/>
+                </a:ln>
+                <a:solidFill>
+                  <a:schemeClr val="bg1">
+                    <a:lumMod val="50000"/>
+                  </a:schemeClr>
+                </a:solidFill>
+                <a:latin typeface="微软雅黑" pitchFamily="34" charset="-122"/>
+                <a:ea typeface="微软雅黑" pitchFamily="34" charset="-122"/>
+              </a:rPr>
+              <a:t>HashMap</a:t>
+            </a:r>
+            <a:r>
+              <a:rPr lang="zh-CN" altLang="en-US" sz="1400" dirty="0">
+                <a:ln w="6350">
+                  <a:noFill/>
+                </a:ln>
+                <a:solidFill>
+                  <a:schemeClr val="bg1">
+                    <a:lumMod val="50000"/>
+                  </a:schemeClr>
+                </a:solidFill>
+                <a:latin typeface="微软雅黑" pitchFamily="34" charset="-122"/>
+                <a:ea typeface="微软雅黑" pitchFamily="34" charset="-122"/>
+              </a:rPr>
+              <a:t>等集合保持自定义类时，为了能够正确存储，通常要同时重写这两个方法。</a:t>
+            </a:r>
+            <a:endParaRPr lang="en-US" altLang="zh-CN" sz="1400" dirty="0">
+              <a:ln w="6350">
+                <a:noFill/>
+              </a:ln>
+              <a:solidFill>
+                <a:schemeClr val="bg1">
+                  <a:lumMod val="50000"/>
+                </a:schemeClr>
+              </a:solidFill>
+              <a:latin typeface="微软雅黑" pitchFamily="34" charset="-122"/>
+              <a:ea typeface="微软雅黑" pitchFamily="34" charset="-122"/>
+            </a:endParaRPr>
+          </a:p>
+          <a:p>
+            <a:r>
+              <a:rPr lang="en-US" altLang="zh-CN" sz="1400" dirty="0">
+                <a:ln w="6350">
+                  <a:noFill/>
+                </a:ln>
+                <a:solidFill>
+                  <a:schemeClr val="bg1">
+                    <a:lumMod val="50000"/>
+                  </a:schemeClr>
+                </a:solidFill>
+                <a:latin typeface="微软雅黑" pitchFamily="34" charset="-122"/>
+                <a:ea typeface="微软雅黑" pitchFamily="34" charset="-122"/>
+              </a:rPr>
+              <a:t>wait, notify / </a:t>
+            </a:r>
+            <a:r>
+              <a:rPr lang="en-US" altLang="zh-CN" sz="1400" dirty="0" err="1">
+                <a:ln w="6350">
+                  <a:noFill/>
+                </a:ln>
+                <a:solidFill>
+                  <a:schemeClr val="bg1">
+                    <a:lumMod val="50000"/>
+                  </a:schemeClr>
+                </a:solidFill>
+                <a:latin typeface="微软雅黑" pitchFamily="34" charset="-122"/>
+                <a:ea typeface="微软雅黑" pitchFamily="34" charset="-122"/>
+              </a:rPr>
+              <a:t>notifyAll</a:t>
+            </a:r>
+            <a:r>
+              <a:rPr lang="zh-CN" altLang="en-US" sz="1400" dirty="0">
+                <a:ln w="6350">
+                  <a:noFill/>
+                </a:ln>
+                <a:solidFill>
+                  <a:schemeClr val="bg1">
+                    <a:lumMod val="50000"/>
+                  </a:schemeClr>
+                </a:solidFill>
+                <a:latin typeface="微软雅黑" pitchFamily="34" charset="-122"/>
+                <a:ea typeface="微软雅黑" pitchFamily="34" charset="-122"/>
+              </a:rPr>
+              <a:t>，</a:t>
+            </a:r>
+            <a:r>
+              <a:rPr lang="en-US" altLang="zh-CN" sz="1400" dirty="0">
+                <a:ln w="6350">
+                  <a:noFill/>
+                </a:ln>
+                <a:solidFill>
+                  <a:schemeClr val="bg1">
+                    <a:lumMod val="50000"/>
+                  </a:schemeClr>
+                </a:solidFill>
+                <a:latin typeface="微软雅黑" pitchFamily="34" charset="-122"/>
+                <a:ea typeface="微软雅黑" pitchFamily="34" charset="-122"/>
+              </a:rPr>
+              <a:t>wait</a:t>
+            </a:r>
+            <a:r>
+              <a:rPr lang="zh-CN" altLang="en-US" sz="1400" dirty="0">
+                <a:ln w="6350">
+                  <a:noFill/>
+                </a:ln>
+                <a:solidFill>
+                  <a:schemeClr val="bg1">
+                    <a:lumMod val="50000"/>
+                  </a:schemeClr>
+                </a:solidFill>
+                <a:latin typeface="微软雅黑" pitchFamily="34" charset="-122"/>
+                <a:ea typeface="微软雅黑" pitchFamily="34" charset="-122"/>
+              </a:rPr>
+              <a:t>方法用于多线程中，对象调用该方法，会主动释放锁资源，并将当前线程进入</a:t>
+            </a:r>
+            <a:r>
+              <a:rPr lang="en-US" altLang="zh-CN" sz="1400" dirty="0">
+                <a:ln w="6350">
+                  <a:noFill/>
+                </a:ln>
+                <a:solidFill>
+                  <a:schemeClr val="bg1">
+                    <a:lumMod val="50000"/>
+                  </a:schemeClr>
+                </a:solidFill>
+                <a:latin typeface="微软雅黑" pitchFamily="34" charset="-122"/>
+                <a:ea typeface="微软雅黑" pitchFamily="34" charset="-122"/>
+              </a:rPr>
+              <a:t>wait</a:t>
+            </a:r>
+            <a:r>
+              <a:rPr lang="zh-CN" altLang="en-US" sz="1400" dirty="0">
+                <a:ln w="6350">
+                  <a:noFill/>
+                </a:ln>
+                <a:solidFill>
+                  <a:schemeClr val="bg1">
+                    <a:lumMod val="50000"/>
+                  </a:schemeClr>
+                </a:solidFill>
+                <a:latin typeface="微软雅黑" pitchFamily="34" charset="-122"/>
+                <a:ea typeface="微软雅黑" pitchFamily="34" charset="-122"/>
+              </a:rPr>
+              <a:t>状态。</a:t>
+            </a:r>
+            <a:r>
+              <a:rPr lang="en-US" altLang="zh-CN" sz="1400" dirty="0">
+                <a:ln w="6350">
+                  <a:noFill/>
+                </a:ln>
+                <a:solidFill>
+                  <a:schemeClr val="bg1">
+                    <a:lumMod val="50000"/>
+                  </a:schemeClr>
+                </a:solidFill>
+                <a:latin typeface="微软雅黑" pitchFamily="34" charset="-122"/>
+                <a:ea typeface="微软雅黑" pitchFamily="34" charset="-122"/>
+              </a:rPr>
+              <a:t>notify / </a:t>
+            </a:r>
+            <a:r>
+              <a:rPr lang="en-US" altLang="zh-CN" sz="1400" dirty="0" err="1">
+                <a:ln w="6350">
+                  <a:noFill/>
+                </a:ln>
+                <a:solidFill>
+                  <a:schemeClr val="bg1">
+                    <a:lumMod val="50000"/>
+                  </a:schemeClr>
+                </a:solidFill>
+                <a:latin typeface="微软雅黑" pitchFamily="34" charset="-122"/>
+                <a:ea typeface="微软雅黑" pitchFamily="34" charset="-122"/>
+              </a:rPr>
+              <a:t>notifyAll</a:t>
+            </a:r>
+            <a:r>
+              <a:rPr lang="zh-CN" altLang="en-US" sz="1400" dirty="0">
+                <a:ln w="6350">
+                  <a:noFill/>
+                </a:ln>
+                <a:solidFill>
+                  <a:schemeClr val="bg1">
+                    <a:lumMod val="50000"/>
+                  </a:schemeClr>
+                </a:solidFill>
+                <a:latin typeface="微软雅黑" pitchFamily="34" charset="-122"/>
+                <a:ea typeface="微软雅黑" pitchFamily="34" charset="-122"/>
+              </a:rPr>
+              <a:t>方法也用在多线程中，对象调用该方法，会唤醒等待该对象锁资源的线程，它们的区别在于，</a:t>
+            </a:r>
+            <a:r>
+              <a:rPr lang="en-US" altLang="zh-CN" sz="1400" dirty="0">
+                <a:ln w="6350">
+                  <a:noFill/>
+                </a:ln>
+                <a:solidFill>
+                  <a:schemeClr val="bg1">
+                    <a:lumMod val="50000"/>
+                  </a:schemeClr>
+                </a:solidFill>
+                <a:latin typeface="微软雅黑" pitchFamily="34" charset="-122"/>
+                <a:ea typeface="微软雅黑" pitchFamily="34" charset="-122"/>
+              </a:rPr>
+              <a:t>notify</a:t>
+            </a:r>
+            <a:r>
+              <a:rPr lang="zh-CN" altLang="en-US" sz="1400" dirty="0">
+                <a:ln w="6350">
+                  <a:noFill/>
+                </a:ln>
+                <a:solidFill>
+                  <a:schemeClr val="bg1">
+                    <a:lumMod val="50000"/>
+                  </a:schemeClr>
+                </a:solidFill>
+                <a:latin typeface="微软雅黑" pitchFamily="34" charset="-122"/>
+                <a:ea typeface="微软雅黑" pitchFamily="34" charset="-122"/>
+              </a:rPr>
+              <a:t>方法会从等待该对象锁资源的线程中随机唤醒一个线程，没有被唤醒的线程，继续</a:t>
+            </a:r>
+            <a:r>
+              <a:rPr lang="en-US" altLang="zh-CN" sz="1400" dirty="0">
+                <a:ln w="6350">
+                  <a:noFill/>
+                </a:ln>
+                <a:solidFill>
+                  <a:schemeClr val="bg1">
+                    <a:lumMod val="50000"/>
+                  </a:schemeClr>
+                </a:solidFill>
+                <a:latin typeface="微软雅黑" pitchFamily="34" charset="-122"/>
+                <a:ea typeface="微软雅黑" pitchFamily="34" charset="-122"/>
+              </a:rPr>
+              <a:t>wait</a:t>
+            </a:r>
+            <a:r>
+              <a:rPr lang="zh-CN" altLang="en-US" sz="1400" dirty="0">
+                <a:ln w="6350">
+                  <a:noFill/>
+                </a:ln>
+                <a:solidFill>
+                  <a:schemeClr val="bg1">
+                    <a:lumMod val="50000"/>
+                  </a:schemeClr>
+                </a:solidFill>
+                <a:latin typeface="微软雅黑" pitchFamily="34" charset="-122"/>
+                <a:ea typeface="微软雅黑" pitchFamily="34" charset="-122"/>
+              </a:rPr>
+              <a:t>。而</a:t>
+            </a:r>
+            <a:r>
+              <a:rPr lang="en-US" altLang="zh-CN" sz="1400" dirty="0" err="1">
+                <a:ln w="6350">
+                  <a:noFill/>
+                </a:ln>
+                <a:solidFill>
+                  <a:schemeClr val="bg1">
+                    <a:lumMod val="50000"/>
+                  </a:schemeClr>
+                </a:solidFill>
+                <a:latin typeface="微软雅黑" pitchFamily="34" charset="-122"/>
+                <a:ea typeface="微软雅黑" pitchFamily="34" charset="-122"/>
+              </a:rPr>
+              <a:t>notifyAll</a:t>
+            </a:r>
+            <a:r>
+              <a:rPr lang="zh-CN" altLang="en-US" sz="1400" dirty="0">
+                <a:ln w="6350">
+                  <a:noFill/>
+                </a:ln>
+                <a:solidFill>
+                  <a:schemeClr val="bg1">
+                    <a:lumMod val="50000"/>
+                  </a:schemeClr>
+                </a:solidFill>
+                <a:latin typeface="微软雅黑" pitchFamily="34" charset="-122"/>
+                <a:ea typeface="微软雅黑" pitchFamily="34" charset="-122"/>
+              </a:rPr>
+              <a:t>则会唤醒所有等待该对象锁资源的线程</a:t>
+            </a:r>
+            <a:r>
+              <a:rPr lang="en-US" altLang="zh-CN" sz="1400" dirty="0">
+                <a:ln w="6350">
+                  <a:noFill/>
+                </a:ln>
+                <a:solidFill>
+                  <a:schemeClr val="bg1">
+                    <a:lumMod val="50000"/>
+                  </a:schemeClr>
+                </a:solidFill>
+                <a:latin typeface="微软雅黑" pitchFamily="34" charset="-122"/>
+                <a:ea typeface="微软雅黑" pitchFamily="34" charset="-122"/>
+              </a:rPr>
+              <a:t>,</a:t>
+            </a:r>
+            <a:r>
+              <a:rPr lang="zh-CN" altLang="en-US" sz="1400" dirty="0">
+                <a:ln w="6350">
+                  <a:noFill/>
+                </a:ln>
+                <a:solidFill>
+                  <a:schemeClr val="bg1">
+                    <a:lumMod val="50000"/>
+                  </a:schemeClr>
+                </a:solidFill>
+                <a:latin typeface="微软雅黑" pitchFamily="34" charset="-122"/>
+                <a:ea typeface="微软雅黑" pitchFamily="34" charset="-122"/>
+              </a:rPr>
+              <a:t>， 让它们去竞争锁资源，没有竞争到锁资源的线程会进</a:t>
+            </a:r>
+            <a:r>
+              <a:rPr lang="en-US" altLang="zh-CN" sz="1400" dirty="0">
+                <a:ln w="6350">
+                  <a:noFill/>
+                </a:ln>
+                <a:solidFill>
+                  <a:schemeClr val="bg1">
+                    <a:lumMod val="50000"/>
+                  </a:schemeClr>
+                </a:solidFill>
+                <a:latin typeface="微软雅黑" pitchFamily="34" charset="-122"/>
+                <a:ea typeface="微软雅黑" pitchFamily="34" charset="-122"/>
+              </a:rPr>
+              <a:t>Blocked</a:t>
+            </a:r>
+            <a:r>
+              <a:rPr lang="zh-CN" altLang="en-US" sz="1400" dirty="0">
+                <a:ln w="6350">
+                  <a:noFill/>
+                </a:ln>
+                <a:solidFill>
+                  <a:schemeClr val="bg1">
+                    <a:lumMod val="50000"/>
+                  </a:schemeClr>
+                </a:solidFill>
+                <a:latin typeface="微软雅黑" pitchFamily="34" charset="-122"/>
+                <a:ea typeface="微软雅黑" pitchFamily="34" charset="-122"/>
+              </a:rPr>
+              <a:t>状态</a:t>
+            </a:r>
+            <a:endParaRPr lang="en-US" altLang="zh-CN" sz="1400" dirty="0">
+              <a:ln w="6350">
+                <a:noFill/>
+              </a:ln>
+              <a:solidFill>
+                <a:schemeClr val="bg1">
+                  <a:lumMod val="50000"/>
+                </a:schemeClr>
+              </a:solidFill>
+              <a:latin typeface="微软雅黑" pitchFamily="34" charset="-122"/>
+              <a:ea typeface="微软雅黑" pitchFamily="34" charset="-122"/>
+            </a:endParaRPr>
+          </a:p>
+          <a:p>
+            <a:r>
+              <a:rPr lang="zh-CN" altLang="en-US" sz="1400" dirty="0">
+                <a:ln w="6350">
+                  <a:noFill/>
+                </a:ln>
+                <a:solidFill>
+                  <a:schemeClr val="bg1">
+                    <a:lumMod val="50000"/>
+                  </a:schemeClr>
+                </a:solidFill>
+                <a:latin typeface="微软雅黑" pitchFamily="34" charset="-122"/>
+                <a:ea typeface="微软雅黑" pitchFamily="34" charset="-122"/>
+              </a:rPr>
+              <a:t>使用</a:t>
+            </a:r>
+            <a:r>
+              <a:rPr lang="en-US" altLang="zh-CN" sz="1400" dirty="0" err="1">
+                <a:ln w="6350">
+                  <a:noFill/>
+                </a:ln>
+                <a:solidFill>
+                  <a:schemeClr val="bg1">
+                    <a:lumMod val="50000"/>
+                  </a:schemeClr>
+                </a:solidFill>
+                <a:latin typeface="微软雅黑" pitchFamily="34" charset="-122"/>
+                <a:ea typeface="微软雅黑" pitchFamily="34" charset="-122"/>
+              </a:rPr>
+              <a:t>wati</a:t>
+            </a:r>
+            <a:r>
+              <a:rPr lang="zh-CN" altLang="en-US" sz="1400" dirty="0">
+                <a:ln w="6350">
+                  <a:noFill/>
+                </a:ln>
+                <a:solidFill>
+                  <a:schemeClr val="bg1">
+                    <a:lumMod val="50000"/>
+                  </a:schemeClr>
+                </a:solidFill>
+                <a:latin typeface="微软雅黑" pitchFamily="34" charset="-122"/>
+                <a:ea typeface="微软雅黑" pitchFamily="34" charset="-122"/>
+              </a:rPr>
+              <a:t>，</a:t>
+            </a:r>
+            <a:r>
+              <a:rPr lang="en-US" altLang="zh-CN" sz="1400" dirty="0">
+                <a:ln w="6350">
+                  <a:noFill/>
+                </a:ln>
+                <a:solidFill>
+                  <a:schemeClr val="bg1">
+                    <a:lumMod val="50000"/>
+                  </a:schemeClr>
+                </a:solidFill>
+                <a:latin typeface="微软雅黑" pitchFamily="34" charset="-122"/>
+                <a:ea typeface="微软雅黑" pitchFamily="34" charset="-122"/>
+              </a:rPr>
+              <a:t>notify / </a:t>
+            </a:r>
+            <a:r>
+              <a:rPr lang="en-US" altLang="zh-CN" sz="1400" dirty="0" err="1">
+                <a:ln w="6350">
+                  <a:noFill/>
+                </a:ln>
+                <a:solidFill>
+                  <a:schemeClr val="bg1">
+                    <a:lumMod val="50000"/>
+                  </a:schemeClr>
+                </a:solidFill>
+                <a:latin typeface="微软雅黑" pitchFamily="34" charset="-122"/>
+                <a:ea typeface="微软雅黑" pitchFamily="34" charset="-122"/>
+              </a:rPr>
+              <a:t>notifyAll</a:t>
+            </a:r>
+            <a:r>
+              <a:rPr lang="zh-CN" altLang="en-US" sz="1400" dirty="0">
+                <a:ln w="6350">
+                  <a:noFill/>
+                </a:ln>
+                <a:solidFill>
+                  <a:schemeClr val="bg1">
+                    <a:lumMod val="50000"/>
+                  </a:schemeClr>
+                </a:solidFill>
+                <a:latin typeface="微软雅黑" pitchFamily="34" charset="-122"/>
+                <a:ea typeface="微软雅黑" pitchFamily="34" charset="-122"/>
+              </a:rPr>
+              <a:t>可以实现一个简单的生产者消费者模型，配和</a:t>
+            </a:r>
+            <a:r>
+              <a:rPr lang="en-US" altLang="zh-CN" sz="1400" dirty="0">
+                <a:ln w="6350">
+                  <a:noFill/>
+                </a:ln>
+                <a:solidFill>
+                  <a:schemeClr val="bg1">
+                    <a:lumMod val="50000"/>
+                  </a:schemeClr>
+                </a:solidFill>
+                <a:latin typeface="微软雅黑" pitchFamily="34" charset="-122"/>
+                <a:ea typeface="微软雅黑" pitchFamily="34" charset="-122"/>
+              </a:rPr>
+              <a:t>synchronized</a:t>
+            </a:r>
+            <a:r>
+              <a:rPr lang="zh-CN" altLang="en-US" sz="1400" dirty="0">
+                <a:ln w="6350">
+                  <a:noFill/>
+                </a:ln>
+                <a:solidFill>
+                  <a:schemeClr val="bg1">
+                    <a:lumMod val="50000"/>
+                  </a:schemeClr>
+                </a:solidFill>
+                <a:latin typeface="微软雅黑" pitchFamily="34" charset="-122"/>
+                <a:ea typeface="微软雅黑" pitchFamily="34" charset="-122"/>
+              </a:rPr>
+              <a:t>关键字做到线程同步</a:t>
+            </a:r>
+            <a:endParaRPr lang="zh-CN" altLang="en-US" sz="1400" dirty="0"/>
+          </a:p>
+        </p:txBody>
+      </p:sp>
+    </p:spTree>
+    <p:extLst>
+      <p:ext uri="{BB962C8B-B14F-4D97-AF65-F5344CB8AC3E}">
+        <p14:creationId xmlns:p14="http://schemas.microsoft.com/office/powerpoint/2010/main" val="333843433"/>
+      </p:ext>
+    </p:extLst>
+  </p:cSld>
+  <p:clrMapOvr>
+    <a:masterClrMapping/>
+  </p:clrMapOvr>
+</p:sld>
+</file>
+
 <file path=ppt/slides/slide2.xml><?xml version="1.0" encoding="utf-8"?>
 <p:sld xmlns:a="http://schemas.openxmlformats.org/drawingml/2006/main" xmlns:r="http://schemas.openxmlformats.org/officeDocument/2006/relationships" xmlns:p="http://schemas.openxmlformats.org/presentationml/2006/main">
   <p:cSld>
@@ -5723,7 +9370,7 @@
         </p:nvSpPr>
         <p:spPr>
           <a:xfrm>
-            <a:off x="829833" y="1176484"/>
+            <a:off x="753505" y="843558"/>
             <a:ext cx="3781331" cy="377411"/>
           </a:xfrm>
           <a:prstGeom prst="rect">
@@ -5785,22 +9432,7 @@
                 <a:latin typeface="微软雅黑" pitchFamily="34" charset="-122"/>
                 <a:ea typeface="微软雅黑" pitchFamily="34" charset="-122"/>
               </a:rPr>
-              <a:t>】</a:t>
-            </a:r>
-            <a:r>
-              <a:rPr lang="en-US" altLang="zh-CN" sz="1400" dirty="0" err="1">
-                <a:ln w="6350">
-                  <a:noFill/>
-                </a:ln>
-                <a:solidFill>
-                  <a:schemeClr val="bg1">
-                    <a:lumMod val="50000"/>
-                  </a:schemeClr>
-                </a:solidFill>
-                <a:latin typeface="微软雅黑" pitchFamily="34" charset="-122"/>
-                <a:ea typeface="微软雅黑" pitchFamily="34" charset="-122"/>
-              </a:rPr>
-              <a:t>hasCode</a:t>
+              <a:t>】==</a:t>
             </a:r>
             <a:r>
               <a:rPr lang="zh-CN" altLang="en-US" sz="1400" dirty="0">
@@ -5846,6 +9478,330 @@
                 <a:ea typeface="微软雅黑" pitchFamily="34" charset="-122"/>
               </a:rPr>
               <a:t>的区别？</a:t>
+            </a:r>
+            <a:endParaRPr lang="en-US" altLang="zh-CN" sz="1400" dirty="0">
+              <a:ln w="6350">
+                <a:noFill/>
+              </a:ln>
+              <a:solidFill>
+                <a:schemeClr val="bg1">
+                  <a:lumMod val="50000"/>
+                </a:schemeClr>
+              </a:solidFill>
+              <a:latin typeface="微软雅黑" pitchFamily="34" charset="-122"/>
+              <a:ea typeface="微软雅黑" pitchFamily="34" charset="-122"/>
+            </a:endParaRPr>
+          </a:p>
+        </p:txBody>
+      </p:sp>
+      <p:sp>
+        <p:nvSpPr>
+          <p:cNvPr id="9" name="TextBox 21">
+            <a:extLst>
+              <a:ext uri="{FF2B5EF4-FFF2-40B4-BE49-F238E27FC236}">
+                <a16:creationId xmlns:a16="http://schemas.microsoft.com/office/drawing/2014/main" id="{27576124-F7CA-485A-8470-33DB6FE77B70}"/>
+              </a:ext>
+            </a:extLst>
+          </p:cNvPr>
+          <p:cNvSpPr txBox="1"/>
+          <p:nvPr/>
+        </p:nvSpPr>
+        <p:spPr>
+          <a:xfrm>
+            <a:off x="753505" y="1374728"/>
+            <a:ext cx="6749838" cy="377411"/>
+          </a:xfrm>
+          <a:prstGeom prst="rect">
+            <a:avLst/>
+          </a:prstGeom>
+          <a:noFill/>
+        </p:spPr>
+        <p:txBody>
+          <a:bodyPr wrap="square" rtlCol="0">
+            <a:spAutoFit/>
+          </a:bodyPr>
+          <a:lstStyle/>
+          <a:p>
+            <a:pPr>
+              <a:lnSpc>
+                <a:spcPct val="150000"/>
+              </a:lnSpc>
+            </a:pPr>
+            <a:r>
+              <a:rPr lang="en-US" altLang="zh-CN" sz="1400" dirty="0">
+                <a:ln w="6350">
+                  <a:noFill/>
+                </a:ln>
+                <a:solidFill>
+                  <a:schemeClr val="bg1">
+                    <a:lumMod val="50000"/>
+                  </a:schemeClr>
+                </a:solidFill>
+                <a:latin typeface="微软雅黑" pitchFamily="34" charset="-122"/>
+                <a:ea typeface="微软雅黑" pitchFamily="34" charset="-122"/>
+              </a:rPr>
+              <a:t>equals</a:t>
+            </a:r>
+            <a:r>
+              <a:rPr lang="zh-CN" altLang="en-US" sz="1400" dirty="0">
+                <a:ln w="6350">
+                  <a:noFill/>
+                </a:ln>
+                <a:solidFill>
+                  <a:schemeClr val="bg1">
+                    <a:lumMod val="50000"/>
+                  </a:schemeClr>
+                </a:solidFill>
+                <a:latin typeface="微软雅黑" pitchFamily="34" charset="-122"/>
+                <a:ea typeface="微软雅黑" pitchFamily="34" charset="-122"/>
+              </a:rPr>
+              <a:t>是逻辑上相等，也就是只要返回</a:t>
+            </a:r>
+            <a:r>
+              <a:rPr lang="en-US" altLang="zh-CN" sz="1400" dirty="0">
+                <a:ln w="6350">
+                  <a:noFill/>
+                </a:ln>
+                <a:solidFill>
+                  <a:schemeClr val="bg1">
+                    <a:lumMod val="50000"/>
+                  </a:schemeClr>
+                </a:solidFill>
+                <a:latin typeface="微软雅黑" pitchFamily="34" charset="-122"/>
+                <a:ea typeface="微软雅黑" pitchFamily="34" charset="-122"/>
+              </a:rPr>
+              <a:t>true</a:t>
+            </a:r>
+            <a:r>
+              <a:rPr lang="zh-CN" altLang="en-US" sz="1400" dirty="0">
+                <a:ln w="6350">
+                  <a:noFill/>
+                </a:ln>
+                <a:solidFill>
+                  <a:schemeClr val="bg1">
+                    <a:lumMod val="50000"/>
+                  </a:schemeClr>
+                </a:solidFill>
+                <a:latin typeface="微软雅黑" pitchFamily="34" charset="-122"/>
+                <a:ea typeface="微软雅黑" pitchFamily="34" charset="-122"/>
+              </a:rPr>
+              <a:t>，我们就认为这两个对象是同一个对象。</a:t>
+            </a:r>
+            <a:endParaRPr lang="en-US" altLang="zh-CN" sz="1400" dirty="0">
+              <a:ln w="6350">
+                <a:noFill/>
+              </a:ln>
+              <a:solidFill>
+                <a:schemeClr val="bg1">
+                  <a:lumMod val="50000"/>
+                </a:schemeClr>
+              </a:solidFill>
+              <a:latin typeface="微软雅黑" pitchFamily="34" charset="-122"/>
+              <a:ea typeface="微软雅黑" pitchFamily="34" charset="-122"/>
+            </a:endParaRPr>
+          </a:p>
+        </p:txBody>
+      </p:sp>
+      <p:sp>
+        <p:nvSpPr>
+          <p:cNvPr id="11" name="TextBox 21">
+            <a:extLst>
+              <a:ext uri="{FF2B5EF4-FFF2-40B4-BE49-F238E27FC236}">
+                <a16:creationId xmlns:a16="http://schemas.microsoft.com/office/drawing/2014/main" id="{F474ED1A-88DC-4709-9C45-2271D57A2713}"/>
+              </a:ext>
+            </a:extLst>
+          </p:cNvPr>
+          <p:cNvSpPr txBox="1"/>
+          <p:nvPr/>
+        </p:nvSpPr>
+        <p:spPr>
+          <a:xfrm>
+            <a:off x="753505" y="1872843"/>
+            <a:ext cx="7862495" cy="700576"/>
+          </a:xfrm>
+          <a:prstGeom prst="rect">
+            <a:avLst/>
+          </a:prstGeom>
+          <a:noFill/>
+        </p:spPr>
+        <p:txBody>
+          <a:bodyPr wrap="square" rtlCol="0">
+            <a:spAutoFit/>
+          </a:bodyPr>
+          <a:lstStyle/>
+          <a:p>
+            <a:pPr>
+              <a:lnSpc>
+                <a:spcPct val="150000"/>
+              </a:lnSpc>
+            </a:pPr>
+            <a:r>
+              <a:rPr lang="en-US" altLang="zh-CN" sz="1400" dirty="0">
+                <a:ln w="6350">
+                  <a:noFill/>
+                </a:ln>
+                <a:solidFill>
+                  <a:schemeClr val="bg1">
+                    <a:lumMod val="50000"/>
+                  </a:schemeClr>
+                </a:solidFill>
+                <a:latin typeface="微软雅黑" pitchFamily="34" charset="-122"/>
+                <a:ea typeface="微软雅黑" pitchFamily="34" charset="-122"/>
+              </a:rPr>
+              <a:t>==</a:t>
+            </a:r>
+            <a:r>
+              <a:rPr lang="zh-CN" altLang="en-US" sz="1400" dirty="0">
+                <a:ln w="6350">
+                  <a:noFill/>
+                </a:ln>
+                <a:solidFill>
+                  <a:schemeClr val="bg1">
+                    <a:lumMod val="50000"/>
+                  </a:schemeClr>
+                </a:solidFill>
+                <a:latin typeface="微软雅黑" pitchFamily="34" charset="-122"/>
+                <a:ea typeface="微软雅黑" pitchFamily="34" charset="-122"/>
+              </a:rPr>
+              <a:t>是物理上相等，比较两个对象的内存地址，如果返回</a:t>
+            </a:r>
+            <a:r>
+              <a:rPr lang="en-US" altLang="zh-CN" sz="1400" dirty="0">
+                <a:ln w="6350">
+                  <a:noFill/>
+                </a:ln>
+                <a:solidFill>
+                  <a:schemeClr val="bg1">
+                    <a:lumMod val="50000"/>
+                  </a:schemeClr>
+                </a:solidFill>
+                <a:latin typeface="微软雅黑" pitchFamily="34" charset="-122"/>
+                <a:ea typeface="微软雅黑" pitchFamily="34" charset="-122"/>
+              </a:rPr>
+              <a:t>true</a:t>
+            </a:r>
+            <a:r>
+              <a:rPr lang="zh-CN" altLang="en-US" sz="1400" dirty="0">
+                <a:ln w="6350">
+                  <a:noFill/>
+                </a:ln>
+                <a:solidFill>
+                  <a:schemeClr val="bg1">
+                    <a:lumMod val="50000"/>
+                  </a:schemeClr>
+                </a:solidFill>
+                <a:latin typeface="微软雅黑" pitchFamily="34" charset="-122"/>
+                <a:ea typeface="微软雅黑" pitchFamily="34" charset="-122"/>
+              </a:rPr>
+              <a:t>，代表这两个对象是在同一块内存地址，当然就是同一个对象。</a:t>
+            </a:r>
+            <a:endParaRPr lang="en-US" altLang="zh-CN" sz="1400" dirty="0">
+              <a:ln w="6350">
+                <a:noFill/>
+              </a:ln>
+              <a:solidFill>
+                <a:schemeClr val="bg1">
+                  <a:lumMod val="50000"/>
+                </a:schemeClr>
+              </a:solidFill>
+              <a:latin typeface="微软雅黑" pitchFamily="34" charset="-122"/>
+              <a:ea typeface="微软雅黑" pitchFamily="34" charset="-122"/>
+            </a:endParaRPr>
+          </a:p>
+        </p:txBody>
+      </p:sp>
+      <p:sp>
+        <p:nvSpPr>
+          <p:cNvPr id="13" name="TextBox 21">
+            <a:extLst>
+              <a:ext uri="{FF2B5EF4-FFF2-40B4-BE49-F238E27FC236}">
+                <a16:creationId xmlns:a16="http://schemas.microsoft.com/office/drawing/2014/main" id="{F7978122-4319-40C3-9A88-190EF2B49829}"/>
+              </a:ext>
+            </a:extLst>
+          </p:cNvPr>
+          <p:cNvSpPr txBox="1"/>
+          <p:nvPr/>
+        </p:nvSpPr>
+        <p:spPr>
+          <a:xfrm>
+            <a:off x="753505" y="3013951"/>
+            <a:ext cx="6749838" cy="377411"/>
+          </a:xfrm>
+          <a:prstGeom prst="rect">
+            <a:avLst/>
+          </a:prstGeom>
+          <a:noFill/>
+        </p:spPr>
+        <p:txBody>
+          <a:bodyPr wrap="square" rtlCol="0">
+            <a:spAutoFit/>
+          </a:bodyPr>
+          <a:lstStyle/>
+          <a:p>
+            <a:pPr>
+              <a:lnSpc>
+                <a:spcPct val="150000"/>
+              </a:lnSpc>
+            </a:pPr>
+            <a:r>
+              <a:rPr lang="en-US" altLang="zh-CN" sz="1400" dirty="0">
+                <a:ln w="6350">
+                  <a:noFill/>
+                </a:ln>
+                <a:solidFill>
+                  <a:schemeClr val="bg1">
+                    <a:lumMod val="50000"/>
+                  </a:schemeClr>
+                </a:solidFill>
+                <a:latin typeface="微软雅黑" pitchFamily="34" charset="-122"/>
+                <a:ea typeface="微软雅黑" pitchFamily="34" charset="-122"/>
+              </a:rPr>
+              <a:t>equals</a:t>
+            </a:r>
+            <a:r>
+              <a:rPr lang="zh-CN" altLang="en-US" sz="1400" dirty="0">
+                <a:ln w="6350">
+                  <a:noFill/>
+                </a:ln>
+                <a:solidFill>
+                  <a:schemeClr val="bg1">
+                    <a:lumMod val="50000"/>
+                  </a:schemeClr>
+                </a:solidFill>
+                <a:latin typeface="微软雅黑" pitchFamily="34" charset="-122"/>
+                <a:ea typeface="微软雅黑" pitchFamily="34" charset="-122"/>
+              </a:rPr>
+              <a:t>的默认实现就是</a:t>
+            </a:r>
+            <a:r>
+              <a:rPr lang="en-US" altLang="zh-CN" sz="1400" dirty="0">
+                <a:ln w="6350">
+                  <a:noFill/>
+                </a:ln>
+                <a:solidFill>
+                  <a:schemeClr val="bg1">
+                    <a:lumMod val="50000"/>
+                  </a:schemeClr>
+                </a:solidFill>
+                <a:latin typeface="微软雅黑" pitchFamily="34" charset="-122"/>
+                <a:ea typeface="微软雅黑" pitchFamily="34" charset="-122"/>
+              </a:rPr>
+              <a:t>==</a:t>
+            </a:r>
+            <a:r>
+              <a:rPr lang="zh-CN" altLang="en-US" sz="1400" dirty="0">
+                <a:ln w="6350">
+                  <a:noFill/>
+                </a:ln>
+                <a:solidFill>
+                  <a:schemeClr val="bg1">
+                    <a:lumMod val="50000"/>
+                  </a:schemeClr>
+                </a:solidFill>
+                <a:latin typeface="微软雅黑" pitchFamily="34" charset="-122"/>
+                <a:ea typeface="微软雅黑" pitchFamily="34" charset="-122"/>
+              </a:rPr>
+              <a:t>运算符</a:t>
             </a:r>
             <a:endParaRPr lang="en-US" altLang="zh-CN" sz="1400" dirty="0">
               <a:ln w="6350">
@@ -5866,6 +9822,3624 @@
     <p:extLst>
       <p:ext uri="{BB962C8B-B14F-4D97-AF65-F5344CB8AC3E}">
         <p14:creationId xmlns:p14="http://schemas.microsoft.com/office/powerpoint/2010/main" val="2920980689"/>
+      </p:ext>
+    </p:extLst>
+  </p:cSld>
+  <p:clrMapOvr>
+    <a:masterClrMapping/>
+  </p:clrMapOvr>
+</p:sld>
+</file>
+
+<file path=ppt/slides/slide6.xml><?xml version="1.0" encoding="utf-8"?>
+<p:sld xmlns:a="http://schemas.openxmlformats.org/drawingml/2006/main" xmlns:r="http://schemas.openxmlformats.org/officeDocument/2006/relationships" xmlns:p="http://schemas.openxmlformats.org/presentationml/2006/main">
+  <p:cSld>
+    <p:spTree>
+      <p:nvGrpSpPr>
+        <p:cNvPr id="1" name=""/>
+        <p:cNvGrpSpPr/>
+        <p:nvPr/>
+      </p:nvGrpSpPr>
+      <p:grpSpPr>
+        <a:xfrm>
+          <a:off x="0" y="0"/>
+          <a:ext cx="0" cy="0"/>
+          <a:chOff x="0" y="0"/>
+          <a:chExt cx="0" cy="0"/>
+        </a:xfrm>
+      </p:grpSpPr>
+      <p:sp>
+        <p:nvSpPr>
+          <p:cNvPr id="47" name="Rectangle 39"/>
+          <p:cNvSpPr>
+            <a:spLocks noChangeArrowheads="1"/>
+          </p:cNvSpPr>
+          <p:nvPr/>
+        </p:nvSpPr>
+        <p:spPr bwMode="auto">
+          <a:xfrm>
+            <a:off x="416159" y="278281"/>
+            <a:ext cx="2778059" cy="307872"/>
+          </a:xfrm>
+          <a:prstGeom prst="rect">
+            <a:avLst/>
+          </a:prstGeom>
+          <a:noFill/>
+          <a:ln>
+            <a:noFill/>
+          </a:ln>
+          <a:extLst>
+            <a:ext uri="{909E8E84-426E-40DD-AFC4-6F175D3DCCD1}">
+              <a14:hiddenFill xmlns:a14="http://schemas.microsoft.com/office/drawing/2010/main">
+                <a:solidFill>
+                  <a:srgbClr val="FFFFFF"/>
+                </a:solidFill>
+              </a14:hiddenFill>
+            </a:ext>
+            <a:ext uri="{91240B29-F687-4F45-9708-019B960494DF}">
+              <a14:hiddenLine xmlns:a14="http://schemas.microsoft.com/office/drawing/2010/main" w="9525">
+                <a:solidFill>
+                  <a:srgbClr val="000000"/>
+                </a:solidFill>
+                <a:miter lim="800000"/>
+                <a:headEnd/>
+                <a:tailEnd/>
+              </a14:hiddenLine>
+            </a:ext>
+          </a:extLst>
+        </p:spPr>
+        <p:txBody>
+          <a:bodyPr wrap="square" lIns="0" tIns="0" rIns="0" bIns="0">
+            <a:spAutoFit/>
+          </a:bodyPr>
+          <a:lstStyle/>
+          <a:p>
+            <a:pPr>
+              <a:buFont typeface="Arial" pitchFamily="34" charset="0"/>
+              <a:buNone/>
+            </a:pPr>
+            <a:r>
+              <a:rPr lang="en-US" altLang="zh-CN" sz="2000" dirty="0" err="1">
+                <a:solidFill>
+                  <a:schemeClr val="accent1"/>
+                </a:solidFill>
+                <a:latin typeface="微软雅黑" pitchFamily="34" charset="-122"/>
+                <a:ea typeface="微软雅黑" pitchFamily="34" charset="-122"/>
+              </a:rPr>
+              <a:t>hashCode</a:t>
+            </a:r>
+            <a:r>
+              <a:rPr lang="en-US" altLang="zh-CN" sz="2000" dirty="0">
+                <a:solidFill>
+                  <a:schemeClr val="accent1"/>
+                </a:solidFill>
+                <a:latin typeface="微软雅黑" pitchFamily="34" charset="-122"/>
+                <a:ea typeface="微软雅黑" pitchFamily="34" charset="-122"/>
+              </a:rPr>
+              <a:t>, equals</a:t>
+            </a:r>
+          </a:p>
+        </p:txBody>
+      </p:sp>
+      <p:grpSp>
+        <p:nvGrpSpPr>
+          <p:cNvPr id="48" name="组合 47"/>
+          <p:cNvGrpSpPr/>
+          <p:nvPr/>
+        </p:nvGrpSpPr>
+        <p:grpSpPr>
+          <a:xfrm>
+            <a:off x="416158" y="699542"/>
+            <a:ext cx="899592" cy="56017"/>
+            <a:chOff x="0" y="2842590"/>
+            <a:chExt cx="7054752" cy="89199"/>
+          </a:xfrm>
+        </p:grpSpPr>
+        <p:sp>
+          <p:nvSpPr>
+            <p:cNvPr id="49" name="矩形 48"/>
+            <p:cNvSpPr/>
+            <p:nvPr/>
+          </p:nvSpPr>
+          <p:spPr>
+            <a:xfrm>
+              <a:off x="0" y="2842590"/>
+              <a:ext cx="1763688" cy="89199"/>
+            </a:xfrm>
+            <a:prstGeom prst="rect">
+              <a:avLst/>
+            </a:prstGeom>
+            <a:solidFill>
+              <a:schemeClr val="accent1"/>
+            </a:solidFill>
+            <a:ln>
+              <a:noFill/>
+            </a:ln>
+          </p:spPr>
+          <p:style>
+            <a:lnRef idx="2">
+              <a:schemeClr val="accent1">
+                <a:shade val="50000"/>
+              </a:schemeClr>
+            </a:lnRef>
+            <a:fillRef idx="1">
+              <a:schemeClr val="accent1"/>
+            </a:fillRef>
+            <a:effectRef idx="0">
+              <a:schemeClr val="accent1"/>
+            </a:effectRef>
+            <a:fontRef idx="minor">
+              <a:schemeClr val="lt1"/>
+            </a:fontRef>
+          </p:style>
+          <p:txBody>
+            <a:bodyPr rtlCol="0" anchor="ctr"/>
+            <a:lstStyle/>
+            <a:p>
+              <a:pPr algn="ctr"/>
+              <a:endParaRPr lang="zh-CN" altLang="en-US"/>
+            </a:p>
+          </p:txBody>
+        </p:sp>
+        <p:sp>
+          <p:nvSpPr>
+            <p:cNvPr id="50" name="矩形 49"/>
+            <p:cNvSpPr/>
+            <p:nvPr/>
+          </p:nvSpPr>
+          <p:spPr>
+            <a:xfrm>
+              <a:off x="1763688" y="2842590"/>
+              <a:ext cx="1763688" cy="89199"/>
+            </a:xfrm>
+            <a:prstGeom prst="rect">
+              <a:avLst/>
+            </a:prstGeom>
+            <a:solidFill>
+              <a:schemeClr val="accent2"/>
+            </a:solidFill>
+            <a:ln>
+              <a:noFill/>
+            </a:ln>
+          </p:spPr>
+          <p:style>
+            <a:lnRef idx="2">
+              <a:schemeClr val="accent1">
+                <a:shade val="50000"/>
+              </a:schemeClr>
+            </a:lnRef>
+            <a:fillRef idx="1">
+              <a:schemeClr val="accent1"/>
+            </a:fillRef>
+            <a:effectRef idx="0">
+              <a:schemeClr val="accent1"/>
+            </a:effectRef>
+            <a:fontRef idx="minor">
+              <a:schemeClr val="lt1"/>
+            </a:fontRef>
+          </p:style>
+          <p:txBody>
+            <a:bodyPr rtlCol="0" anchor="ctr"/>
+            <a:lstStyle/>
+            <a:p>
+              <a:pPr algn="ctr"/>
+              <a:endParaRPr lang="zh-CN" altLang="en-US"/>
+            </a:p>
+          </p:txBody>
+        </p:sp>
+        <p:sp>
+          <p:nvSpPr>
+            <p:cNvPr id="51" name="矩形 50"/>
+            <p:cNvSpPr/>
+            <p:nvPr/>
+          </p:nvSpPr>
+          <p:spPr>
+            <a:xfrm>
+              <a:off x="3527376" y="2842590"/>
+              <a:ext cx="1763688" cy="89199"/>
+            </a:xfrm>
+            <a:prstGeom prst="rect">
+              <a:avLst/>
+            </a:prstGeom>
+            <a:solidFill>
+              <a:schemeClr val="accent3"/>
+            </a:solidFill>
+            <a:ln>
+              <a:noFill/>
+            </a:ln>
+          </p:spPr>
+          <p:style>
+            <a:lnRef idx="2">
+              <a:schemeClr val="accent1">
+                <a:shade val="50000"/>
+              </a:schemeClr>
+            </a:lnRef>
+            <a:fillRef idx="1">
+              <a:schemeClr val="accent1"/>
+            </a:fillRef>
+            <a:effectRef idx="0">
+              <a:schemeClr val="accent1"/>
+            </a:effectRef>
+            <a:fontRef idx="minor">
+              <a:schemeClr val="lt1"/>
+            </a:fontRef>
+          </p:style>
+          <p:txBody>
+            <a:bodyPr rtlCol="0" anchor="ctr"/>
+            <a:lstStyle/>
+            <a:p>
+              <a:pPr algn="ctr"/>
+              <a:endParaRPr lang="zh-CN" altLang="en-US"/>
+            </a:p>
+          </p:txBody>
+        </p:sp>
+        <p:sp>
+          <p:nvSpPr>
+            <p:cNvPr id="52" name="矩形 51"/>
+            <p:cNvSpPr/>
+            <p:nvPr/>
+          </p:nvSpPr>
+          <p:spPr>
+            <a:xfrm>
+              <a:off x="5291064" y="2842590"/>
+              <a:ext cx="1763688" cy="89199"/>
+            </a:xfrm>
+            <a:prstGeom prst="rect">
+              <a:avLst/>
+            </a:prstGeom>
+            <a:solidFill>
+              <a:schemeClr val="accent4"/>
+            </a:solidFill>
+            <a:ln>
+              <a:noFill/>
+            </a:ln>
+          </p:spPr>
+          <p:style>
+            <a:lnRef idx="2">
+              <a:schemeClr val="accent1">
+                <a:shade val="50000"/>
+              </a:schemeClr>
+            </a:lnRef>
+            <a:fillRef idx="1">
+              <a:schemeClr val="accent1"/>
+            </a:fillRef>
+            <a:effectRef idx="0">
+              <a:schemeClr val="accent1"/>
+            </a:effectRef>
+            <a:fontRef idx="minor">
+              <a:schemeClr val="lt1"/>
+            </a:fontRef>
+          </p:style>
+          <p:txBody>
+            <a:bodyPr rtlCol="0" anchor="ctr"/>
+            <a:lstStyle/>
+            <a:p>
+              <a:pPr algn="ctr"/>
+              <a:endParaRPr lang="zh-CN" altLang="en-US"/>
+            </a:p>
+          </p:txBody>
+        </p:sp>
+      </p:grpSp>
+      <p:sp>
+        <p:nvSpPr>
+          <p:cNvPr id="12" name="TextBox 21">
+            <a:extLst>
+              <a:ext uri="{FF2B5EF4-FFF2-40B4-BE49-F238E27FC236}">
+                <a16:creationId xmlns:a16="http://schemas.microsoft.com/office/drawing/2014/main" id="{D6D22D3F-1205-4D56-A915-C8A5B1E6E945}"/>
+              </a:ext>
+            </a:extLst>
+          </p:cNvPr>
+          <p:cNvSpPr txBox="1"/>
+          <p:nvPr/>
+        </p:nvSpPr>
+        <p:spPr>
+          <a:xfrm>
+            <a:off x="753505" y="843558"/>
+            <a:ext cx="3781331" cy="377411"/>
+          </a:xfrm>
+          <a:prstGeom prst="rect">
+            <a:avLst/>
+          </a:prstGeom>
+          <a:noFill/>
+        </p:spPr>
+        <p:txBody>
+          <a:bodyPr wrap="square" rtlCol="0">
+            <a:spAutoFit/>
+          </a:bodyPr>
+          <a:lstStyle/>
+          <a:p>
+            <a:pPr>
+              <a:lnSpc>
+                <a:spcPct val="150000"/>
+              </a:lnSpc>
+            </a:pPr>
+            <a:r>
+              <a:rPr lang="en-US" altLang="zh-CN" sz="1400" dirty="0">
+                <a:ln w="6350">
+                  <a:noFill/>
+                </a:ln>
+                <a:solidFill>
+                  <a:schemeClr val="bg1">
+                    <a:lumMod val="50000"/>
+                  </a:schemeClr>
+                </a:solidFill>
+                <a:latin typeface="微软雅黑" pitchFamily="34" charset="-122"/>
+                <a:ea typeface="微软雅黑" pitchFamily="34" charset="-122"/>
+              </a:rPr>
+              <a:t>【</a:t>
+            </a:r>
+            <a:r>
+              <a:rPr lang="zh-CN" altLang="en-US" sz="1400" dirty="0">
+                <a:ln w="6350">
+                  <a:noFill/>
+                </a:ln>
+                <a:solidFill>
+                  <a:schemeClr val="bg1">
+                    <a:lumMod val="50000"/>
+                  </a:schemeClr>
+                </a:solidFill>
+                <a:latin typeface="微软雅黑" pitchFamily="34" charset="-122"/>
+                <a:ea typeface="微软雅黑" pitchFamily="34" charset="-122"/>
+              </a:rPr>
+              <a:t>拓展问题</a:t>
+            </a:r>
+            <a:r>
+              <a:rPr lang="en-US" altLang="zh-CN" sz="1400" dirty="0">
+                <a:ln w="6350">
+                  <a:noFill/>
+                </a:ln>
+                <a:solidFill>
+                  <a:schemeClr val="bg1">
+                    <a:lumMod val="50000"/>
+                  </a:schemeClr>
+                </a:solidFill>
+                <a:latin typeface="微软雅黑" pitchFamily="34" charset="-122"/>
+                <a:ea typeface="微软雅黑" pitchFamily="34" charset="-122"/>
+              </a:rPr>
+              <a:t>】==</a:t>
+            </a:r>
+            <a:r>
+              <a:rPr lang="zh-CN" altLang="en-US" sz="1400" dirty="0">
+                <a:ln w="6350">
+                  <a:noFill/>
+                </a:ln>
+                <a:solidFill>
+                  <a:schemeClr val="bg1">
+                    <a:lumMod val="50000"/>
+                  </a:schemeClr>
+                </a:solidFill>
+                <a:latin typeface="微软雅黑" pitchFamily="34" charset="-122"/>
+                <a:ea typeface="微软雅黑" pitchFamily="34" charset="-122"/>
+              </a:rPr>
+              <a:t>和</a:t>
+            </a:r>
+            <a:r>
+              <a:rPr lang="en-US" altLang="zh-CN" sz="1400" dirty="0">
+                <a:ln w="6350">
+                  <a:noFill/>
+                </a:ln>
+                <a:solidFill>
+                  <a:schemeClr val="bg1">
+                    <a:lumMod val="50000"/>
+                  </a:schemeClr>
+                </a:solidFill>
+                <a:latin typeface="微软雅黑" pitchFamily="34" charset="-122"/>
+                <a:ea typeface="微软雅黑" pitchFamily="34" charset="-122"/>
+              </a:rPr>
+              <a:t>equals</a:t>
+            </a:r>
+            <a:r>
+              <a:rPr lang="zh-CN" altLang="en-US" sz="1400" dirty="0">
+                <a:ln w="6350">
+                  <a:noFill/>
+                </a:ln>
+                <a:solidFill>
+                  <a:schemeClr val="bg1">
+                    <a:lumMod val="50000"/>
+                  </a:schemeClr>
+                </a:solidFill>
+                <a:latin typeface="微软雅黑" pitchFamily="34" charset="-122"/>
+                <a:ea typeface="微软雅黑" pitchFamily="34" charset="-122"/>
+              </a:rPr>
+              <a:t>的区别？</a:t>
+            </a:r>
+            <a:endParaRPr lang="en-US" altLang="zh-CN" sz="1400" dirty="0">
+              <a:ln w="6350">
+                <a:noFill/>
+              </a:ln>
+              <a:solidFill>
+                <a:schemeClr val="bg1">
+                  <a:lumMod val="50000"/>
+                </a:schemeClr>
+              </a:solidFill>
+              <a:latin typeface="微软雅黑" pitchFamily="34" charset="-122"/>
+              <a:ea typeface="微软雅黑" pitchFamily="34" charset="-122"/>
+            </a:endParaRPr>
+          </a:p>
+        </p:txBody>
+      </p:sp>
+      <p:sp>
+        <p:nvSpPr>
+          <p:cNvPr id="9" name="TextBox 21">
+            <a:extLst>
+              <a:ext uri="{FF2B5EF4-FFF2-40B4-BE49-F238E27FC236}">
+                <a16:creationId xmlns:a16="http://schemas.microsoft.com/office/drawing/2014/main" id="{27576124-F7CA-485A-8470-33DB6FE77B70}"/>
+              </a:ext>
+            </a:extLst>
+          </p:cNvPr>
+          <p:cNvSpPr txBox="1"/>
+          <p:nvPr/>
+        </p:nvSpPr>
+        <p:spPr>
+          <a:xfrm>
+            <a:off x="753505" y="1374728"/>
+            <a:ext cx="6749838" cy="377411"/>
+          </a:xfrm>
+          <a:prstGeom prst="rect">
+            <a:avLst/>
+          </a:prstGeom>
+          <a:noFill/>
+        </p:spPr>
+        <p:txBody>
+          <a:bodyPr wrap="square" rtlCol="0">
+            <a:spAutoFit/>
+          </a:bodyPr>
+          <a:lstStyle/>
+          <a:p>
+            <a:pPr>
+              <a:lnSpc>
+                <a:spcPct val="150000"/>
+              </a:lnSpc>
+            </a:pPr>
+            <a:r>
+              <a:rPr lang="en-US" altLang="zh-CN" sz="1400" dirty="0">
+                <a:ln w="6350">
+                  <a:noFill/>
+                </a:ln>
+                <a:solidFill>
+                  <a:schemeClr val="bg1">
+                    <a:lumMod val="50000"/>
+                  </a:schemeClr>
+                </a:solidFill>
+                <a:latin typeface="微软雅黑" pitchFamily="34" charset="-122"/>
+                <a:ea typeface="微软雅黑" pitchFamily="34" charset="-122"/>
+              </a:rPr>
+              <a:t>equals</a:t>
+            </a:r>
+            <a:r>
+              <a:rPr lang="zh-CN" altLang="en-US" sz="1400" dirty="0">
+                <a:ln w="6350">
+                  <a:noFill/>
+                </a:ln>
+                <a:solidFill>
+                  <a:schemeClr val="bg1">
+                    <a:lumMod val="50000"/>
+                  </a:schemeClr>
+                </a:solidFill>
+                <a:latin typeface="微软雅黑" pitchFamily="34" charset="-122"/>
+                <a:ea typeface="微软雅黑" pitchFamily="34" charset="-122"/>
+              </a:rPr>
+              <a:t>是逻辑上相等，也就是只要返回</a:t>
+            </a:r>
+            <a:r>
+              <a:rPr lang="en-US" altLang="zh-CN" sz="1400" dirty="0">
+                <a:ln w="6350">
+                  <a:noFill/>
+                </a:ln>
+                <a:solidFill>
+                  <a:schemeClr val="bg1">
+                    <a:lumMod val="50000"/>
+                  </a:schemeClr>
+                </a:solidFill>
+                <a:latin typeface="微软雅黑" pitchFamily="34" charset="-122"/>
+                <a:ea typeface="微软雅黑" pitchFamily="34" charset="-122"/>
+              </a:rPr>
+              <a:t>true</a:t>
+            </a:r>
+            <a:r>
+              <a:rPr lang="zh-CN" altLang="en-US" sz="1400" dirty="0">
+                <a:ln w="6350">
+                  <a:noFill/>
+                </a:ln>
+                <a:solidFill>
+                  <a:schemeClr val="bg1">
+                    <a:lumMod val="50000"/>
+                  </a:schemeClr>
+                </a:solidFill>
+                <a:latin typeface="微软雅黑" pitchFamily="34" charset="-122"/>
+                <a:ea typeface="微软雅黑" pitchFamily="34" charset="-122"/>
+              </a:rPr>
+              <a:t>，我们就认为这两个对象是同一个对象。</a:t>
+            </a:r>
+            <a:endParaRPr lang="en-US" altLang="zh-CN" sz="1400" dirty="0">
+              <a:ln w="6350">
+                <a:noFill/>
+              </a:ln>
+              <a:solidFill>
+                <a:schemeClr val="bg1">
+                  <a:lumMod val="50000"/>
+                </a:schemeClr>
+              </a:solidFill>
+              <a:latin typeface="微软雅黑" pitchFamily="34" charset="-122"/>
+              <a:ea typeface="微软雅黑" pitchFamily="34" charset="-122"/>
+            </a:endParaRPr>
+          </a:p>
+        </p:txBody>
+      </p:sp>
+      <p:sp>
+        <p:nvSpPr>
+          <p:cNvPr id="11" name="TextBox 21">
+            <a:extLst>
+              <a:ext uri="{FF2B5EF4-FFF2-40B4-BE49-F238E27FC236}">
+                <a16:creationId xmlns:a16="http://schemas.microsoft.com/office/drawing/2014/main" id="{F474ED1A-88DC-4709-9C45-2271D57A2713}"/>
+              </a:ext>
+            </a:extLst>
+          </p:cNvPr>
+          <p:cNvSpPr txBox="1"/>
+          <p:nvPr/>
+        </p:nvSpPr>
+        <p:spPr>
+          <a:xfrm>
+            <a:off x="753505" y="1872843"/>
+            <a:ext cx="7862495" cy="700576"/>
+          </a:xfrm>
+          <a:prstGeom prst="rect">
+            <a:avLst/>
+          </a:prstGeom>
+          <a:noFill/>
+        </p:spPr>
+        <p:txBody>
+          <a:bodyPr wrap="square" rtlCol="0">
+            <a:spAutoFit/>
+          </a:bodyPr>
+          <a:lstStyle/>
+          <a:p>
+            <a:pPr>
+              <a:lnSpc>
+                <a:spcPct val="150000"/>
+              </a:lnSpc>
+            </a:pPr>
+            <a:r>
+              <a:rPr lang="en-US" altLang="zh-CN" sz="1400" dirty="0">
+                <a:ln w="6350">
+                  <a:noFill/>
+                </a:ln>
+                <a:solidFill>
+                  <a:schemeClr val="bg1">
+                    <a:lumMod val="50000"/>
+                  </a:schemeClr>
+                </a:solidFill>
+                <a:latin typeface="微软雅黑" pitchFamily="34" charset="-122"/>
+                <a:ea typeface="微软雅黑" pitchFamily="34" charset="-122"/>
+              </a:rPr>
+              <a:t>==</a:t>
+            </a:r>
+            <a:r>
+              <a:rPr lang="zh-CN" altLang="en-US" sz="1400" dirty="0">
+                <a:ln w="6350">
+                  <a:noFill/>
+                </a:ln>
+                <a:solidFill>
+                  <a:schemeClr val="bg1">
+                    <a:lumMod val="50000"/>
+                  </a:schemeClr>
+                </a:solidFill>
+                <a:latin typeface="微软雅黑" pitchFamily="34" charset="-122"/>
+                <a:ea typeface="微软雅黑" pitchFamily="34" charset="-122"/>
+              </a:rPr>
+              <a:t>是物理上相等，比较两个对象的内存地址，如果返回</a:t>
+            </a:r>
+            <a:r>
+              <a:rPr lang="en-US" altLang="zh-CN" sz="1400" dirty="0">
+                <a:ln w="6350">
+                  <a:noFill/>
+                </a:ln>
+                <a:solidFill>
+                  <a:schemeClr val="bg1">
+                    <a:lumMod val="50000"/>
+                  </a:schemeClr>
+                </a:solidFill>
+                <a:latin typeface="微软雅黑" pitchFamily="34" charset="-122"/>
+                <a:ea typeface="微软雅黑" pitchFamily="34" charset="-122"/>
+              </a:rPr>
+              <a:t>true</a:t>
+            </a:r>
+            <a:r>
+              <a:rPr lang="zh-CN" altLang="en-US" sz="1400" dirty="0">
+                <a:ln w="6350">
+                  <a:noFill/>
+                </a:ln>
+                <a:solidFill>
+                  <a:schemeClr val="bg1">
+                    <a:lumMod val="50000"/>
+                  </a:schemeClr>
+                </a:solidFill>
+                <a:latin typeface="微软雅黑" pitchFamily="34" charset="-122"/>
+                <a:ea typeface="微软雅黑" pitchFamily="34" charset="-122"/>
+              </a:rPr>
+              <a:t>，代表这两个对象是在同一块内存地址，当然就是同一个对象。</a:t>
+            </a:r>
+            <a:endParaRPr lang="en-US" altLang="zh-CN" sz="1400" dirty="0">
+              <a:ln w="6350">
+                <a:noFill/>
+              </a:ln>
+              <a:solidFill>
+                <a:schemeClr val="bg1">
+                  <a:lumMod val="50000"/>
+                </a:schemeClr>
+              </a:solidFill>
+              <a:latin typeface="微软雅黑" pitchFamily="34" charset="-122"/>
+              <a:ea typeface="微软雅黑" pitchFamily="34" charset="-122"/>
+            </a:endParaRPr>
+          </a:p>
+        </p:txBody>
+      </p:sp>
+      <p:sp>
+        <p:nvSpPr>
+          <p:cNvPr id="13" name="TextBox 21">
+            <a:extLst>
+              <a:ext uri="{FF2B5EF4-FFF2-40B4-BE49-F238E27FC236}">
+                <a16:creationId xmlns:a16="http://schemas.microsoft.com/office/drawing/2014/main" id="{F7978122-4319-40C3-9A88-190EF2B49829}"/>
+              </a:ext>
+            </a:extLst>
+          </p:cNvPr>
+          <p:cNvSpPr txBox="1"/>
+          <p:nvPr/>
+        </p:nvSpPr>
+        <p:spPr>
+          <a:xfrm>
+            <a:off x="753505" y="3013951"/>
+            <a:ext cx="6749838" cy="377411"/>
+          </a:xfrm>
+          <a:prstGeom prst="rect">
+            <a:avLst/>
+          </a:prstGeom>
+          <a:noFill/>
+        </p:spPr>
+        <p:txBody>
+          <a:bodyPr wrap="square" rtlCol="0">
+            <a:spAutoFit/>
+          </a:bodyPr>
+          <a:lstStyle/>
+          <a:p>
+            <a:pPr>
+              <a:lnSpc>
+                <a:spcPct val="150000"/>
+              </a:lnSpc>
+            </a:pPr>
+            <a:r>
+              <a:rPr lang="en-US" altLang="zh-CN" sz="1400" dirty="0">
+                <a:ln w="6350">
+                  <a:noFill/>
+                </a:ln>
+                <a:solidFill>
+                  <a:schemeClr val="bg1">
+                    <a:lumMod val="50000"/>
+                  </a:schemeClr>
+                </a:solidFill>
+                <a:latin typeface="微软雅黑" pitchFamily="34" charset="-122"/>
+                <a:ea typeface="微软雅黑" pitchFamily="34" charset="-122"/>
+              </a:rPr>
+              <a:t>equals</a:t>
+            </a:r>
+            <a:r>
+              <a:rPr lang="zh-CN" altLang="en-US" sz="1400" dirty="0">
+                <a:ln w="6350">
+                  <a:noFill/>
+                </a:ln>
+                <a:solidFill>
+                  <a:schemeClr val="bg1">
+                    <a:lumMod val="50000"/>
+                  </a:schemeClr>
+                </a:solidFill>
+                <a:latin typeface="微软雅黑" pitchFamily="34" charset="-122"/>
+                <a:ea typeface="微软雅黑" pitchFamily="34" charset="-122"/>
+              </a:rPr>
+              <a:t>的默认实现就是</a:t>
+            </a:r>
+            <a:r>
+              <a:rPr lang="en-US" altLang="zh-CN" sz="1400" dirty="0">
+                <a:ln w="6350">
+                  <a:noFill/>
+                </a:ln>
+                <a:solidFill>
+                  <a:schemeClr val="bg1">
+                    <a:lumMod val="50000"/>
+                  </a:schemeClr>
+                </a:solidFill>
+                <a:latin typeface="微软雅黑" pitchFamily="34" charset="-122"/>
+                <a:ea typeface="微软雅黑" pitchFamily="34" charset="-122"/>
+              </a:rPr>
+              <a:t>==</a:t>
+            </a:r>
+            <a:r>
+              <a:rPr lang="zh-CN" altLang="en-US" sz="1400" dirty="0">
+                <a:ln w="6350">
+                  <a:noFill/>
+                </a:ln>
+                <a:solidFill>
+                  <a:schemeClr val="bg1">
+                    <a:lumMod val="50000"/>
+                  </a:schemeClr>
+                </a:solidFill>
+                <a:latin typeface="微软雅黑" pitchFamily="34" charset="-122"/>
+                <a:ea typeface="微软雅黑" pitchFamily="34" charset="-122"/>
+              </a:rPr>
+              <a:t>运算符</a:t>
+            </a:r>
+            <a:endParaRPr lang="en-US" altLang="zh-CN" sz="1400" dirty="0">
+              <a:ln w="6350">
+                <a:noFill/>
+              </a:ln>
+              <a:solidFill>
+                <a:schemeClr val="bg1">
+                  <a:lumMod val="50000"/>
+                </a:schemeClr>
+              </a:solidFill>
+              <a:latin typeface="微软雅黑" pitchFamily="34" charset="-122"/>
+              <a:ea typeface="微软雅黑" pitchFamily="34" charset="-122"/>
+            </a:endParaRPr>
+          </a:p>
+        </p:txBody>
+      </p:sp>
+    </p:spTree>
+    <p:extLst>
+      <p:ext uri="{BB962C8B-B14F-4D97-AF65-F5344CB8AC3E}">
+        <p14:creationId xmlns:p14="http://schemas.microsoft.com/office/powerpoint/2010/main" val="1102262627"/>
+      </p:ext>
+    </p:extLst>
+  </p:cSld>
+  <p:clrMapOvr>
+    <a:masterClrMapping/>
+  </p:clrMapOvr>
+</p:sld>
+</file>
+
+<file path=ppt/slides/slide7.xml><?xml version="1.0" encoding="utf-8"?>
+<p:sld xmlns:a="http://schemas.openxmlformats.org/drawingml/2006/main" xmlns:r="http://schemas.openxmlformats.org/officeDocument/2006/relationships" xmlns:p="http://schemas.openxmlformats.org/presentationml/2006/main">
+  <p:cSld>
+    <p:spTree>
+      <p:nvGrpSpPr>
+        <p:cNvPr id="1" name=""/>
+        <p:cNvGrpSpPr/>
+        <p:nvPr/>
+      </p:nvGrpSpPr>
+      <p:grpSpPr>
+        <a:xfrm>
+          <a:off x="0" y="0"/>
+          <a:ext cx="0" cy="0"/>
+          <a:chOff x="0" y="0"/>
+          <a:chExt cx="0" cy="0"/>
+        </a:xfrm>
+      </p:grpSpPr>
+      <p:sp>
+        <p:nvSpPr>
+          <p:cNvPr id="47" name="Rectangle 39"/>
+          <p:cNvSpPr>
+            <a:spLocks noChangeArrowheads="1"/>
+          </p:cNvSpPr>
+          <p:nvPr/>
+        </p:nvSpPr>
+        <p:spPr bwMode="auto">
+          <a:xfrm>
+            <a:off x="416159" y="278281"/>
+            <a:ext cx="2778059" cy="307872"/>
+          </a:xfrm>
+          <a:prstGeom prst="rect">
+            <a:avLst/>
+          </a:prstGeom>
+          <a:noFill/>
+          <a:ln>
+            <a:noFill/>
+          </a:ln>
+          <a:extLst>
+            <a:ext uri="{909E8E84-426E-40DD-AFC4-6F175D3DCCD1}">
+              <a14:hiddenFill xmlns:a14="http://schemas.microsoft.com/office/drawing/2010/main">
+                <a:solidFill>
+                  <a:srgbClr val="FFFFFF"/>
+                </a:solidFill>
+              </a14:hiddenFill>
+            </a:ext>
+            <a:ext uri="{91240B29-F687-4F45-9708-019B960494DF}">
+              <a14:hiddenLine xmlns:a14="http://schemas.microsoft.com/office/drawing/2010/main" w="9525">
+                <a:solidFill>
+                  <a:srgbClr val="000000"/>
+                </a:solidFill>
+                <a:miter lim="800000"/>
+                <a:headEnd/>
+                <a:tailEnd/>
+              </a14:hiddenLine>
+            </a:ext>
+          </a:extLst>
+        </p:spPr>
+        <p:txBody>
+          <a:bodyPr wrap="square" lIns="0" tIns="0" rIns="0" bIns="0">
+            <a:spAutoFit/>
+          </a:bodyPr>
+          <a:lstStyle/>
+          <a:p>
+            <a:pPr>
+              <a:buFont typeface="Arial" pitchFamily="34" charset="0"/>
+              <a:buNone/>
+            </a:pPr>
+            <a:r>
+              <a:rPr lang="en-US" altLang="zh-CN" sz="2000" dirty="0" err="1">
+                <a:solidFill>
+                  <a:schemeClr val="accent1"/>
+                </a:solidFill>
+                <a:latin typeface="微软雅黑" pitchFamily="34" charset="-122"/>
+                <a:ea typeface="微软雅黑" pitchFamily="34" charset="-122"/>
+              </a:rPr>
+              <a:t>hashCode</a:t>
+            </a:r>
+            <a:r>
+              <a:rPr lang="en-US" altLang="zh-CN" sz="2000" dirty="0">
+                <a:solidFill>
+                  <a:schemeClr val="accent1"/>
+                </a:solidFill>
+                <a:latin typeface="微软雅黑" pitchFamily="34" charset="-122"/>
+                <a:ea typeface="微软雅黑" pitchFamily="34" charset="-122"/>
+              </a:rPr>
+              <a:t>, equals</a:t>
+            </a:r>
+          </a:p>
+        </p:txBody>
+      </p:sp>
+      <p:grpSp>
+        <p:nvGrpSpPr>
+          <p:cNvPr id="48" name="组合 47"/>
+          <p:cNvGrpSpPr/>
+          <p:nvPr/>
+        </p:nvGrpSpPr>
+        <p:grpSpPr>
+          <a:xfrm>
+            <a:off x="416158" y="699542"/>
+            <a:ext cx="899592" cy="56017"/>
+            <a:chOff x="0" y="2842590"/>
+            <a:chExt cx="7054752" cy="89199"/>
+          </a:xfrm>
+        </p:grpSpPr>
+        <p:sp>
+          <p:nvSpPr>
+            <p:cNvPr id="49" name="矩形 48"/>
+            <p:cNvSpPr/>
+            <p:nvPr/>
+          </p:nvSpPr>
+          <p:spPr>
+            <a:xfrm>
+              <a:off x="0" y="2842590"/>
+              <a:ext cx="1763688" cy="89199"/>
+            </a:xfrm>
+            <a:prstGeom prst="rect">
+              <a:avLst/>
+            </a:prstGeom>
+            <a:solidFill>
+              <a:schemeClr val="accent1"/>
+            </a:solidFill>
+            <a:ln>
+              <a:noFill/>
+            </a:ln>
+          </p:spPr>
+          <p:style>
+            <a:lnRef idx="2">
+              <a:schemeClr val="accent1">
+                <a:shade val="50000"/>
+              </a:schemeClr>
+            </a:lnRef>
+            <a:fillRef idx="1">
+              <a:schemeClr val="accent1"/>
+            </a:fillRef>
+            <a:effectRef idx="0">
+              <a:schemeClr val="accent1"/>
+            </a:effectRef>
+            <a:fontRef idx="minor">
+              <a:schemeClr val="lt1"/>
+            </a:fontRef>
+          </p:style>
+          <p:txBody>
+            <a:bodyPr rtlCol="0" anchor="ctr"/>
+            <a:lstStyle/>
+            <a:p>
+              <a:pPr algn="ctr"/>
+              <a:endParaRPr lang="zh-CN" altLang="en-US"/>
+            </a:p>
+          </p:txBody>
+        </p:sp>
+        <p:sp>
+          <p:nvSpPr>
+            <p:cNvPr id="50" name="矩形 49"/>
+            <p:cNvSpPr/>
+            <p:nvPr/>
+          </p:nvSpPr>
+          <p:spPr>
+            <a:xfrm>
+              <a:off x="1763688" y="2842590"/>
+              <a:ext cx="1763688" cy="89199"/>
+            </a:xfrm>
+            <a:prstGeom prst="rect">
+              <a:avLst/>
+            </a:prstGeom>
+            <a:solidFill>
+              <a:schemeClr val="accent2"/>
+            </a:solidFill>
+            <a:ln>
+              <a:noFill/>
+            </a:ln>
+          </p:spPr>
+          <p:style>
+            <a:lnRef idx="2">
+              <a:schemeClr val="accent1">
+                <a:shade val="50000"/>
+              </a:schemeClr>
+            </a:lnRef>
+            <a:fillRef idx="1">
+              <a:schemeClr val="accent1"/>
+            </a:fillRef>
+            <a:effectRef idx="0">
+              <a:schemeClr val="accent1"/>
+            </a:effectRef>
+            <a:fontRef idx="minor">
+              <a:schemeClr val="lt1"/>
+            </a:fontRef>
+          </p:style>
+          <p:txBody>
+            <a:bodyPr rtlCol="0" anchor="ctr"/>
+            <a:lstStyle/>
+            <a:p>
+              <a:pPr algn="ctr"/>
+              <a:endParaRPr lang="zh-CN" altLang="en-US"/>
+            </a:p>
+          </p:txBody>
+        </p:sp>
+        <p:sp>
+          <p:nvSpPr>
+            <p:cNvPr id="51" name="矩形 50"/>
+            <p:cNvSpPr/>
+            <p:nvPr/>
+          </p:nvSpPr>
+          <p:spPr>
+            <a:xfrm>
+              <a:off x="3527376" y="2842590"/>
+              <a:ext cx="1763688" cy="89199"/>
+            </a:xfrm>
+            <a:prstGeom prst="rect">
+              <a:avLst/>
+            </a:prstGeom>
+            <a:solidFill>
+              <a:schemeClr val="accent3"/>
+            </a:solidFill>
+            <a:ln>
+              <a:noFill/>
+            </a:ln>
+          </p:spPr>
+          <p:style>
+            <a:lnRef idx="2">
+              <a:schemeClr val="accent1">
+                <a:shade val="50000"/>
+              </a:schemeClr>
+            </a:lnRef>
+            <a:fillRef idx="1">
+              <a:schemeClr val="accent1"/>
+            </a:fillRef>
+            <a:effectRef idx="0">
+              <a:schemeClr val="accent1"/>
+            </a:effectRef>
+            <a:fontRef idx="minor">
+              <a:schemeClr val="lt1"/>
+            </a:fontRef>
+          </p:style>
+          <p:txBody>
+            <a:bodyPr rtlCol="0" anchor="ctr"/>
+            <a:lstStyle/>
+            <a:p>
+              <a:pPr algn="ctr"/>
+              <a:endParaRPr lang="zh-CN" altLang="en-US"/>
+            </a:p>
+          </p:txBody>
+        </p:sp>
+        <p:sp>
+          <p:nvSpPr>
+            <p:cNvPr id="52" name="矩形 51"/>
+            <p:cNvSpPr/>
+            <p:nvPr/>
+          </p:nvSpPr>
+          <p:spPr>
+            <a:xfrm>
+              <a:off x="5291064" y="2842590"/>
+              <a:ext cx="1763688" cy="89199"/>
+            </a:xfrm>
+            <a:prstGeom prst="rect">
+              <a:avLst/>
+            </a:prstGeom>
+            <a:solidFill>
+              <a:schemeClr val="accent4"/>
+            </a:solidFill>
+            <a:ln>
+              <a:noFill/>
+            </a:ln>
+          </p:spPr>
+          <p:style>
+            <a:lnRef idx="2">
+              <a:schemeClr val="accent1">
+                <a:shade val="50000"/>
+              </a:schemeClr>
+            </a:lnRef>
+            <a:fillRef idx="1">
+              <a:schemeClr val="accent1"/>
+            </a:fillRef>
+            <a:effectRef idx="0">
+              <a:schemeClr val="accent1"/>
+            </a:effectRef>
+            <a:fontRef idx="minor">
+              <a:schemeClr val="lt1"/>
+            </a:fontRef>
+          </p:style>
+          <p:txBody>
+            <a:bodyPr rtlCol="0" anchor="ctr"/>
+            <a:lstStyle/>
+            <a:p>
+              <a:pPr algn="ctr"/>
+              <a:endParaRPr lang="zh-CN" altLang="en-US"/>
+            </a:p>
+          </p:txBody>
+        </p:sp>
+      </p:grpSp>
+      <p:sp>
+        <p:nvSpPr>
+          <p:cNvPr id="12" name="TextBox 21">
+            <a:extLst>
+              <a:ext uri="{FF2B5EF4-FFF2-40B4-BE49-F238E27FC236}">
+                <a16:creationId xmlns:a16="http://schemas.microsoft.com/office/drawing/2014/main" id="{D6D22D3F-1205-4D56-A915-C8A5B1E6E945}"/>
+              </a:ext>
+            </a:extLst>
+          </p:cNvPr>
+          <p:cNvSpPr txBox="1"/>
+          <p:nvPr/>
+        </p:nvSpPr>
+        <p:spPr>
+          <a:xfrm>
+            <a:off x="753505" y="843558"/>
+            <a:ext cx="3781331" cy="377411"/>
+          </a:xfrm>
+          <a:prstGeom prst="rect">
+            <a:avLst/>
+          </a:prstGeom>
+          <a:noFill/>
+        </p:spPr>
+        <p:txBody>
+          <a:bodyPr wrap="square" rtlCol="0">
+            <a:spAutoFit/>
+          </a:bodyPr>
+          <a:lstStyle/>
+          <a:p>
+            <a:pPr>
+              <a:lnSpc>
+                <a:spcPct val="150000"/>
+              </a:lnSpc>
+            </a:pPr>
+            <a:r>
+              <a:rPr lang="en-US" altLang="zh-CN" sz="1400" dirty="0">
+                <a:ln w="6350">
+                  <a:noFill/>
+                </a:ln>
+                <a:solidFill>
+                  <a:schemeClr val="bg1">
+                    <a:lumMod val="50000"/>
+                  </a:schemeClr>
+                </a:solidFill>
+                <a:latin typeface="微软雅黑" pitchFamily="34" charset="-122"/>
+                <a:ea typeface="微软雅黑" pitchFamily="34" charset="-122"/>
+              </a:rPr>
+              <a:t>【</a:t>
+            </a:r>
+            <a:r>
+              <a:rPr lang="zh-CN" altLang="en-US" sz="1400" dirty="0">
+                <a:ln w="6350">
+                  <a:noFill/>
+                </a:ln>
+                <a:solidFill>
+                  <a:schemeClr val="bg1">
+                    <a:lumMod val="50000"/>
+                  </a:schemeClr>
+                </a:solidFill>
+                <a:latin typeface="微软雅黑" pitchFamily="34" charset="-122"/>
+                <a:ea typeface="微软雅黑" pitchFamily="34" charset="-122"/>
+              </a:rPr>
+              <a:t>拓展问题</a:t>
+            </a:r>
+            <a:r>
+              <a:rPr lang="en-US" altLang="zh-CN" sz="1400" dirty="0">
+                <a:ln w="6350">
+                  <a:noFill/>
+                </a:ln>
+                <a:solidFill>
+                  <a:schemeClr val="bg1">
+                    <a:lumMod val="50000"/>
+                  </a:schemeClr>
+                </a:solidFill>
+                <a:latin typeface="微软雅黑" pitchFamily="34" charset="-122"/>
+                <a:ea typeface="微软雅黑" pitchFamily="34" charset="-122"/>
+              </a:rPr>
+              <a:t>】</a:t>
+            </a:r>
+            <a:r>
+              <a:rPr lang="en-US" altLang="zh-CN" sz="1400" dirty="0" err="1">
+                <a:ln w="6350">
+                  <a:noFill/>
+                </a:ln>
+                <a:solidFill>
+                  <a:schemeClr val="bg1">
+                    <a:lumMod val="50000"/>
+                  </a:schemeClr>
+                </a:solidFill>
+                <a:latin typeface="微软雅黑" pitchFamily="34" charset="-122"/>
+                <a:ea typeface="微软雅黑" pitchFamily="34" charset="-122"/>
+              </a:rPr>
+              <a:t>hasCode</a:t>
+            </a:r>
+            <a:r>
+              <a:rPr lang="zh-CN" altLang="en-US" sz="1400" dirty="0">
+                <a:ln w="6350">
+                  <a:noFill/>
+                </a:ln>
+                <a:solidFill>
+                  <a:schemeClr val="bg1">
+                    <a:lumMod val="50000"/>
+                  </a:schemeClr>
+                </a:solidFill>
+                <a:latin typeface="微软雅黑" pitchFamily="34" charset="-122"/>
+                <a:ea typeface="微软雅黑" pitchFamily="34" charset="-122"/>
+              </a:rPr>
+              <a:t>和</a:t>
+            </a:r>
+            <a:r>
+              <a:rPr lang="en-US" altLang="zh-CN" sz="1400" dirty="0">
+                <a:ln w="6350">
+                  <a:noFill/>
+                </a:ln>
+                <a:solidFill>
+                  <a:schemeClr val="bg1">
+                    <a:lumMod val="50000"/>
+                  </a:schemeClr>
+                </a:solidFill>
+                <a:latin typeface="微软雅黑" pitchFamily="34" charset="-122"/>
+                <a:ea typeface="微软雅黑" pitchFamily="34" charset="-122"/>
+              </a:rPr>
+              <a:t>equals</a:t>
+            </a:r>
+            <a:r>
+              <a:rPr lang="zh-CN" altLang="en-US" sz="1400" dirty="0">
+                <a:ln w="6350">
+                  <a:noFill/>
+                </a:ln>
+                <a:solidFill>
+                  <a:schemeClr val="bg1">
+                    <a:lumMod val="50000"/>
+                  </a:schemeClr>
+                </a:solidFill>
+                <a:latin typeface="微软雅黑" pitchFamily="34" charset="-122"/>
+                <a:ea typeface="微软雅黑" pitchFamily="34" charset="-122"/>
+              </a:rPr>
+              <a:t>的区别？</a:t>
+            </a:r>
+            <a:endParaRPr lang="en-US" altLang="zh-CN" sz="1400" dirty="0">
+              <a:ln w="6350">
+                <a:noFill/>
+              </a:ln>
+              <a:solidFill>
+                <a:schemeClr val="bg1">
+                  <a:lumMod val="50000"/>
+                </a:schemeClr>
+              </a:solidFill>
+              <a:latin typeface="微软雅黑" pitchFamily="34" charset="-122"/>
+              <a:ea typeface="微软雅黑" pitchFamily="34" charset="-122"/>
+            </a:endParaRPr>
+          </a:p>
+        </p:txBody>
+      </p:sp>
+      <p:sp>
+        <p:nvSpPr>
+          <p:cNvPr id="9" name="TextBox 21">
+            <a:extLst>
+              <a:ext uri="{FF2B5EF4-FFF2-40B4-BE49-F238E27FC236}">
+                <a16:creationId xmlns:a16="http://schemas.microsoft.com/office/drawing/2014/main" id="{27576124-F7CA-485A-8470-33DB6FE77B70}"/>
+              </a:ext>
+            </a:extLst>
+          </p:cNvPr>
+          <p:cNvSpPr txBox="1"/>
+          <p:nvPr/>
+        </p:nvSpPr>
+        <p:spPr>
+          <a:xfrm>
+            <a:off x="753505" y="1374728"/>
+            <a:ext cx="6749838" cy="377411"/>
+          </a:xfrm>
+          <a:prstGeom prst="rect">
+            <a:avLst/>
+          </a:prstGeom>
+          <a:noFill/>
+        </p:spPr>
+        <p:txBody>
+          <a:bodyPr wrap="square" rtlCol="0">
+            <a:spAutoFit/>
+          </a:bodyPr>
+          <a:lstStyle/>
+          <a:p>
+            <a:pPr>
+              <a:lnSpc>
+                <a:spcPct val="150000"/>
+              </a:lnSpc>
+            </a:pPr>
+            <a:r>
+              <a:rPr lang="en-US" altLang="zh-CN" sz="1400" dirty="0">
+                <a:ln w="6350">
+                  <a:noFill/>
+                </a:ln>
+                <a:solidFill>
+                  <a:schemeClr val="bg1">
+                    <a:lumMod val="50000"/>
+                  </a:schemeClr>
+                </a:solidFill>
+                <a:latin typeface="微软雅黑" pitchFamily="34" charset="-122"/>
+                <a:ea typeface="微软雅黑" pitchFamily="34" charset="-122"/>
+              </a:rPr>
+              <a:t>equals</a:t>
+            </a:r>
+            <a:r>
+              <a:rPr lang="zh-CN" altLang="en-US" sz="1400" dirty="0">
+                <a:ln w="6350">
+                  <a:noFill/>
+                </a:ln>
+                <a:solidFill>
+                  <a:schemeClr val="bg1">
+                    <a:lumMod val="50000"/>
+                  </a:schemeClr>
+                </a:solidFill>
+                <a:latin typeface="微软雅黑" pitchFamily="34" charset="-122"/>
+                <a:ea typeface="微软雅黑" pitchFamily="34" charset="-122"/>
+              </a:rPr>
+              <a:t>是逻辑上相等，也就是只要返回</a:t>
+            </a:r>
+            <a:r>
+              <a:rPr lang="en-US" altLang="zh-CN" sz="1400" dirty="0">
+                <a:ln w="6350">
+                  <a:noFill/>
+                </a:ln>
+                <a:solidFill>
+                  <a:schemeClr val="bg1">
+                    <a:lumMod val="50000"/>
+                  </a:schemeClr>
+                </a:solidFill>
+                <a:latin typeface="微软雅黑" pitchFamily="34" charset="-122"/>
+                <a:ea typeface="微软雅黑" pitchFamily="34" charset="-122"/>
+              </a:rPr>
+              <a:t>true</a:t>
+            </a:r>
+            <a:r>
+              <a:rPr lang="zh-CN" altLang="en-US" sz="1400" dirty="0">
+                <a:ln w="6350">
+                  <a:noFill/>
+                </a:ln>
+                <a:solidFill>
+                  <a:schemeClr val="bg1">
+                    <a:lumMod val="50000"/>
+                  </a:schemeClr>
+                </a:solidFill>
+                <a:latin typeface="微软雅黑" pitchFamily="34" charset="-122"/>
+                <a:ea typeface="微软雅黑" pitchFamily="34" charset="-122"/>
+              </a:rPr>
+              <a:t>，我们就认为这两个对象是同一个对象。</a:t>
+            </a:r>
+            <a:endParaRPr lang="en-US" altLang="zh-CN" sz="1400" dirty="0">
+              <a:ln w="6350">
+                <a:noFill/>
+              </a:ln>
+              <a:solidFill>
+                <a:schemeClr val="bg1">
+                  <a:lumMod val="50000"/>
+                </a:schemeClr>
+              </a:solidFill>
+              <a:latin typeface="微软雅黑" pitchFamily="34" charset="-122"/>
+              <a:ea typeface="微软雅黑" pitchFamily="34" charset="-122"/>
+            </a:endParaRPr>
+          </a:p>
+        </p:txBody>
+      </p:sp>
+      <p:sp>
+        <p:nvSpPr>
+          <p:cNvPr id="11" name="TextBox 21">
+            <a:extLst>
+              <a:ext uri="{FF2B5EF4-FFF2-40B4-BE49-F238E27FC236}">
+                <a16:creationId xmlns:a16="http://schemas.microsoft.com/office/drawing/2014/main" id="{F474ED1A-88DC-4709-9C45-2271D57A2713}"/>
+              </a:ext>
+            </a:extLst>
+          </p:cNvPr>
+          <p:cNvSpPr txBox="1"/>
+          <p:nvPr/>
+        </p:nvSpPr>
+        <p:spPr>
+          <a:xfrm>
+            <a:off x="753505" y="1872843"/>
+            <a:ext cx="7862495" cy="700576"/>
+          </a:xfrm>
+          <a:prstGeom prst="rect">
+            <a:avLst/>
+          </a:prstGeom>
+          <a:noFill/>
+        </p:spPr>
+        <p:txBody>
+          <a:bodyPr wrap="square" rtlCol="0">
+            <a:spAutoFit/>
+          </a:bodyPr>
+          <a:lstStyle/>
+          <a:p>
+            <a:pPr>
+              <a:lnSpc>
+                <a:spcPct val="150000"/>
+              </a:lnSpc>
+            </a:pPr>
+            <a:r>
+              <a:rPr lang="en-US" altLang="zh-CN" sz="1400" dirty="0" err="1">
+                <a:ln w="6350">
+                  <a:noFill/>
+                </a:ln>
+                <a:solidFill>
+                  <a:schemeClr val="bg1">
+                    <a:lumMod val="50000"/>
+                  </a:schemeClr>
+                </a:solidFill>
+                <a:latin typeface="微软雅黑" pitchFamily="34" charset="-122"/>
+                <a:ea typeface="微软雅黑" pitchFamily="34" charset="-122"/>
+              </a:rPr>
+              <a:t>hashCode</a:t>
+            </a:r>
+            <a:r>
+              <a:rPr lang="zh-CN" altLang="en-US" sz="1400" dirty="0">
+                <a:ln w="6350">
+                  <a:noFill/>
+                </a:ln>
+                <a:solidFill>
+                  <a:schemeClr val="bg1">
+                    <a:lumMod val="50000"/>
+                  </a:schemeClr>
+                </a:solidFill>
+                <a:latin typeface="微软雅黑" pitchFamily="34" charset="-122"/>
+                <a:ea typeface="微软雅黑" pitchFamily="34" charset="-122"/>
+              </a:rPr>
+              <a:t>是哈希函数，返回一个哈希值。 我们要求哈希函数：同一个对象返回相同的哈希值。</a:t>
+            </a:r>
+            <a:endParaRPr lang="en-US" altLang="zh-CN" sz="1400" dirty="0">
+              <a:ln w="6350">
+                <a:noFill/>
+              </a:ln>
+              <a:solidFill>
+                <a:schemeClr val="bg1">
+                  <a:lumMod val="50000"/>
+                </a:schemeClr>
+              </a:solidFill>
+              <a:latin typeface="微软雅黑" pitchFamily="34" charset="-122"/>
+              <a:ea typeface="微软雅黑" pitchFamily="34" charset="-122"/>
+            </a:endParaRPr>
+          </a:p>
+          <a:p>
+            <a:pPr>
+              <a:lnSpc>
+                <a:spcPct val="150000"/>
+              </a:lnSpc>
+            </a:pPr>
+            <a:r>
+              <a:rPr lang="zh-CN" altLang="en-US" sz="1400" dirty="0">
+                <a:ln w="6350">
+                  <a:noFill/>
+                </a:ln>
+                <a:solidFill>
+                  <a:schemeClr val="bg1">
+                    <a:lumMod val="50000"/>
+                  </a:schemeClr>
+                </a:solidFill>
+                <a:latin typeface="微软雅黑" pitchFamily="34" charset="-122"/>
+                <a:ea typeface="微软雅黑" pitchFamily="34" charset="-122"/>
+              </a:rPr>
+              <a:t>但哈希函数可能有哈希冲突，即两个不同的对象，具有相同的哈希值。</a:t>
+            </a:r>
+            <a:endParaRPr lang="en-US" altLang="zh-CN" sz="1400" dirty="0">
+              <a:ln w="6350">
+                <a:noFill/>
+              </a:ln>
+              <a:solidFill>
+                <a:schemeClr val="bg1">
+                  <a:lumMod val="50000"/>
+                </a:schemeClr>
+              </a:solidFill>
+              <a:latin typeface="微软雅黑" pitchFamily="34" charset="-122"/>
+              <a:ea typeface="微软雅黑" pitchFamily="34" charset="-122"/>
+            </a:endParaRPr>
+          </a:p>
+        </p:txBody>
+      </p:sp>
+      <p:graphicFrame>
+        <p:nvGraphicFramePr>
+          <p:cNvPr id="2" name="表格 2">
+            <a:extLst>
+              <a:ext uri="{FF2B5EF4-FFF2-40B4-BE49-F238E27FC236}">
+                <a16:creationId xmlns:a16="http://schemas.microsoft.com/office/drawing/2014/main" id="{466CB23A-5A2F-4187-812E-563D636BA6D1}"/>
+              </a:ext>
+            </a:extLst>
+          </p:cNvPr>
+          <p:cNvGraphicFramePr>
+            <a:graphicFrameLocks noGrp="1"/>
+          </p:cNvGraphicFramePr>
+          <p:nvPr>
+            <p:extLst>
+              <p:ext uri="{D42A27DB-BD31-4B8C-83A1-F6EECF244321}">
+                <p14:modId xmlns:p14="http://schemas.microsoft.com/office/powerpoint/2010/main" val="3623046555"/>
+              </p:ext>
+            </p:extLst>
+          </p:nvPr>
+        </p:nvGraphicFramePr>
+        <p:xfrm>
+          <a:off x="1282996" y="2859782"/>
+          <a:ext cx="6529364" cy="1854200"/>
+        </p:xfrm>
+        <a:graphic>
+          <a:graphicData uri="http://schemas.openxmlformats.org/drawingml/2006/table">
+            <a:tbl>
+              <a:tblPr firstRow="1" bandRow="1">
+                <a:tableStyleId>{72833802-FEF1-4C79-8D5D-14CF1EAF98D9}</a:tableStyleId>
+              </a:tblPr>
+              <a:tblGrid>
+                <a:gridCol w="1056756">
+                  <a:extLst>
+                    <a:ext uri="{9D8B030D-6E8A-4147-A177-3AD203B41FA5}">
+                      <a16:colId xmlns:a16="http://schemas.microsoft.com/office/drawing/2014/main" val="3665812622"/>
+                    </a:ext>
+                  </a:extLst>
+                </a:gridCol>
+                <a:gridCol w="5472608">
+                  <a:extLst>
+                    <a:ext uri="{9D8B030D-6E8A-4147-A177-3AD203B41FA5}">
+                      <a16:colId xmlns:a16="http://schemas.microsoft.com/office/drawing/2014/main" val="2843906905"/>
+                    </a:ext>
+                  </a:extLst>
+                </a:gridCol>
+              </a:tblGrid>
+              <a:tr h="370840">
+                <a:tc>
+                  <a:txBody>
+                    <a:bodyPr/>
+                    <a:lstStyle/>
+                    <a:p>
+                      <a:pPr algn="ctr"/>
+                      <a:r>
+                        <a:rPr lang="zh-CN" altLang="en-US" sz="1400" kern="1200" dirty="0">
+                          <a:ln w="6350">
+                            <a:noFill/>
+                          </a:ln>
+                          <a:solidFill>
+                            <a:schemeClr val="tx1"/>
+                          </a:solidFill>
+                        </a:rPr>
+                        <a:t>序号</a:t>
+                      </a:r>
+                      <a:endParaRPr lang="zh-CN" altLang="en-US" sz="1400" kern="1200" dirty="0">
+                        <a:ln w="6350">
+                          <a:noFill/>
+                        </a:ln>
+                        <a:solidFill>
+                          <a:schemeClr val="tx1"/>
+                        </a:solidFill>
+                        <a:latin typeface="+mn-ea"/>
+                        <a:ea typeface="+mn-ea"/>
+                        <a:cs typeface="+mn-cs"/>
+                      </a:endParaRPr>
+                    </a:p>
+                  </a:txBody>
+                  <a:tcPr/>
+                </a:tc>
+                <a:tc>
+                  <a:txBody>
+                    <a:bodyPr/>
+                    <a:lstStyle/>
+                    <a:p>
+                      <a:pPr algn="ctr"/>
+                      <a:r>
+                        <a:rPr lang="zh-CN" altLang="en-US" sz="1400" kern="1200" dirty="0">
+                          <a:ln w="6350">
+                            <a:noFill/>
+                          </a:ln>
+                          <a:solidFill>
+                            <a:schemeClr val="tx1"/>
+                          </a:solidFill>
+                        </a:rPr>
+                        <a:t>描述</a:t>
+                      </a:r>
+                      <a:endParaRPr lang="zh-CN" altLang="en-US" sz="1400" kern="1200" dirty="0">
+                        <a:ln w="6350">
+                          <a:noFill/>
+                        </a:ln>
+                        <a:solidFill>
+                          <a:schemeClr val="tx1"/>
+                        </a:solidFill>
+                        <a:latin typeface="+mn-ea"/>
+                        <a:ea typeface="+mn-ea"/>
+                        <a:cs typeface="+mn-cs"/>
+                      </a:endParaRPr>
+                    </a:p>
+                  </a:txBody>
+                  <a:tcPr/>
+                </a:tc>
+                <a:extLst>
+                  <a:ext uri="{0D108BD9-81ED-4DB2-BD59-A6C34878D82A}">
+                    <a16:rowId xmlns:a16="http://schemas.microsoft.com/office/drawing/2014/main" val="4018915152"/>
+                  </a:ext>
+                </a:extLst>
+              </a:tr>
+              <a:tr h="370840">
+                <a:tc>
+                  <a:txBody>
+                    <a:bodyPr/>
+                    <a:lstStyle/>
+                    <a:p>
+                      <a:pPr algn="ctr"/>
+                      <a:r>
+                        <a:rPr lang="en-US" altLang="zh-CN" sz="1400" kern="1200" dirty="0">
+                          <a:ln w="6350">
+                            <a:noFill/>
+                          </a:ln>
+                          <a:solidFill>
+                            <a:schemeClr val="tx1"/>
+                          </a:solidFill>
+                        </a:rPr>
+                        <a:t>1</a:t>
+                      </a:r>
+                      <a:endParaRPr lang="zh-CN" altLang="en-US" sz="1400" kern="1200" dirty="0">
+                        <a:ln w="6350">
+                          <a:noFill/>
+                        </a:ln>
+                        <a:solidFill>
+                          <a:schemeClr val="tx1"/>
+                        </a:solidFill>
+                        <a:latin typeface="+mn-ea"/>
+                        <a:ea typeface="+mn-ea"/>
+                        <a:cs typeface="+mn-cs"/>
+                      </a:endParaRPr>
+                    </a:p>
+                  </a:txBody>
+                  <a:tcPr/>
+                </a:tc>
+                <a:tc>
+                  <a:txBody>
+                    <a:bodyPr/>
+                    <a:lstStyle/>
+                    <a:p>
+                      <a:pPr algn="ctr"/>
+                      <a:r>
+                        <a:rPr lang="zh-CN" altLang="en-US" sz="1400" kern="1200" dirty="0">
+                          <a:ln w="6350">
+                            <a:noFill/>
+                          </a:ln>
+                          <a:solidFill>
+                            <a:schemeClr val="tx1"/>
+                          </a:solidFill>
+                        </a:rPr>
+                        <a:t>两个对象如果</a:t>
+                      </a:r>
+                      <a:r>
+                        <a:rPr lang="en-US" altLang="zh-CN" sz="1400" kern="1200" dirty="0">
+                          <a:ln w="6350">
+                            <a:noFill/>
+                          </a:ln>
+                          <a:solidFill>
+                            <a:schemeClr val="tx1"/>
+                          </a:solidFill>
+                        </a:rPr>
+                        <a:t>equals()</a:t>
+                      </a:r>
+                      <a:r>
+                        <a:rPr lang="zh-CN" altLang="en-US" sz="1400" kern="1200" dirty="0">
+                          <a:ln w="6350">
+                            <a:noFill/>
+                          </a:ln>
+                          <a:solidFill>
+                            <a:schemeClr val="tx1"/>
+                          </a:solidFill>
+                        </a:rPr>
+                        <a:t>成立，</a:t>
+                      </a:r>
+                      <a:r>
+                        <a:rPr lang="en-US" altLang="zh-CN" sz="1400" kern="1200" dirty="0" err="1">
+                          <a:ln w="6350">
+                            <a:noFill/>
+                          </a:ln>
+                          <a:solidFill>
+                            <a:schemeClr val="tx1"/>
+                          </a:solidFill>
+                        </a:rPr>
+                        <a:t>hashCode</a:t>
+                      </a:r>
+                      <a:r>
+                        <a:rPr lang="en-US" altLang="zh-CN" sz="1400" kern="1200" dirty="0">
+                          <a:ln w="6350">
+                            <a:noFill/>
+                          </a:ln>
+                          <a:solidFill>
+                            <a:schemeClr val="tx1"/>
+                          </a:solidFill>
+                        </a:rPr>
+                        <a:t>()</a:t>
+                      </a:r>
+                      <a:r>
+                        <a:rPr lang="zh-CN" altLang="en-US" sz="1400" kern="1200" dirty="0">
+                          <a:ln w="6350">
+                            <a:noFill/>
+                          </a:ln>
+                          <a:solidFill>
+                            <a:schemeClr val="tx1"/>
+                          </a:solidFill>
+                        </a:rPr>
+                        <a:t>一定成立</a:t>
+                      </a:r>
+                      <a:endParaRPr lang="zh-CN" altLang="en-US" sz="1400" kern="1200" dirty="0">
+                        <a:ln w="6350">
+                          <a:noFill/>
+                        </a:ln>
+                        <a:solidFill>
+                          <a:schemeClr val="tx1"/>
+                        </a:solidFill>
+                        <a:latin typeface="+mn-ea"/>
+                        <a:ea typeface="+mn-ea"/>
+                        <a:cs typeface="+mn-cs"/>
+                      </a:endParaRPr>
+                    </a:p>
+                  </a:txBody>
+                  <a:tcPr/>
+                </a:tc>
+                <a:extLst>
+                  <a:ext uri="{0D108BD9-81ED-4DB2-BD59-A6C34878D82A}">
+                    <a16:rowId xmlns:a16="http://schemas.microsoft.com/office/drawing/2014/main" val="590009127"/>
+                  </a:ext>
+                </a:extLst>
+              </a:tr>
+              <a:tr h="370840">
+                <a:tc>
+                  <a:txBody>
+                    <a:bodyPr/>
+                    <a:lstStyle/>
+                    <a:p>
+                      <a:pPr algn="ctr"/>
+                      <a:r>
+                        <a:rPr lang="en-US" altLang="zh-CN" sz="1400" kern="1200" dirty="0">
+                          <a:ln w="6350">
+                            <a:noFill/>
+                          </a:ln>
+                          <a:solidFill>
+                            <a:schemeClr val="tx1"/>
+                          </a:solidFill>
+                        </a:rPr>
+                        <a:t>2</a:t>
+                      </a:r>
+                      <a:endParaRPr lang="zh-CN" altLang="en-US" sz="1400" kern="1200" dirty="0">
+                        <a:ln w="6350">
+                          <a:noFill/>
+                        </a:ln>
+                        <a:solidFill>
+                          <a:schemeClr val="tx1"/>
+                        </a:solidFill>
+                        <a:latin typeface="+mn-ea"/>
+                        <a:ea typeface="+mn-ea"/>
+                        <a:cs typeface="+mn-cs"/>
+                      </a:endParaRPr>
+                    </a:p>
+                  </a:txBody>
+                  <a:tcPr/>
+                </a:tc>
+                <a:tc>
+                  <a:txBody>
+                    <a:bodyPr/>
+                    <a:lstStyle/>
+                    <a:p>
+                      <a:pPr marL="0" marR="0" lvl="0" indent="0" algn="ctr" defTabSz="914400" rtl="0" eaLnBrk="1" fontAlgn="auto" latinLnBrk="0" hangingPunct="1">
+                        <a:lnSpc>
+                          <a:spcPct val="100000"/>
+                        </a:lnSpc>
+                        <a:spcBef>
+                          <a:spcPts val="0"/>
+                        </a:spcBef>
+                        <a:spcAft>
+                          <a:spcPts val="0"/>
+                        </a:spcAft>
+                        <a:buClrTx/>
+                        <a:buSzTx/>
+                        <a:buFontTx/>
+                        <a:buNone/>
+                        <a:tabLst/>
+                        <a:defRPr/>
+                      </a:pPr>
+                      <a:r>
+                        <a:rPr lang="zh-CN" altLang="en-US" sz="1400" kern="1200" dirty="0">
+                          <a:ln w="6350">
+                            <a:noFill/>
+                          </a:ln>
+                          <a:solidFill>
+                            <a:schemeClr val="tx1"/>
+                          </a:solidFill>
+                        </a:rPr>
+                        <a:t>两个对象如果</a:t>
+                      </a:r>
+                      <a:r>
+                        <a:rPr lang="en-US" altLang="zh-CN" sz="1400" kern="1200" dirty="0">
+                          <a:ln w="6350">
+                            <a:noFill/>
+                          </a:ln>
+                          <a:solidFill>
+                            <a:schemeClr val="tx1"/>
+                          </a:solidFill>
+                        </a:rPr>
+                        <a:t>equals()</a:t>
+                      </a:r>
+                      <a:r>
+                        <a:rPr lang="zh-CN" altLang="en-US" sz="1400" kern="1200" dirty="0">
+                          <a:ln w="6350">
+                            <a:noFill/>
+                          </a:ln>
+                          <a:solidFill>
+                            <a:schemeClr val="tx1"/>
+                          </a:solidFill>
+                        </a:rPr>
+                        <a:t>不成立，</a:t>
+                      </a:r>
+                      <a:r>
+                        <a:rPr lang="en-US" altLang="zh-CN" sz="1400" kern="1200" dirty="0" err="1">
+                          <a:ln w="6350">
+                            <a:noFill/>
+                          </a:ln>
+                          <a:solidFill>
+                            <a:schemeClr val="tx1"/>
+                          </a:solidFill>
+                        </a:rPr>
+                        <a:t>hashCode</a:t>
+                      </a:r>
+                      <a:r>
+                        <a:rPr lang="en-US" altLang="zh-CN" sz="1400" kern="1200" dirty="0">
+                          <a:ln w="6350">
+                            <a:noFill/>
+                          </a:ln>
+                          <a:solidFill>
+                            <a:schemeClr val="tx1"/>
+                          </a:solidFill>
+                        </a:rPr>
+                        <a:t>()</a:t>
+                      </a:r>
+                      <a:r>
+                        <a:rPr lang="zh-CN" altLang="en-US" sz="1400" kern="1200" dirty="0">
+                          <a:ln w="6350">
+                            <a:noFill/>
+                          </a:ln>
+                          <a:solidFill>
+                            <a:schemeClr val="tx1"/>
+                          </a:solidFill>
+                        </a:rPr>
+                        <a:t>可能成立</a:t>
+                      </a:r>
+                      <a:endParaRPr lang="zh-CN" altLang="en-US" sz="1400" kern="1200" dirty="0">
+                        <a:ln w="6350">
+                          <a:noFill/>
+                        </a:ln>
+                        <a:solidFill>
+                          <a:schemeClr val="tx1"/>
+                        </a:solidFill>
+                        <a:latin typeface="+mn-ea"/>
+                        <a:ea typeface="+mn-ea"/>
+                        <a:cs typeface="+mn-cs"/>
+                      </a:endParaRPr>
+                    </a:p>
+                  </a:txBody>
+                  <a:tcPr/>
+                </a:tc>
+                <a:extLst>
+                  <a:ext uri="{0D108BD9-81ED-4DB2-BD59-A6C34878D82A}">
+                    <a16:rowId xmlns:a16="http://schemas.microsoft.com/office/drawing/2014/main" val="3964060957"/>
+                  </a:ext>
+                </a:extLst>
+              </a:tr>
+              <a:tr h="370840">
+                <a:tc>
+                  <a:txBody>
+                    <a:bodyPr/>
+                    <a:lstStyle/>
+                    <a:p>
+                      <a:pPr algn="ctr"/>
+                      <a:r>
+                        <a:rPr lang="en-US" altLang="zh-CN" sz="1400" kern="1200" dirty="0">
+                          <a:ln w="6350">
+                            <a:noFill/>
+                          </a:ln>
+                          <a:solidFill>
+                            <a:schemeClr val="tx1"/>
+                          </a:solidFill>
+                        </a:rPr>
+                        <a:t>3</a:t>
+                      </a:r>
+                      <a:endParaRPr lang="zh-CN" altLang="en-US" sz="1400" kern="1200" dirty="0">
+                        <a:ln w="6350">
+                          <a:noFill/>
+                        </a:ln>
+                        <a:solidFill>
+                          <a:schemeClr val="tx1"/>
+                        </a:solidFill>
+                        <a:latin typeface="+mn-ea"/>
+                        <a:ea typeface="+mn-ea"/>
+                        <a:cs typeface="+mn-cs"/>
+                      </a:endParaRPr>
+                    </a:p>
+                  </a:txBody>
+                  <a:tcPr/>
+                </a:tc>
+                <a:tc>
+                  <a:txBody>
+                    <a:bodyPr/>
+                    <a:lstStyle/>
+                    <a:p>
+                      <a:pPr marL="0" marR="0" lvl="0" indent="0" algn="ctr" defTabSz="914400" rtl="0" eaLnBrk="1" fontAlgn="auto" latinLnBrk="0" hangingPunct="1">
+                        <a:lnSpc>
+                          <a:spcPct val="100000"/>
+                        </a:lnSpc>
+                        <a:spcBef>
+                          <a:spcPts val="0"/>
+                        </a:spcBef>
+                        <a:spcAft>
+                          <a:spcPts val="0"/>
+                        </a:spcAft>
+                        <a:buClrTx/>
+                        <a:buSzTx/>
+                        <a:buFontTx/>
+                        <a:buNone/>
+                        <a:tabLst/>
+                        <a:defRPr/>
+                      </a:pPr>
+                      <a:r>
+                        <a:rPr lang="zh-CN" altLang="en-US" sz="1400" kern="1200" dirty="0">
+                          <a:ln w="6350">
+                            <a:noFill/>
+                          </a:ln>
+                          <a:solidFill>
+                            <a:schemeClr val="tx1"/>
+                          </a:solidFill>
+                        </a:rPr>
+                        <a:t>两个对象如果</a:t>
+                      </a:r>
+                      <a:r>
+                        <a:rPr lang="en-US" altLang="zh-CN" sz="1400" kern="1200" dirty="0" err="1">
+                          <a:ln w="6350">
+                            <a:noFill/>
+                          </a:ln>
+                          <a:solidFill>
+                            <a:schemeClr val="tx1"/>
+                          </a:solidFill>
+                        </a:rPr>
+                        <a:t>hashCode</a:t>
+                      </a:r>
+                      <a:r>
+                        <a:rPr lang="en-US" altLang="zh-CN" sz="1400" kern="1200" dirty="0">
+                          <a:ln w="6350">
+                            <a:noFill/>
+                          </a:ln>
+                          <a:solidFill>
+                            <a:schemeClr val="tx1"/>
+                          </a:solidFill>
+                        </a:rPr>
+                        <a:t>()</a:t>
+                      </a:r>
+                      <a:r>
+                        <a:rPr lang="zh-CN" altLang="en-US" sz="1400" kern="1200" dirty="0">
+                          <a:ln w="6350">
+                            <a:noFill/>
+                          </a:ln>
+                          <a:solidFill>
+                            <a:schemeClr val="tx1"/>
+                          </a:solidFill>
+                        </a:rPr>
+                        <a:t>成立，</a:t>
+                      </a:r>
+                      <a:r>
+                        <a:rPr lang="en-US" altLang="zh-CN" sz="1400" kern="1200" dirty="0">
+                          <a:ln w="6350">
+                            <a:noFill/>
+                          </a:ln>
+                          <a:solidFill>
+                            <a:schemeClr val="tx1"/>
+                          </a:solidFill>
+                        </a:rPr>
+                        <a:t>equals</a:t>
+                      </a:r>
+                      <a:r>
+                        <a:rPr lang="zh-CN" altLang="en-US" sz="1400" kern="1200" dirty="0">
+                          <a:ln w="6350">
+                            <a:noFill/>
+                          </a:ln>
+                          <a:solidFill>
+                            <a:schemeClr val="tx1"/>
+                          </a:solidFill>
+                        </a:rPr>
+                        <a:t>可能成立</a:t>
+                      </a:r>
+                      <a:endParaRPr lang="zh-CN" altLang="en-US" sz="1400" kern="1200" dirty="0">
+                        <a:ln w="6350">
+                          <a:noFill/>
+                        </a:ln>
+                        <a:solidFill>
+                          <a:schemeClr val="tx1"/>
+                        </a:solidFill>
+                        <a:latin typeface="+mn-ea"/>
+                        <a:ea typeface="+mn-ea"/>
+                        <a:cs typeface="+mn-cs"/>
+                      </a:endParaRPr>
+                    </a:p>
+                  </a:txBody>
+                  <a:tcPr/>
+                </a:tc>
+                <a:extLst>
+                  <a:ext uri="{0D108BD9-81ED-4DB2-BD59-A6C34878D82A}">
+                    <a16:rowId xmlns:a16="http://schemas.microsoft.com/office/drawing/2014/main" val="1597515222"/>
+                  </a:ext>
+                </a:extLst>
+              </a:tr>
+              <a:tr h="370840">
+                <a:tc>
+                  <a:txBody>
+                    <a:bodyPr/>
+                    <a:lstStyle/>
+                    <a:p>
+                      <a:pPr algn="ctr"/>
+                      <a:r>
+                        <a:rPr lang="en-US" altLang="zh-CN" sz="1400" kern="1200" dirty="0">
+                          <a:ln w="6350">
+                            <a:noFill/>
+                          </a:ln>
+                          <a:solidFill>
+                            <a:schemeClr val="tx1"/>
+                          </a:solidFill>
+                        </a:rPr>
+                        <a:t>4</a:t>
+                      </a:r>
+                      <a:endParaRPr lang="zh-CN" altLang="en-US" sz="1400" kern="1200" dirty="0">
+                        <a:ln w="6350">
+                          <a:noFill/>
+                        </a:ln>
+                        <a:solidFill>
+                          <a:schemeClr val="tx1"/>
+                        </a:solidFill>
+                        <a:latin typeface="+mn-ea"/>
+                        <a:ea typeface="+mn-ea"/>
+                        <a:cs typeface="+mn-cs"/>
+                      </a:endParaRPr>
+                    </a:p>
+                  </a:txBody>
+                  <a:tcPr/>
+                </a:tc>
+                <a:tc>
+                  <a:txBody>
+                    <a:bodyPr/>
+                    <a:lstStyle/>
+                    <a:p>
+                      <a:pPr marL="0" marR="0" lvl="0" indent="0" algn="ctr" defTabSz="914400" rtl="0" eaLnBrk="1" fontAlgn="auto" latinLnBrk="0" hangingPunct="1">
+                        <a:lnSpc>
+                          <a:spcPct val="100000"/>
+                        </a:lnSpc>
+                        <a:spcBef>
+                          <a:spcPts val="0"/>
+                        </a:spcBef>
+                        <a:spcAft>
+                          <a:spcPts val="0"/>
+                        </a:spcAft>
+                        <a:buClrTx/>
+                        <a:buSzTx/>
+                        <a:buFontTx/>
+                        <a:buNone/>
+                        <a:tabLst/>
+                        <a:defRPr/>
+                      </a:pPr>
+                      <a:r>
+                        <a:rPr lang="zh-CN" altLang="en-US" sz="1400" kern="1200" dirty="0">
+                          <a:ln w="6350">
+                            <a:noFill/>
+                          </a:ln>
+                          <a:solidFill>
+                            <a:schemeClr val="tx1"/>
+                          </a:solidFill>
+                        </a:rPr>
+                        <a:t>两个对象如果</a:t>
+                      </a:r>
+                      <a:r>
+                        <a:rPr lang="en-US" altLang="zh-CN" sz="1400" kern="1200" dirty="0" err="1">
+                          <a:ln w="6350">
+                            <a:noFill/>
+                          </a:ln>
+                          <a:solidFill>
+                            <a:schemeClr val="tx1"/>
+                          </a:solidFill>
+                        </a:rPr>
+                        <a:t>hashCode</a:t>
+                      </a:r>
+                      <a:r>
+                        <a:rPr lang="en-US" altLang="zh-CN" sz="1400" kern="1200" dirty="0">
+                          <a:ln w="6350">
+                            <a:noFill/>
+                          </a:ln>
+                          <a:solidFill>
+                            <a:schemeClr val="tx1"/>
+                          </a:solidFill>
+                        </a:rPr>
+                        <a:t>()</a:t>
+                      </a:r>
+                      <a:r>
+                        <a:rPr lang="zh-CN" altLang="en-US" sz="1400" kern="1200" dirty="0">
+                          <a:ln w="6350">
+                            <a:noFill/>
+                          </a:ln>
+                          <a:solidFill>
+                            <a:schemeClr val="tx1"/>
+                          </a:solidFill>
+                        </a:rPr>
+                        <a:t>不成立，</a:t>
+                      </a:r>
+                      <a:r>
+                        <a:rPr lang="en-US" altLang="zh-CN" sz="1400" kern="1200" dirty="0">
+                          <a:ln w="6350">
+                            <a:noFill/>
+                          </a:ln>
+                          <a:solidFill>
+                            <a:schemeClr val="tx1"/>
+                          </a:solidFill>
+                        </a:rPr>
+                        <a:t>equals</a:t>
+                      </a:r>
+                      <a:r>
+                        <a:rPr lang="zh-CN" altLang="en-US" sz="1400" kern="1200" dirty="0">
+                          <a:ln w="6350">
+                            <a:noFill/>
+                          </a:ln>
+                          <a:solidFill>
+                            <a:schemeClr val="tx1"/>
+                          </a:solidFill>
+                        </a:rPr>
+                        <a:t>一定不成立</a:t>
+                      </a:r>
+                      <a:endParaRPr lang="zh-CN" altLang="en-US" sz="1400" kern="1200" dirty="0">
+                        <a:ln w="6350">
+                          <a:noFill/>
+                        </a:ln>
+                        <a:solidFill>
+                          <a:schemeClr val="tx1"/>
+                        </a:solidFill>
+                        <a:latin typeface="+mn-ea"/>
+                        <a:ea typeface="+mn-ea"/>
+                        <a:cs typeface="+mn-cs"/>
+                      </a:endParaRPr>
+                    </a:p>
+                  </a:txBody>
+                  <a:tcPr/>
+                </a:tc>
+                <a:extLst>
+                  <a:ext uri="{0D108BD9-81ED-4DB2-BD59-A6C34878D82A}">
+                    <a16:rowId xmlns:a16="http://schemas.microsoft.com/office/drawing/2014/main" val="796175437"/>
+                  </a:ext>
+                </a:extLst>
+              </a:tr>
+            </a:tbl>
+          </a:graphicData>
+        </a:graphic>
+      </p:graphicFrame>
+    </p:spTree>
+    <p:extLst>
+      <p:ext uri="{BB962C8B-B14F-4D97-AF65-F5344CB8AC3E}">
+        <p14:creationId xmlns:p14="http://schemas.microsoft.com/office/powerpoint/2010/main" val="1095551361"/>
+      </p:ext>
+    </p:extLst>
+  </p:cSld>
+  <p:clrMapOvr>
+    <a:masterClrMapping/>
+  </p:clrMapOvr>
+</p:sld>
+</file>
+
+<file path=ppt/slides/slide8.xml><?xml version="1.0" encoding="utf-8"?>
+<p:sld xmlns:a="http://schemas.openxmlformats.org/drawingml/2006/main" xmlns:r="http://schemas.openxmlformats.org/officeDocument/2006/relationships" xmlns:p="http://schemas.openxmlformats.org/presentationml/2006/main">
+  <p:cSld>
+    <p:spTree>
+      <p:nvGrpSpPr>
+        <p:cNvPr id="1" name=""/>
+        <p:cNvGrpSpPr/>
+        <p:nvPr/>
+      </p:nvGrpSpPr>
+      <p:grpSpPr>
+        <a:xfrm>
+          <a:off x="0" y="0"/>
+          <a:ext cx="0" cy="0"/>
+          <a:chOff x="0" y="0"/>
+          <a:chExt cx="0" cy="0"/>
+        </a:xfrm>
+      </p:grpSpPr>
+      <p:sp>
+        <p:nvSpPr>
+          <p:cNvPr id="47" name="Rectangle 39"/>
+          <p:cNvSpPr>
+            <a:spLocks noChangeArrowheads="1"/>
+          </p:cNvSpPr>
+          <p:nvPr/>
+        </p:nvSpPr>
+        <p:spPr bwMode="auto">
+          <a:xfrm>
+            <a:off x="416159" y="278281"/>
+            <a:ext cx="2778059" cy="307872"/>
+          </a:xfrm>
+          <a:prstGeom prst="rect">
+            <a:avLst/>
+          </a:prstGeom>
+          <a:noFill/>
+          <a:ln>
+            <a:noFill/>
+          </a:ln>
+          <a:extLst>
+            <a:ext uri="{909E8E84-426E-40DD-AFC4-6F175D3DCCD1}">
+              <a14:hiddenFill xmlns:a14="http://schemas.microsoft.com/office/drawing/2010/main">
+                <a:solidFill>
+                  <a:srgbClr val="FFFFFF"/>
+                </a:solidFill>
+              </a14:hiddenFill>
+            </a:ext>
+            <a:ext uri="{91240B29-F687-4F45-9708-019B960494DF}">
+              <a14:hiddenLine xmlns:a14="http://schemas.microsoft.com/office/drawing/2010/main" w="9525">
+                <a:solidFill>
+                  <a:srgbClr val="000000"/>
+                </a:solidFill>
+                <a:miter lim="800000"/>
+                <a:headEnd/>
+                <a:tailEnd/>
+              </a14:hiddenLine>
+            </a:ext>
+          </a:extLst>
+        </p:spPr>
+        <p:txBody>
+          <a:bodyPr wrap="square" lIns="0" tIns="0" rIns="0" bIns="0">
+            <a:spAutoFit/>
+          </a:bodyPr>
+          <a:lstStyle/>
+          <a:p>
+            <a:pPr>
+              <a:buFont typeface="Arial" pitchFamily="34" charset="0"/>
+              <a:buNone/>
+            </a:pPr>
+            <a:r>
+              <a:rPr lang="en-US" altLang="zh-CN" sz="2000" dirty="0">
+                <a:solidFill>
+                  <a:schemeClr val="accent1"/>
+                </a:solidFill>
+                <a:latin typeface="微软雅黑" pitchFamily="34" charset="-122"/>
+                <a:ea typeface="微软雅黑" pitchFamily="34" charset="-122"/>
+              </a:rPr>
+              <a:t>wait, notify / </a:t>
+            </a:r>
+            <a:r>
+              <a:rPr lang="en-US" altLang="zh-CN" sz="2000" dirty="0" err="1">
+                <a:solidFill>
+                  <a:schemeClr val="accent1"/>
+                </a:solidFill>
+                <a:latin typeface="微软雅黑" pitchFamily="34" charset="-122"/>
+                <a:ea typeface="微软雅黑" pitchFamily="34" charset="-122"/>
+              </a:rPr>
+              <a:t>notifyAll</a:t>
+            </a:r>
+            <a:endParaRPr lang="en-US" altLang="zh-CN" sz="2000" dirty="0">
+              <a:solidFill>
+                <a:schemeClr val="accent1"/>
+              </a:solidFill>
+              <a:latin typeface="微软雅黑" pitchFamily="34" charset="-122"/>
+              <a:ea typeface="微软雅黑" pitchFamily="34" charset="-122"/>
+            </a:endParaRPr>
+          </a:p>
+        </p:txBody>
+      </p:sp>
+      <p:grpSp>
+        <p:nvGrpSpPr>
+          <p:cNvPr id="48" name="组合 47"/>
+          <p:cNvGrpSpPr/>
+          <p:nvPr/>
+        </p:nvGrpSpPr>
+        <p:grpSpPr>
+          <a:xfrm>
+            <a:off x="416158" y="699542"/>
+            <a:ext cx="899592" cy="56017"/>
+            <a:chOff x="0" y="2842590"/>
+            <a:chExt cx="7054752" cy="89199"/>
+          </a:xfrm>
+        </p:grpSpPr>
+        <p:sp>
+          <p:nvSpPr>
+            <p:cNvPr id="49" name="矩形 48"/>
+            <p:cNvSpPr/>
+            <p:nvPr/>
+          </p:nvSpPr>
+          <p:spPr>
+            <a:xfrm>
+              <a:off x="0" y="2842590"/>
+              <a:ext cx="1763688" cy="89199"/>
+            </a:xfrm>
+            <a:prstGeom prst="rect">
+              <a:avLst/>
+            </a:prstGeom>
+            <a:solidFill>
+              <a:schemeClr val="accent1"/>
+            </a:solidFill>
+            <a:ln>
+              <a:noFill/>
+            </a:ln>
+          </p:spPr>
+          <p:style>
+            <a:lnRef idx="2">
+              <a:schemeClr val="accent1">
+                <a:shade val="50000"/>
+              </a:schemeClr>
+            </a:lnRef>
+            <a:fillRef idx="1">
+              <a:schemeClr val="accent1"/>
+            </a:fillRef>
+            <a:effectRef idx="0">
+              <a:schemeClr val="accent1"/>
+            </a:effectRef>
+            <a:fontRef idx="minor">
+              <a:schemeClr val="lt1"/>
+            </a:fontRef>
+          </p:style>
+          <p:txBody>
+            <a:bodyPr rtlCol="0" anchor="ctr"/>
+            <a:lstStyle/>
+            <a:p>
+              <a:pPr algn="ctr"/>
+              <a:endParaRPr lang="zh-CN" altLang="en-US"/>
+            </a:p>
+          </p:txBody>
+        </p:sp>
+        <p:sp>
+          <p:nvSpPr>
+            <p:cNvPr id="50" name="矩形 49"/>
+            <p:cNvSpPr/>
+            <p:nvPr/>
+          </p:nvSpPr>
+          <p:spPr>
+            <a:xfrm>
+              <a:off x="1763688" y="2842590"/>
+              <a:ext cx="1763688" cy="89199"/>
+            </a:xfrm>
+            <a:prstGeom prst="rect">
+              <a:avLst/>
+            </a:prstGeom>
+            <a:solidFill>
+              <a:schemeClr val="accent2"/>
+            </a:solidFill>
+            <a:ln>
+              <a:noFill/>
+            </a:ln>
+          </p:spPr>
+          <p:style>
+            <a:lnRef idx="2">
+              <a:schemeClr val="accent1">
+                <a:shade val="50000"/>
+              </a:schemeClr>
+            </a:lnRef>
+            <a:fillRef idx="1">
+              <a:schemeClr val="accent1"/>
+            </a:fillRef>
+            <a:effectRef idx="0">
+              <a:schemeClr val="accent1"/>
+            </a:effectRef>
+            <a:fontRef idx="minor">
+              <a:schemeClr val="lt1"/>
+            </a:fontRef>
+          </p:style>
+          <p:txBody>
+            <a:bodyPr rtlCol="0" anchor="ctr"/>
+            <a:lstStyle/>
+            <a:p>
+              <a:pPr algn="ctr"/>
+              <a:endParaRPr lang="zh-CN" altLang="en-US"/>
+            </a:p>
+          </p:txBody>
+        </p:sp>
+        <p:sp>
+          <p:nvSpPr>
+            <p:cNvPr id="51" name="矩形 50"/>
+            <p:cNvSpPr/>
+            <p:nvPr/>
+          </p:nvSpPr>
+          <p:spPr>
+            <a:xfrm>
+              <a:off x="3527376" y="2842590"/>
+              <a:ext cx="1763688" cy="89199"/>
+            </a:xfrm>
+            <a:prstGeom prst="rect">
+              <a:avLst/>
+            </a:prstGeom>
+            <a:solidFill>
+              <a:schemeClr val="accent3"/>
+            </a:solidFill>
+            <a:ln>
+              <a:noFill/>
+            </a:ln>
+          </p:spPr>
+          <p:style>
+            <a:lnRef idx="2">
+              <a:schemeClr val="accent1">
+                <a:shade val="50000"/>
+              </a:schemeClr>
+            </a:lnRef>
+            <a:fillRef idx="1">
+              <a:schemeClr val="accent1"/>
+            </a:fillRef>
+            <a:effectRef idx="0">
+              <a:schemeClr val="accent1"/>
+            </a:effectRef>
+            <a:fontRef idx="minor">
+              <a:schemeClr val="lt1"/>
+            </a:fontRef>
+          </p:style>
+          <p:txBody>
+            <a:bodyPr rtlCol="0" anchor="ctr"/>
+            <a:lstStyle/>
+            <a:p>
+              <a:pPr algn="ctr"/>
+              <a:endParaRPr lang="zh-CN" altLang="en-US"/>
+            </a:p>
+          </p:txBody>
+        </p:sp>
+        <p:sp>
+          <p:nvSpPr>
+            <p:cNvPr id="52" name="矩形 51"/>
+            <p:cNvSpPr/>
+            <p:nvPr/>
+          </p:nvSpPr>
+          <p:spPr>
+            <a:xfrm>
+              <a:off x="5291064" y="2842590"/>
+              <a:ext cx="1763688" cy="89199"/>
+            </a:xfrm>
+            <a:prstGeom prst="rect">
+              <a:avLst/>
+            </a:prstGeom>
+            <a:solidFill>
+              <a:schemeClr val="accent4"/>
+            </a:solidFill>
+            <a:ln>
+              <a:noFill/>
+            </a:ln>
+          </p:spPr>
+          <p:style>
+            <a:lnRef idx="2">
+              <a:schemeClr val="accent1">
+                <a:shade val="50000"/>
+              </a:schemeClr>
+            </a:lnRef>
+            <a:fillRef idx="1">
+              <a:schemeClr val="accent1"/>
+            </a:fillRef>
+            <a:effectRef idx="0">
+              <a:schemeClr val="accent1"/>
+            </a:effectRef>
+            <a:fontRef idx="minor">
+              <a:schemeClr val="lt1"/>
+            </a:fontRef>
+          </p:style>
+          <p:txBody>
+            <a:bodyPr rtlCol="0" anchor="ctr"/>
+            <a:lstStyle/>
+            <a:p>
+              <a:pPr algn="ctr"/>
+              <a:endParaRPr lang="zh-CN" altLang="en-US"/>
+            </a:p>
+          </p:txBody>
+        </p:sp>
+      </p:grpSp>
+      <p:sp>
+        <p:nvSpPr>
+          <p:cNvPr id="14" name="TextBox 21">
+            <a:extLst>
+              <a:ext uri="{FF2B5EF4-FFF2-40B4-BE49-F238E27FC236}">
+                <a16:creationId xmlns:a16="http://schemas.microsoft.com/office/drawing/2014/main" id="{69BC8B4F-4A33-4A1F-96F8-BBC903B090B9}"/>
+              </a:ext>
+            </a:extLst>
+          </p:cNvPr>
+          <p:cNvSpPr txBox="1"/>
+          <p:nvPr/>
+        </p:nvSpPr>
+        <p:spPr>
+          <a:xfrm>
+            <a:off x="1090852" y="1347614"/>
+            <a:ext cx="5400798" cy="3285900"/>
+          </a:xfrm>
+          <a:prstGeom prst="rect">
+            <a:avLst/>
+          </a:prstGeom>
+          <a:noFill/>
+        </p:spPr>
+        <p:txBody>
+          <a:bodyPr wrap="square" rtlCol="0">
+            <a:spAutoFit/>
+          </a:bodyPr>
+          <a:lstStyle/>
+          <a:p>
+            <a:pPr marL="342900" indent="-342900">
+              <a:lnSpc>
+                <a:spcPct val="150000"/>
+              </a:lnSpc>
+              <a:buFont typeface="+mj-lt"/>
+              <a:buAutoNum type="arabicPeriod"/>
+            </a:pPr>
+            <a:r>
+              <a:rPr lang="en-US" altLang="zh-CN" sz="1400" dirty="0">
+                <a:ln w="6350">
+                  <a:noFill/>
+                </a:ln>
+                <a:solidFill>
+                  <a:schemeClr val="bg1">
+                    <a:lumMod val="50000"/>
+                  </a:schemeClr>
+                </a:solidFill>
+                <a:latin typeface="微软雅黑" pitchFamily="34" charset="-122"/>
+                <a:ea typeface="微软雅黑" pitchFamily="34" charset="-122"/>
+              </a:rPr>
+              <a:t>wait</a:t>
+            </a:r>
+            <a:r>
+              <a:rPr lang="zh-CN" altLang="en-US" sz="1400" dirty="0">
+                <a:ln w="6350">
+                  <a:noFill/>
+                </a:ln>
+                <a:solidFill>
+                  <a:schemeClr val="bg1">
+                    <a:lumMod val="50000"/>
+                  </a:schemeClr>
+                </a:solidFill>
+                <a:latin typeface="微软雅黑" pitchFamily="34" charset="-122"/>
+                <a:ea typeface="微软雅黑" pitchFamily="34" charset="-122"/>
+              </a:rPr>
+              <a:t>方法用于在多线程中，被</a:t>
+            </a:r>
+            <a:r>
+              <a:rPr lang="en-US" altLang="zh-CN" sz="1400" dirty="0">
+                <a:ln w="6350">
+                  <a:noFill/>
+                </a:ln>
+                <a:solidFill>
+                  <a:schemeClr val="bg1">
+                    <a:lumMod val="50000"/>
+                  </a:schemeClr>
+                </a:solidFill>
+                <a:latin typeface="微软雅黑" pitchFamily="34" charset="-122"/>
+                <a:ea typeface="微软雅黑" pitchFamily="34" charset="-122"/>
+              </a:rPr>
+              <a:t>synchronized</a:t>
+            </a:r>
+            <a:r>
+              <a:rPr lang="zh-CN" altLang="en-US" sz="1400" dirty="0">
+                <a:ln w="6350">
+                  <a:noFill/>
+                </a:ln>
+                <a:solidFill>
+                  <a:schemeClr val="bg1">
+                    <a:lumMod val="50000"/>
+                  </a:schemeClr>
+                </a:solidFill>
+                <a:latin typeface="微软雅黑" pitchFamily="34" charset="-122"/>
+                <a:ea typeface="微软雅黑" pitchFamily="34" charset="-122"/>
+              </a:rPr>
+              <a:t>同步的对象调用，该方法会主动让当前线程进入等待状态，主动释放锁。</a:t>
+            </a:r>
+            <a:endParaRPr lang="en-US" altLang="zh-CN" sz="1400" dirty="0">
+              <a:ln w="6350">
+                <a:noFill/>
+              </a:ln>
+              <a:solidFill>
+                <a:schemeClr val="bg1">
+                  <a:lumMod val="50000"/>
+                </a:schemeClr>
+              </a:solidFill>
+              <a:latin typeface="微软雅黑" pitchFamily="34" charset="-122"/>
+              <a:ea typeface="微软雅黑" pitchFamily="34" charset="-122"/>
+            </a:endParaRPr>
+          </a:p>
+          <a:p>
+            <a:pPr marL="342900" indent="-342900">
+              <a:lnSpc>
+                <a:spcPct val="150000"/>
+              </a:lnSpc>
+              <a:buFont typeface="+mj-lt"/>
+              <a:buAutoNum type="arabicPeriod"/>
+            </a:pPr>
+            <a:r>
+              <a:rPr lang="en-US" altLang="zh-CN" sz="1400" dirty="0">
+                <a:ln w="6350">
+                  <a:noFill/>
+                </a:ln>
+                <a:solidFill>
+                  <a:schemeClr val="bg1">
+                    <a:lumMod val="50000"/>
+                  </a:schemeClr>
+                </a:solidFill>
+                <a:latin typeface="微软雅黑" pitchFamily="34" charset="-122"/>
+                <a:ea typeface="微软雅黑" pitchFamily="34" charset="-122"/>
+              </a:rPr>
+              <a:t>notify</a:t>
+            </a:r>
+            <a:r>
+              <a:rPr lang="zh-CN" altLang="en-US" sz="1400" dirty="0">
+                <a:ln w="6350">
+                  <a:noFill/>
+                </a:ln>
+                <a:solidFill>
+                  <a:schemeClr val="bg1">
+                    <a:lumMod val="50000"/>
+                  </a:schemeClr>
+                </a:solidFill>
+                <a:latin typeface="微软雅黑" pitchFamily="34" charset="-122"/>
+                <a:ea typeface="微软雅黑" pitchFamily="34" charset="-122"/>
+              </a:rPr>
+              <a:t>和</a:t>
+            </a:r>
+            <a:r>
+              <a:rPr lang="en-US" altLang="zh-CN" sz="1400" dirty="0" err="1">
+                <a:ln w="6350">
+                  <a:noFill/>
+                </a:ln>
+                <a:solidFill>
+                  <a:schemeClr val="bg1">
+                    <a:lumMod val="50000"/>
+                  </a:schemeClr>
+                </a:solidFill>
+                <a:latin typeface="微软雅黑" pitchFamily="34" charset="-122"/>
+                <a:ea typeface="微软雅黑" pitchFamily="34" charset="-122"/>
+              </a:rPr>
+              <a:t>notifyAll</a:t>
+            </a:r>
+            <a:r>
+              <a:rPr lang="zh-CN" altLang="en-US" sz="1400" dirty="0">
+                <a:ln w="6350">
+                  <a:noFill/>
+                </a:ln>
+                <a:solidFill>
+                  <a:schemeClr val="bg1">
+                    <a:lumMod val="50000"/>
+                  </a:schemeClr>
+                </a:solidFill>
+                <a:latin typeface="微软雅黑" pitchFamily="34" charset="-122"/>
+                <a:ea typeface="微软雅黑" pitchFamily="34" charset="-122"/>
+              </a:rPr>
+              <a:t>方法用于多线程中，对象调用该方法，会唤起等待该对象锁资源的线程。</a:t>
+            </a:r>
+            <a:endParaRPr lang="en-US" altLang="zh-CN" sz="1400" dirty="0">
+              <a:ln w="6350">
+                <a:noFill/>
+              </a:ln>
+              <a:solidFill>
+                <a:schemeClr val="bg1">
+                  <a:lumMod val="50000"/>
+                </a:schemeClr>
+              </a:solidFill>
+              <a:latin typeface="微软雅黑" pitchFamily="34" charset="-122"/>
+              <a:ea typeface="微软雅黑" pitchFamily="34" charset="-122"/>
+            </a:endParaRPr>
+          </a:p>
+          <a:p>
+            <a:pPr marL="342900" indent="-342900">
+              <a:lnSpc>
+                <a:spcPct val="150000"/>
+              </a:lnSpc>
+              <a:buFont typeface="+mj-lt"/>
+              <a:buAutoNum type="arabicPeriod"/>
+            </a:pPr>
+            <a:r>
+              <a:rPr lang="en-US" altLang="zh-CN" sz="1400" dirty="0">
+                <a:ln w="6350">
+                  <a:noFill/>
+                </a:ln>
+                <a:solidFill>
+                  <a:schemeClr val="bg1">
+                    <a:lumMod val="50000"/>
+                  </a:schemeClr>
+                </a:solidFill>
+                <a:latin typeface="微软雅黑" pitchFamily="34" charset="-122"/>
+                <a:ea typeface="微软雅黑" pitchFamily="34" charset="-122"/>
+              </a:rPr>
+              <a:t>notify</a:t>
+            </a:r>
+            <a:r>
+              <a:rPr lang="zh-CN" altLang="en-US" sz="1400" dirty="0">
+                <a:ln w="6350">
+                  <a:noFill/>
+                </a:ln>
+                <a:solidFill>
+                  <a:schemeClr val="bg1">
+                    <a:lumMod val="50000"/>
+                  </a:schemeClr>
+                </a:solidFill>
+                <a:latin typeface="微软雅黑" pitchFamily="34" charset="-122"/>
+                <a:ea typeface="微软雅黑" pitchFamily="34" charset="-122"/>
+              </a:rPr>
+              <a:t>和</a:t>
+            </a:r>
+            <a:r>
+              <a:rPr lang="en-US" altLang="zh-CN" sz="1400" dirty="0" err="1">
+                <a:ln w="6350">
+                  <a:noFill/>
+                </a:ln>
+                <a:solidFill>
+                  <a:schemeClr val="bg1">
+                    <a:lumMod val="50000"/>
+                  </a:schemeClr>
+                </a:solidFill>
+                <a:latin typeface="微软雅黑" pitchFamily="34" charset="-122"/>
+                <a:ea typeface="微软雅黑" pitchFamily="34" charset="-122"/>
+              </a:rPr>
+              <a:t>notifyAll</a:t>
+            </a:r>
+            <a:r>
+              <a:rPr lang="zh-CN" altLang="en-US" sz="1400" dirty="0">
+                <a:ln w="6350">
+                  <a:noFill/>
+                </a:ln>
+                <a:solidFill>
+                  <a:schemeClr val="bg1">
+                    <a:lumMod val="50000"/>
+                  </a:schemeClr>
+                </a:solidFill>
+                <a:latin typeface="微软雅黑" pitchFamily="34" charset="-122"/>
+                <a:ea typeface="微软雅黑" pitchFamily="34" charset="-122"/>
+              </a:rPr>
+              <a:t>的区别，</a:t>
+            </a:r>
+            <a:r>
+              <a:rPr lang="en-US" altLang="zh-CN" sz="1400" dirty="0">
+                <a:ln w="6350">
+                  <a:noFill/>
+                </a:ln>
+                <a:solidFill>
+                  <a:schemeClr val="bg1">
+                    <a:lumMod val="50000"/>
+                  </a:schemeClr>
+                </a:solidFill>
+                <a:latin typeface="微软雅黑" pitchFamily="34" charset="-122"/>
+                <a:ea typeface="微软雅黑" pitchFamily="34" charset="-122"/>
+              </a:rPr>
+              <a:t>notify</a:t>
+            </a:r>
+            <a:r>
+              <a:rPr lang="zh-CN" altLang="en-US" sz="1400" dirty="0">
+                <a:ln w="6350">
+                  <a:noFill/>
+                </a:ln>
+                <a:solidFill>
+                  <a:schemeClr val="bg1">
+                    <a:lumMod val="50000"/>
+                  </a:schemeClr>
+                </a:solidFill>
+                <a:latin typeface="微软雅黑" pitchFamily="34" charset="-122"/>
+                <a:ea typeface="微软雅黑" pitchFamily="34" charset="-122"/>
+              </a:rPr>
+              <a:t>会从等待该对象锁的线程中随机选择一个线程进行唤醒，其它线程继续等待；</a:t>
+            </a:r>
+            <a:r>
+              <a:rPr lang="en-US" altLang="zh-CN" sz="1400" dirty="0" err="1">
+                <a:ln w="6350">
+                  <a:noFill/>
+                </a:ln>
+                <a:solidFill>
+                  <a:schemeClr val="bg1">
+                    <a:lumMod val="50000"/>
+                  </a:schemeClr>
+                </a:solidFill>
+                <a:latin typeface="微软雅黑" pitchFamily="34" charset="-122"/>
+                <a:ea typeface="微软雅黑" pitchFamily="34" charset="-122"/>
+              </a:rPr>
+              <a:t>notifyAll</a:t>
+            </a:r>
+            <a:r>
+              <a:rPr lang="zh-CN" altLang="en-US" sz="1400" dirty="0">
+                <a:ln w="6350">
+                  <a:noFill/>
+                </a:ln>
+                <a:solidFill>
+                  <a:schemeClr val="bg1">
+                    <a:lumMod val="50000"/>
+                  </a:schemeClr>
+                </a:solidFill>
+                <a:latin typeface="微软雅黑" pitchFamily="34" charset="-122"/>
+                <a:ea typeface="微软雅黑" pitchFamily="34" charset="-122"/>
+              </a:rPr>
+              <a:t>会唤醒所有等待该对象锁资源的线程，让它们一起竞争该锁资源，但只有一个线程能够竞争到，竞争不到的其它线程处于阻塞状态。</a:t>
+            </a:r>
+            <a:endParaRPr lang="en-US" altLang="zh-CN" sz="1400" dirty="0">
+              <a:ln w="6350">
+                <a:noFill/>
+              </a:ln>
+              <a:solidFill>
+                <a:schemeClr val="bg1">
+                  <a:lumMod val="50000"/>
+                </a:schemeClr>
+              </a:solidFill>
+              <a:latin typeface="微软雅黑" pitchFamily="34" charset="-122"/>
+              <a:ea typeface="微软雅黑" pitchFamily="34" charset="-122"/>
+            </a:endParaRPr>
+          </a:p>
+          <a:p>
+            <a:pPr marL="342900" indent="-342900">
+              <a:lnSpc>
+                <a:spcPct val="150000"/>
+              </a:lnSpc>
+              <a:buFont typeface="+mj-lt"/>
+              <a:buAutoNum type="arabicPeriod"/>
+            </a:pPr>
+            <a:r>
+              <a:rPr lang="en-US" altLang="zh-CN" sz="1400" dirty="0">
+                <a:ln w="6350">
+                  <a:noFill/>
+                </a:ln>
+                <a:solidFill>
+                  <a:schemeClr val="bg1">
+                    <a:lumMod val="50000"/>
+                  </a:schemeClr>
+                </a:solidFill>
+                <a:latin typeface="微软雅黑" pitchFamily="34" charset="-122"/>
+                <a:ea typeface="微软雅黑" pitchFamily="34" charset="-122"/>
+              </a:rPr>
+              <a:t>wait</a:t>
+            </a:r>
+            <a:r>
+              <a:rPr lang="zh-CN" altLang="en-US" sz="1400" dirty="0">
+                <a:ln w="6350">
+                  <a:noFill/>
+                </a:ln>
+                <a:solidFill>
+                  <a:schemeClr val="bg1">
+                    <a:lumMod val="50000"/>
+                  </a:schemeClr>
+                </a:solidFill>
+                <a:latin typeface="微软雅黑" pitchFamily="34" charset="-122"/>
+                <a:ea typeface="微软雅黑" pitchFamily="34" charset="-122"/>
+              </a:rPr>
+              <a:t>和</a:t>
+            </a:r>
+            <a:r>
+              <a:rPr lang="en-US" altLang="zh-CN" sz="1400" dirty="0">
+                <a:ln w="6350">
+                  <a:noFill/>
+                </a:ln>
+                <a:solidFill>
+                  <a:schemeClr val="bg1">
+                    <a:lumMod val="50000"/>
+                  </a:schemeClr>
+                </a:solidFill>
+                <a:latin typeface="微软雅黑" pitchFamily="34" charset="-122"/>
+                <a:ea typeface="微软雅黑" pitchFamily="34" charset="-122"/>
+              </a:rPr>
+              <a:t>notify / </a:t>
+            </a:r>
+            <a:r>
+              <a:rPr lang="en-US" altLang="zh-CN" sz="1400" dirty="0" err="1">
+                <a:ln w="6350">
+                  <a:noFill/>
+                </a:ln>
+                <a:solidFill>
+                  <a:schemeClr val="bg1">
+                    <a:lumMod val="50000"/>
+                  </a:schemeClr>
+                </a:solidFill>
+                <a:latin typeface="微软雅黑" pitchFamily="34" charset="-122"/>
+                <a:ea typeface="微软雅黑" pitchFamily="34" charset="-122"/>
+              </a:rPr>
+              <a:t>notifyAll</a:t>
+            </a:r>
+            <a:r>
+              <a:rPr lang="zh-CN" altLang="en-US" sz="1400" dirty="0">
+                <a:ln w="6350">
+                  <a:noFill/>
+                </a:ln>
+                <a:solidFill>
+                  <a:schemeClr val="bg1">
+                    <a:lumMod val="50000"/>
+                  </a:schemeClr>
+                </a:solidFill>
+                <a:latin typeface="微软雅黑" pitchFamily="34" charset="-122"/>
+                <a:ea typeface="微软雅黑" pitchFamily="34" charset="-122"/>
+              </a:rPr>
+              <a:t>可以用于解决线程同步问题。</a:t>
+            </a:r>
+            <a:endParaRPr lang="en-US" altLang="zh-CN" sz="1400" dirty="0">
+              <a:ln w="6350">
+                <a:noFill/>
+              </a:ln>
+              <a:solidFill>
+                <a:schemeClr val="bg1">
+                  <a:lumMod val="50000"/>
+                </a:schemeClr>
+              </a:solidFill>
+              <a:latin typeface="微软雅黑" pitchFamily="34" charset="-122"/>
+              <a:ea typeface="微软雅黑" pitchFamily="34" charset="-122"/>
+            </a:endParaRPr>
+          </a:p>
+        </p:txBody>
+      </p:sp>
+    </p:spTree>
+    <p:extLst>
+      <p:ext uri="{BB962C8B-B14F-4D97-AF65-F5344CB8AC3E}">
+        <p14:creationId xmlns:p14="http://schemas.microsoft.com/office/powerpoint/2010/main" val="2685205752"/>
+      </p:ext>
+    </p:extLst>
+  </p:cSld>
+  <p:clrMapOvr>
+    <a:masterClrMapping/>
+  </p:clrMapOvr>
+</p:sld>
+</file>
+
+<file path=ppt/slides/slide9.xml><?xml version="1.0" encoding="utf-8"?>
+<p:sld xmlns:a="http://schemas.openxmlformats.org/drawingml/2006/main" xmlns:r="http://schemas.openxmlformats.org/officeDocument/2006/relationships" xmlns:p="http://schemas.openxmlformats.org/presentationml/2006/main">
+  <p:cSld>
+    <p:spTree>
+      <p:nvGrpSpPr>
+        <p:cNvPr id="1" name=""/>
+        <p:cNvGrpSpPr/>
+        <p:nvPr/>
+      </p:nvGrpSpPr>
+      <p:grpSpPr>
+        <a:xfrm>
+          <a:off x="0" y="0"/>
+          <a:ext cx="0" cy="0"/>
+          <a:chOff x="0" y="0"/>
+          <a:chExt cx="0" cy="0"/>
+        </a:xfrm>
+      </p:grpSpPr>
+      <p:sp>
+        <p:nvSpPr>
+          <p:cNvPr id="47" name="Rectangle 39"/>
+          <p:cNvSpPr>
+            <a:spLocks noChangeArrowheads="1"/>
+          </p:cNvSpPr>
+          <p:nvPr/>
+        </p:nvSpPr>
+        <p:spPr bwMode="auto">
+          <a:xfrm>
+            <a:off x="416159" y="278281"/>
+            <a:ext cx="2778059" cy="307872"/>
+          </a:xfrm>
+          <a:prstGeom prst="rect">
+            <a:avLst/>
+          </a:prstGeom>
+          <a:noFill/>
+          <a:ln>
+            <a:noFill/>
+          </a:ln>
+          <a:extLst>
+            <a:ext uri="{909E8E84-426E-40DD-AFC4-6F175D3DCCD1}">
+              <a14:hiddenFill xmlns:a14="http://schemas.microsoft.com/office/drawing/2010/main">
+                <a:solidFill>
+                  <a:srgbClr val="FFFFFF"/>
+                </a:solidFill>
+              </a14:hiddenFill>
+            </a:ext>
+            <a:ext uri="{91240B29-F687-4F45-9708-019B960494DF}">
+              <a14:hiddenLine xmlns:a14="http://schemas.microsoft.com/office/drawing/2010/main" w="9525">
+                <a:solidFill>
+                  <a:srgbClr val="000000"/>
+                </a:solidFill>
+                <a:miter lim="800000"/>
+                <a:headEnd/>
+                <a:tailEnd/>
+              </a14:hiddenLine>
+            </a:ext>
+          </a:extLst>
+        </p:spPr>
+        <p:txBody>
+          <a:bodyPr wrap="square" lIns="0" tIns="0" rIns="0" bIns="0">
+            <a:spAutoFit/>
+          </a:bodyPr>
+          <a:lstStyle/>
+          <a:p>
+            <a:pPr>
+              <a:buFont typeface="Arial" pitchFamily="34" charset="0"/>
+              <a:buNone/>
+            </a:pPr>
+            <a:r>
+              <a:rPr lang="en-US" altLang="zh-CN" sz="2000" dirty="0">
+                <a:solidFill>
+                  <a:schemeClr val="accent1"/>
+                </a:solidFill>
+                <a:latin typeface="微软雅黑" pitchFamily="34" charset="-122"/>
+                <a:ea typeface="微软雅黑" pitchFamily="34" charset="-122"/>
+              </a:rPr>
+              <a:t>wait, notify / </a:t>
+            </a:r>
+            <a:r>
+              <a:rPr lang="en-US" altLang="zh-CN" sz="2000" dirty="0" err="1">
+                <a:solidFill>
+                  <a:schemeClr val="accent1"/>
+                </a:solidFill>
+                <a:latin typeface="微软雅黑" pitchFamily="34" charset="-122"/>
+                <a:ea typeface="微软雅黑" pitchFamily="34" charset="-122"/>
+              </a:rPr>
+              <a:t>notifyAll</a:t>
+            </a:r>
+            <a:endParaRPr lang="en-US" altLang="zh-CN" sz="2000" dirty="0">
+              <a:solidFill>
+                <a:schemeClr val="accent1"/>
+              </a:solidFill>
+              <a:latin typeface="微软雅黑" pitchFamily="34" charset="-122"/>
+              <a:ea typeface="微软雅黑" pitchFamily="34" charset="-122"/>
+            </a:endParaRPr>
+          </a:p>
+        </p:txBody>
+      </p:sp>
+      <p:grpSp>
+        <p:nvGrpSpPr>
+          <p:cNvPr id="48" name="组合 47"/>
+          <p:cNvGrpSpPr/>
+          <p:nvPr/>
+        </p:nvGrpSpPr>
+        <p:grpSpPr>
+          <a:xfrm>
+            <a:off x="416158" y="699542"/>
+            <a:ext cx="899592" cy="56017"/>
+            <a:chOff x="0" y="2842590"/>
+            <a:chExt cx="7054752" cy="89199"/>
+          </a:xfrm>
+        </p:grpSpPr>
+        <p:sp>
+          <p:nvSpPr>
+            <p:cNvPr id="49" name="矩形 48"/>
+            <p:cNvSpPr/>
+            <p:nvPr/>
+          </p:nvSpPr>
+          <p:spPr>
+            <a:xfrm>
+              <a:off x="0" y="2842590"/>
+              <a:ext cx="1763688" cy="89199"/>
+            </a:xfrm>
+            <a:prstGeom prst="rect">
+              <a:avLst/>
+            </a:prstGeom>
+            <a:solidFill>
+              <a:schemeClr val="accent1"/>
+            </a:solidFill>
+            <a:ln>
+              <a:noFill/>
+            </a:ln>
+          </p:spPr>
+          <p:style>
+            <a:lnRef idx="2">
+              <a:schemeClr val="accent1">
+                <a:shade val="50000"/>
+              </a:schemeClr>
+            </a:lnRef>
+            <a:fillRef idx="1">
+              <a:schemeClr val="accent1"/>
+            </a:fillRef>
+            <a:effectRef idx="0">
+              <a:schemeClr val="accent1"/>
+            </a:effectRef>
+            <a:fontRef idx="minor">
+              <a:schemeClr val="lt1"/>
+            </a:fontRef>
+          </p:style>
+          <p:txBody>
+            <a:bodyPr rtlCol="0" anchor="ctr"/>
+            <a:lstStyle/>
+            <a:p>
+              <a:pPr algn="ctr"/>
+              <a:endParaRPr lang="zh-CN" altLang="en-US"/>
+            </a:p>
+          </p:txBody>
+        </p:sp>
+        <p:sp>
+          <p:nvSpPr>
+            <p:cNvPr id="50" name="矩形 49"/>
+            <p:cNvSpPr/>
+            <p:nvPr/>
+          </p:nvSpPr>
+          <p:spPr>
+            <a:xfrm>
+              <a:off x="1763688" y="2842590"/>
+              <a:ext cx="1763688" cy="89199"/>
+            </a:xfrm>
+            <a:prstGeom prst="rect">
+              <a:avLst/>
+            </a:prstGeom>
+            <a:solidFill>
+              <a:schemeClr val="accent2"/>
+            </a:solidFill>
+            <a:ln>
+              <a:noFill/>
+            </a:ln>
+          </p:spPr>
+          <p:style>
+            <a:lnRef idx="2">
+              <a:schemeClr val="accent1">
+                <a:shade val="50000"/>
+              </a:schemeClr>
+            </a:lnRef>
+            <a:fillRef idx="1">
+              <a:schemeClr val="accent1"/>
+            </a:fillRef>
+            <a:effectRef idx="0">
+              <a:schemeClr val="accent1"/>
+            </a:effectRef>
+            <a:fontRef idx="minor">
+              <a:schemeClr val="lt1"/>
+            </a:fontRef>
+          </p:style>
+          <p:txBody>
+            <a:bodyPr rtlCol="0" anchor="ctr"/>
+            <a:lstStyle/>
+            <a:p>
+              <a:pPr algn="ctr"/>
+              <a:endParaRPr lang="zh-CN" altLang="en-US"/>
+            </a:p>
+          </p:txBody>
+        </p:sp>
+        <p:sp>
+          <p:nvSpPr>
+            <p:cNvPr id="51" name="矩形 50"/>
+            <p:cNvSpPr/>
+            <p:nvPr/>
+          </p:nvSpPr>
+          <p:spPr>
+            <a:xfrm>
+              <a:off x="3527376" y="2842590"/>
+              <a:ext cx="1763688" cy="89199"/>
+            </a:xfrm>
+            <a:prstGeom prst="rect">
+              <a:avLst/>
+            </a:prstGeom>
+            <a:solidFill>
+              <a:schemeClr val="accent3"/>
+            </a:solidFill>
+            <a:ln>
+              <a:noFill/>
+            </a:ln>
+          </p:spPr>
+          <p:style>
+            <a:lnRef idx="2">
+              <a:schemeClr val="accent1">
+                <a:shade val="50000"/>
+              </a:schemeClr>
+            </a:lnRef>
+            <a:fillRef idx="1">
+              <a:schemeClr val="accent1"/>
+            </a:fillRef>
+            <a:effectRef idx="0">
+              <a:schemeClr val="accent1"/>
+            </a:effectRef>
+            <a:fontRef idx="minor">
+              <a:schemeClr val="lt1"/>
+            </a:fontRef>
+          </p:style>
+          <p:txBody>
+            <a:bodyPr rtlCol="0" anchor="ctr"/>
+            <a:lstStyle/>
+            <a:p>
+              <a:pPr algn="ctr"/>
+              <a:endParaRPr lang="zh-CN" altLang="en-US"/>
+            </a:p>
+          </p:txBody>
+        </p:sp>
+        <p:sp>
+          <p:nvSpPr>
+            <p:cNvPr id="52" name="矩形 51"/>
+            <p:cNvSpPr/>
+            <p:nvPr/>
+          </p:nvSpPr>
+          <p:spPr>
+            <a:xfrm>
+              <a:off x="5291064" y="2842590"/>
+              <a:ext cx="1763688" cy="89199"/>
+            </a:xfrm>
+            <a:prstGeom prst="rect">
+              <a:avLst/>
+            </a:prstGeom>
+            <a:solidFill>
+              <a:schemeClr val="accent4"/>
+            </a:solidFill>
+            <a:ln>
+              <a:noFill/>
+            </a:ln>
+          </p:spPr>
+          <p:style>
+            <a:lnRef idx="2">
+              <a:schemeClr val="accent1">
+                <a:shade val="50000"/>
+              </a:schemeClr>
+            </a:lnRef>
+            <a:fillRef idx="1">
+              <a:schemeClr val="accent1"/>
+            </a:fillRef>
+            <a:effectRef idx="0">
+              <a:schemeClr val="accent1"/>
+            </a:effectRef>
+            <a:fontRef idx="minor">
+              <a:schemeClr val="lt1"/>
+            </a:fontRef>
+          </p:style>
+          <p:txBody>
+            <a:bodyPr rtlCol="0" anchor="ctr"/>
+            <a:lstStyle/>
+            <a:p>
+              <a:pPr algn="ctr"/>
+              <a:endParaRPr lang="zh-CN" altLang="en-US"/>
+            </a:p>
+          </p:txBody>
+        </p:sp>
+      </p:grpSp>
+      <p:sp>
+        <p:nvSpPr>
+          <p:cNvPr id="9" name="TextBox 21">
+            <a:extLst>
+              <a:ext uri="{FF2B5EF4-FFF2-40B4-BE49-F238E27FC236}">
+                <a16:creationId xmlns:a16="http://schemas.microsoft.com/office/drawing/2014/main" id="{942600EA-4730-4660-A01A-8D61771962BB}"/>
+              </a:ext>
+            </a:extLst>
+          </p:cNvPr>
+          <p:cNvSpPr txBox="1"/>
+          <p:nvPr/>
+        </p:nvSpPr>
+        <p:spPr>
+          <a:xfrm>
+            <a:off x="107504" y="2067694"/>
+            <a:ext cx="2574540" cy="377411"/>
+          </a:xfrm>
+          <a:prstGeom prst="rect">
+            <a:avLst/>
+          </a:prstGeom>
+          <a:noFill/>
+        </p:spPr>
+        <p:txBody>
+          <a:bodyPr wrap="square" rtlCol="0">
+            <a:spAutoFit/>
+          </a:bodyPr>
+          <a:lstStyle/>
+          <a:p>
+            <a:pPr>
+              <a:lnSpc>
+                <a:spcPct val="150000"/>
+              </a:lnSpc>
+            </a:pPr>
+            <a:r>
+              <a:rPr lang="en-US" altLang="zh-CN" sz="1400" dirty="0">
+                <a:ln w="6350">
+                  <a:noFill/>
+                </a:ln>
+                <a:solidFill>
+                  <a:schemeClr val="bg1">
+                    <a:lumMod val="50000"/>
+                  </a:schemeClr>
+                </a:solidFill>
+                <a:latin typeface="微软雅黑" pitchFamily="34" charset="-122"/>
+                <a:ea typeface="微软雅黑" pitchFamily="34" charset="-122"/>
+              </a:rPr>
+              <a:t>【</a:t>
+            </a:r>
+            <a:r>
+              <a:rPr lang="zh-CN" altLang="en-US" sz="1400" dirty="0">
+                <a:ln w="6350">
+                  <a:noFill/>
+                </a:ln>
+                <a:solidFill>
+                  <a:schemeClr val="bg1">
+                    <a:lumMod val="50000"/>
+                  </a:schemeClr>
+                </a:solidFill>
+                <a:latin typeface="微软雅黑" pitchFamily="34" charset="-122"/>
+                <a:ea typeface="微软雅黑" pitchFamily="34" charset="-122"/>
+              </a:rPr>
+              <a:t>扩展问题</a:t>
+            </a:r>
+            <a:r>
+              <a:rPr lang="en-US" altLang="zh-CN" sz="1400" dirty="0">
+                <a:ln w="6350">
+                  <a:noFill/>
+                </a:ln>
+                <a:solidFill>
+                  <a:schemeClr val="bg1">
+                    <a:lumMod val="50000"/>
+                  </a:schemeClr>
+                </a:solidFill>
+                <a:latin typeface="微软雅黑" pitchFamily="34" charset="-122"/>
+                <a:ea typeface="微软雅黑" pitchFamily="34" charset="-122"/>
+              </a:rPr>
+              <a:t>】</a:t>
+            </a:r>
+            <a:r>
+              <a:rPr lang="zh-CN" altLang="en-US" sz="1400" dirty="0">
+                <a:ln w="6350">
+                  <a:noFill/>
+                </a:ln>
+                <a:solidFill>
+                  <a:schemeClr val="bg1">
+                    <a:lumMod val="50000"/>
+                  </a:schemeClr>
+                </a:solidFill>
+                <a:latin typeface="微软雅黑" pitchFamily="34" charset="-122"/>
+                <a:ea typeface="微软雅黑" pitchFamily="34" charset="-122"/>
+              </a:rPr>
+              <a:t>线程有哪些状态？</a:t>
+            </a:r>
+            <a:endParaRPr lang="en-US" altLang="zh-CN" sz="1400" dirty="0">
+              <a:ln w="6350">
+                <a:noFill/>
+              </a:ln>
+              <a:solidFill>
+                <a:schemeClr val="bg1">
+                  <a:lumMod val="50000"/>
+                </a:schemeClr>
+              </a:solidFill>
+              <a:latin typeface="微软雅黑" pitchFamily="34" charset="-122"/>
+              <a:ea typeface="微软雅黑" pitchFamily="34" charset="-122"/>
+            </a:endParaRPr>
+          </a:p>
+        </p:txBody>
+      </p:sp>
+      <p:pic>
+        <p:nvPicPr>
+          <p:cNvPr id="1028" name="Picture 4">
+            <a:extLst>
+              <a:ext uri="{FF2B5EF4-FFF2-40B4-BE49-F238E27FC236}">
+                <a16:creationId xmlns:a16="http://schemas.microsoft.com/office/drawing/2014/main" id="{9D48937F-7C51-4A93-9B7F-979FF41DAA5A}"/>
+              </a:ext>
+            </a:extLst>
+          </p:cNvPr>
+          <p:cNvPicPr>
+            <a:picLocks noChangeAspect="1" noChangeArrowheads="1"/>
+          </p:cNvPicPr>
+          <p:nvPr/>
+        </p:nvPicPr>
+        <p:blipFill>
+          <a:blip r:embed="rId3" cstate="print">
+            <a:extLst>
+              <a:ext uri="{28A0092B-C50C-407E-A947-70E740481C1C}">
+                <a14:useLocalDpi xmlns:a14="http://schemas.microsoft.com/office/drawing/2010/main" val="0"/>
+              </a:ext>
+            </a:extLst>
+          </a:blip>
+          <a:srcRect/>
+          <a:stretch>
+            <a:fillRect/>
+          </a:stretch>
+        </p:blipFill>
+        <p:spPr bwMode="auto">
+          <a:xfrm>
+            <a:off x="2411760" y="837330"/>
+            <a:ext cx="6483251" cy="4284261"/>
+          </a:xfrm>
+          <a:prstGeom prst="rect">
+            <a:avLst/>
+          </a:prstGeom>
+          <a:noFill/>
+          <a:extLst>
+            <a:ext uri="{909E8E84-426E-40DD-AFC4-6F175D3DCCD1}">
+              <a14:hiddenFill xmlns:a14="http://schemas.microsoft.com/office/drawing/2010/main">
+                <a:solidFill>
+                  <a:srgbClr val="FFFFFF"/>
+                </a:solidFill>
+              </a14:hiddenFill>
+            </a:ext>
+          </a:extLst>
+        </p:spPr>
+      </p:pic>
+      <p:sp>
+        <p:nvSpPr>
+          <p:cNvPr id="2" name="Rectangle 5">
+            <a:extLst>
+              <a:ext uri="{FF2B5EF4-FFF2-40B4-BE49-F238E27FC236}">
+                <a16:creationId xmlns:a16="http://schemas.microsoft.com/office/drawing/2014/main" id="{43093CBE-2A6A-4DA8-B680-7BD8664F632E}"/>
+              </a:ext>
+            </a:extLst>
+          </p:cNvPr>
+          <p:cNvSpPr>
+            <a:spLocks noChangeArrowheads="1"/>
+          </p:cNvSpPr>
+          <p:nvPr/>
+        </p:nvSpPr>
+        <p:spPr bwMode="auto">
+          <a:xfrm>
+            <a:off x="317949" y="2787774"/>
+            <a:ext cx="1995602" cy="1569660"/>
+          </a:xfrm>
+          <a:prstGeom prst="rect">
+            <a:avLst/>
+          </a:prstGeom>
+          <a:solidFill>
+            <a:srgbClr val="2B2B2B"/>
+          </a:solidFill>
+          <a:ln>
+            <a:noFill/>
+          </a:ln>
+          <a:effectLst/>
+          <a:extLst>
+            <a:ext uri="{91240B29-F687-4F45-9708-019B960494DF}">
+              <a14:hiddenLine xmlns:a14="http://schemas.microsoft.com/office/drawing/2010/main" w="9525">
+                <a:solidFill>
+                  <a:schemeClr val="tx1"/>
+                </a:solidFill>
+                <a:miter lim="800000"/>
+                <a:headEnd/>
+                <a:tailEnd/>
+              </a14:hiddenLine>
+            </a:ext>
+            <a:ext uri="{AF507438-7753-43E0-B8FC-AC1667EBCBE1}">
+              <a14:hiddenEffects xmlns:a14="http://schemas.microsoft.com/office/drawing/2010/main">
+                <a:effectLst>
+                  <a:outerShdw dist="35921" dir="2700000" algn="ctr" rotWithShape="0">
+                    <a:schemeClr val="bg2"/>
+                  </a:outerShdw>
+                </a:effectLst>
+              </a14:hiddenEffects>
+            </a:ext>
+          </a:extLst>
+        </p:spPr>
+        <p:txBody>
+          <a:bodyPr vert="horz" wrap="square" lIns="91440" tIns="45720" rIns="91440" bIns="45720" numCol="1" anchor="ctr" anchorCtr="0" compatLnSpc="1">
+            <a:prstTxWarp prst="textNoShape">
+              <a:avLst/>
+            </a:prstTxWarp>
+            <a:spAutoFit/>
+          </a:bodyPr>
+          <a:lstStyle/>
+          <a:p>
+            <a:pPr marL="0" marR="0" lvl="0" indent="0" algn="l" defTabSz="914400" rtl="0" eaLnBrk="0" fontAlgn="base" latinLnBrk="0" hangingPunct="0">
+              <a:lnSpc>
+                <a:spcPct val="100000"/>
+              </a:lnSpc>
+              <a:spcBef>
+                <a:spcPct val="0"/>
+              </a:spcBef>
+              <a:spcAft>
+                <a:spcPct val="0"/>
+              </a:spcAft>
+              <a:buClrTx/>
+              <a:buSzTx/>
+              <a:buFontTx/>
+              <a:buNone/>
+              <a:tabLst/>
+            </a:pPr>
+            <a:r>
+              <a:rPr kumimoji="0" lang="zh-CN" altLang="zh-CN" sz="1600" b="0" i="1" u="none" strike="noStrike" cap="none" normalizeH="0" baseline="0" dirty="0">
+                <a:ln>
+                  <a:noFill/>
+                </a:ln>
+                <a:solidFill>
+                  <a:srgbClr val="9876AA"/>
+                </a:solidFill>
+                <a:effectLst/>
+                <a:latin typeface="Consolas" panose="020B0609020204030204" pitchFamily="49" charset="0"/>
+              </a:rPr>
+              <a:t>NEW</a:t>
+            </a:r>
+            <a:r>
+              <a:rPr kumimoji="0" lang="zh-CN" altLang="zh-CN" sz="1600" b="0" i="0" u="none" strike="noStrike" cap="none" normalizeH="0" baseline="0" dirty="0">
+                <a:ln>
+                  <a:noFill/>
+                </a:ln>
+                <a:solidFill>
+                  <a:srgbClr val="CC7832"/>
+                </a:solidFill>
+                <a:effectLst/>
+                <a:latin typeface="Consolas" panose="020B0609020204030204" pitchFamily="49" charset="0"/>
+              </a:rPr>
+              <a:t>,</a:t>
+            </a:r>
+            <a:br>
+              <a:rPr kumimoji="0" lang="zh-CN" altLang="zh-CN" sz="1600" b="0" i="0" u="none" strike="noStrike" cap="none" normalizeH="0" baseline="0" dirty="0">
+                <a:ln>
+                  <a:noFill/>
+                </a:ln>
+                <a:solidFill>
+                  <a:srgbClr val="CC7832"/>
+                </a:solidFill>
+                <a:effectLst/>
+                <a:latin typeface="Consolas" panose="020B0609020204030204" pitchFamily="49" charset="0"/>
+              </a:rPr>
+            </a:br>
+            <a:r>
+              <a:rPr kumimoji="0" lang="zh-CN" altLang="zh-CN" sz="1600" b="0" i="1" u="none" strike="noStrike" cap="none" normalizeH="0" baseline="0" dirty="0">
+                <a:ln>
+                  <a:noFill/>
+                </a:ln>
+                <a:solidFill>
+                  <a:srgbClr val="9876AA"/>
+                </a:solidFill>
+                <a:effectLst/>
+                <a:latin typeface="Consolas" panose="020B0609020204030204" pitchFamily="49" charset="0"/>
+              </a:rPr>
+              <a:t>RUNNABLE</a:t>
+            </a:r>
+            <a:r>
+              <a:rPr kumimoji="0" lang="zh-CN" altLang="zh-CN" sz="1600" b="0" i="0" u="none" strike="noStrike" cap="none" normalizeH="0" baseline="0" dirty="0">
+                <a:ln>
+                  <a:noFill/>
+                </a:ln>
+                <a:solidFill>
+                  <a:srgbClr val="CC7832"/>
+                </a:solidFill>
+                <a:effectLst/>
+                <a:latin typeface="Consolas" panose="020B0609020204030204" pitchFamily="49" charset="0"/>
+              </a:rPr>
+              <a:t>,</a:t>
+            </a:r>
+            <a:br>
+              <a:rPr kumimoji="0" lang="zh-CN" altLang="zh-CN" sz="1600" b="0" i="0" u="none" strike="noStrike" cap="none" normalizeH="0" baseline="0" dirty="0">
+                <a:ln>
+                  <a:noFill/>
+                </a:ln>
+                <a:solidFill>
+                  <a:srgbClr val="CC7832"/>
+                </a:solidFill>
+                <a:effectLst/>
+                <a:latin typeface="Consolas" panose="020B0609020204030204" pitchFamily="49" charset="0"/>
+              </a:rPr>
+            </a:br>
+            <a:r>
+              <a:rPr kumimoji="0" lang="zh-CN" altLang="zh-CN" sz="1600" b="0" i="1" u="none" strike="noStrike" cap="none" normalizeH="0" baseline="0" dirty="0">
+                <a:ln>
+                  <a:noFill/>
+                </a:ln>
+                <a:solidFill>
+                  <a:srgbClr val="9876AA"/>
+                </a:solidFill>
+                <a:effectLst/>
+                <a:latin typeface="Consolas" panose="020B0609020204030204" pitchFamily="49" charset="0"/>
+              </a:rPr>
+              <a:t>BLOCKED</a:t>
+            </a:r>
+            <a:r>
+              <a:rPr kumimoji="0" lang="zh-CN" altLang="zh-CN" sz="1600" b="0" i="0" u="none" strike="noStrike" cap="none" normalizeH="0" baseline="0" dirty="0">
+                <a:ln>
+                  <a:noFill/>
+                </a:ln>
+                <a:solidFill>
+                  <a:srgbClr val="CC7832"/>
+                </a:solidFill>
+                <a:effectLst/>
+                <a:latin typeface="Consolas" panose="020B0609020204030204" pitchFamily="49" charset="0"/>
+              </a:rPr>
+              <a:t>,</a:t>
+            </a:r>
+            <a:br>
+              <a:rPr kumimoji="0" lang="zh-CN" altLang="zh-CN" sz="1600" b="0" i="0" u="none" strike="noStrike" cap="none" normalizeH="0" baseline="0" dirty="0">
+                <a:ln>
+                  <a:noFill/>
+                </a:ln>
+                <a:solidFill>
+                  <a:srgbClr val="CC7832"/>
+                </a:solidFill>
+                <a:effectLst/>
+                <a:latin typeface="Consolas" panose="020B0609020204030204" pitchFamily="49" charset="0"/>
+              </a:rPr>
+            </a:br>
+            <a:r>
+              <a:rPr kumimoji="0" lang="zh-CN" altLang="zh-CN" sz="1600" b="0" i="1" u="none" strike="noStrike" cap="none" normalizeH="0" baseline="0" dirty="0">
+                <a:ln>
+                  <a:noFill/>
+                </a:ln>
+                <a:solidFill>
+                  <a:srgbClr val="9876AA"/>
+                </a:solidFill>
+                <a:effectLst/>
+                <a:latin typeface="Consolas" panose="020B0609020204030204" pitchFamily="49" charset="0"/>
+              </a:rPr>
+              <a:t>WAITING</a:t>
+            </a:r>
+            <a:r>
+              <a:rPr kumimoji="0" lang="zh-CN" altLang="zh-CN" sz="1600" b="0" i="0" u="none" strike="noStrike" cap="none" normalizeH="0" baseline="0" dirty="0">
+                <a:ln>
+                  <a:noFill/>
+                </a:ln>
+                <a:solidFill>
+                  <a:srgbClr val="CC7832"/>
+                </a:solidFill>
+                <a:effectLst/>
+                <a:latin typeface="Consolas" panose="020B0609020204030204" pitchFamily="49" charset="0"/>
+              </a:rPr>
+              <a:t>,</a:t>
+            </a:r>
+            <a:br>
+              <a:rPr kumimoji="0" lang="zh-CN" altLang="zh-CN" sz="1600" b="0" i="0" u="none" strike="noStrike" cap="none" normalizeH="0" baseline="0" dirty="0">
+                <a:ln>
+                  <a:noFill/>
+                </a:ln>
+                <a:solidFill>
+                  <a:srgbClr val="CC7832"/>
+                </a:solidFill>
+                <a:effectLst/>
+                <a:latin typeface="Consolas" panose="020B0609020204030204" pitchFamily="49" charset="0"/>
+              </a:rPr>
+            </a:br>
+            <a:r>
+              <a:rPr kumimoji="0" lang="zh-CN" altLang="zh-CN" sz="1600" b="0" i="1" u="none" strike="noStrike" cap="none" normalizeH="0" baseline="0" dirty="0">
+                <a:ln>
+                  <a:noFill/>
+                </a:ln>
+                <a:solidFill>
+                  <a:srgbClr val="9876AA"/>
+                </a:solidFill>
+                <a:effectLst/>
+                <a:latin typeface="Consolas" panose="020B0609020204030204" pitchFamily="49" charset="0"/>
+              </a:rPr>
+              <a:t>TIMED_WAITING</a:t>
+            </a:r>
+            <a:r>
+              <a:rPr kumimoji="0" lang="zh-CN" altLang="zh-CN" sz="1600" b="0" i="0" u="none" strike="noStrike" cap="none" normalizeH="0" baseline="0" dirty="0">
+                <a:ln>
+                  <a:noFill/>
+                </a:ln>
+                <a:solidFill>
+                  <a:srgbClr val="CC7832"/>
+                </a:solidFill>
+                <a:effectLst/>
+                <a:latin typeface="Consolas" panose="020B0609020204030204" pitchFamily="49" charset="0"/>
+              </a:rPr>
+              <a:t>,</a:t>
+            </a:r>
+            <a:br>
+              <a:rPr kumimoji="0" lang="zh-CN" altLang="zh-CN" sz="1600" b="0" i="0" u="none" strike="noStrike" cap="none" normalizeH="0" baseline="0" dirty="0">
+                <a:ln>
+                  <a:noFill/>
+                </a:ln>
+                <a:solidFill>
+                  <a:srgbClr val="CC7832"/>
+                </a:solidFill>
+                <a:effectLst/>
+                <a:latin typeface="Consolas" panose="020B0609020204030204" pitchFamily="49" charset="0"/>
+              </a:rPr>
+            </a:br>
+            <a:r>
+              <a:rPr kumimoji="0" lang="zh-CN" altLang="zh-CN" sz="1600" b="0" i="1" u="none" strike="noStrike" cap="none" normalizeH="0" baseline="0" dirty="0">
+                <a:ln>
+                  <a:noFill/>
+                </a:ln>
+                <a:solidFill>
+                  <a:srgbClr val="9876AA"/>
+                </a:solidFill>
+                <a:effectLst/>
+                <a:latin typeface="Consolas" panose="020B0609020204030204" pitchFamily="49" charset="0"/>
+              </a:rPr>
+              <a:t>TERMINATED</a:t>
+            </a:r>
+            <a:r>
+              <a:rPr kumimoji="0" lang="zh-CN" altLang="zh-CN" sz="1600" b="0" i="0" u="none" strike="noStrike" cap="none" normalizeH="0" baseline="0" dirty="0">
+                <a:ln>
+                  <a:noFill/>
+                </a:ln>
+                <a:solidFill>
+                  <a:srgbClr val="CC7832"/>
+                </a:solidFill>
+                <a:effectLst/>
+                <a:latin typeface="Consolas" panose="020B0609020204030204" pitchFamily="49" charset="0"/>
+              </a:rPr>
+              <a:t>;</a:t>
+            </a:r>
+            <a:endParaRPr kumimoji="0" lang="zh-CN" altLang="zh-CN" sz="1800" b="0" i="0" u="none" strike="noStrike" cap="none" normalizeH="0" baseline="0" dirty="0">
+              <a:ln>
+                <a:noFill/>
+              </a:ln>
+              <a:solidFill>
+                <a:schemeClr val="tx1"/>
+              </a:solidFill>
+              <a:effectLst/>
+              <a:latin typeface="Arial" panose="020B0604020202020204" pitchFamily="34" charset="0"/>
+            </a:endParaRPr>
+          </a:p>
+        </p:txBody>
+      </p:sp>
+    </p:spTree>
+    <p:extLst>
+      <p:ext uri="{BB962C8B-B14F-4D97-AF65-F5344CB8AC3E}">
+        <p14:creationId xmlns:p14="http://schemas.microsoft.com/office/powerpoint/2010/main" val="2273757597"/>
       </p:ext>
     </p:extLst>
   </p:cSld>

--- a/presentation/介绍一下 Object 常见方法？/介绍一下 Object 常见方法？.pptx
+++ b/presentation/介绍一下 Object 常见方法？/介绍一下 Object 常见方法？.pptx
@@ -4362,8 +4362,31 @@
                 <a:latin typeface="微软雅黑" pitchFamily="34" charset="-122"/>
                 <a:ea typeface="微软雅黑" pitchFamily="34" charset="-122"/>
               </a:rPr>
-              <a:t>Producer_Consumer01.java</a:t>
-            </a:r>
+              <a:t>Producer_Consumer01.java  </a:t>
+            </a:r>
+            <a:r>
+              <a:rPr lang="zh-CN" altLang="en-US" sz="1400" dirty="0">
+                <a:ln w="6350">
+                  <a:noFill/>
+                </a:ln>
+                <a:solidFill>
+                  <a:srgbClr val="FF0000"/>
+                </a:solidFill>
+                <a:latin typeface="微软雅黑" pitchFamily="34" charset="-122"/>
+                <a:ea typeface="微软雅黑" pitchFamily="34" charset="-122"/>
+              </a:rPr>
+              <a:t>线程忙等</a:t>
+            </a:r>
+            <a:endParaRPr lang="en-US" altLang="zh-CN" sz="1400" dirty="0">
+              <a:ln w="6350">
+                <a:noFill/>
+              </a:ln>
+              <a:solidFill>
+                <a:srgbClr val="FF0000"/>
+              </a:solidFill>
+              <a:latin typeface="微软雅黑" pitchFamily="34" charset="-122"/>
+              <a:ea typeface="微软雅黑" pitchFamily="34" charset="-122"/>
+            </a:endParaRPr>
           </a:p>
         </p:txBody>
       </p:sp>
@@ -4535,7 +4558,7 @@
         </p:nvSpPr>
         <p:spPr>
           <a:xfrm>
-            <a:off x="1305385" y="3579862"/>
+            <a:off x="1168072" y="3579862"/>
             <a:ext cx="6867015" cy="377411"/>
           </a:xfrm>
           <a:prstGeom prst="rect">
